--- a/book/figures.pptx
+++ b/book/figures.pptx
@@ -3347,7 +3347,7 @@
         </p:nvSpPr>
         <p:spPr>
           <a:xfrm>
-            <a:off x="4063125" y="2529247"/>
+            <a:off x="4828669" y="3299713"/>
             <a:ext cx="765544" cy="811940"/>
           </a:xfrm>
           <a:prstGeom prst="ellipse">
@@ -3401,7 +3401,7 @@
         </p:nvSpPr>
         <p:spPr>
           <a:xfrm>
-            <a:off x="2648995" y="2529247"/>
+            <a:off x="2648995" y="3299713"/>
             <a:ext cx="765544" cy="811940"/>
           </a:xfrm>
           <a:prstGeom prst="ellipse">
@@ -3451,15 +3451,14 @@
             </a:extLst>
           </p:cNvPr>
           <p:cNvCxnSpPr>
-            <a:stCxn id="4" idx="2"/>
-            <a:endCxn id="5" idx="6"/>
+            <a:cxnSpLocks/>
           </p:cNvCxnSpPr>
           <p:nvPr/>
         </p:nvCxnSpPr>
         <p:spPr>
           <a:xfrm flipH="1">
-            <a:off x="3414539" y="2935217"/>
-            <a:ext cx="648586" cy="0"/>
+            <a:off x="3414539" y="3705683"/>
+            <a:ext cx="1414130" cy="0"/>
           </a:xfrm>
           <a:prstGeom prst="straightConnector1">
             <a:avLst/>
@@ -3497,7 +3496,7 @@
         </p:nvSpPr>
         <p:spPr>
           <a:xfrm>
-            <a:off x="1234870" y="2529247"/>
+            <a:off x="469321" y="3299713"/>
             <a:ext cx="765544" cy="811940"/>
           </a:xfrm>
           <a:prstGeom prst="ellipse">
@@ -3547,14 +3546,16 @@
             </a:extLst>
           </p:cNvPr>
           <p:cNvCxnSpPr>
+            <a:cxnSpLocks/>
+            <a:stCxn id="5" idx="2"/>
             <a:endCxn id="8" idx="6"/>
           </p:cNvCxnSpPr>
           <p:nvPr/>
         </p:nvCxnSpPr>
         <p:spPr>
           <a:xfrm flipH="1">
-            <a:off x="2000414" y="2935217"/>
-            <a:ext cx="648586" cy="0"/>
+            <a:off x="1234865" y="3705683"/>
+            <a:ext cx="1414130" cy="0"/>
           </a:xfrm>
           <a:prstGeom prst="straightConnector1">
             <a:avLst/>
@@ -3592,7 +3593,7 @@
         </p:nvSpPr>
         <p:spPr>
           <a:xfrm>
-            <a:off x="4063125" y="1108352"/>
+            <a:off x="4828669" y="1108352"/>
             <a:ext cx="765544" cy="811940"/>
           </a:xfrm>
           <a:prstGeom prst="ellipse">
@@ -3688,93 +3689,6 @@
       </p:sp>
       <p:cxnSp>
         <p:nvCxnSpPr>
-          <p:cNvPr id="18" name="Straight Arrow Connector 17">
-            <a:extLst>
-              <a:ext uri="{FF2B5EF4-FFF2-40B4-BE49-F238E27FC236}">
-                <a16:creationId xmlns:a16="http://schemas.microsoft.com/office/drawing/2014/main" id="{D4897571-49F0-1E49-882A-8AC4E452436B}"/>
-              </a:ext>
-            </a:extLst>
-          </p:cNvPr>
-          <p:cNvCxnSpPr>
-            <a:stCxn id="15" idx="4"/>
-            <a:endCxn id="5" idx="0"/>
-          </p:cNvCxnSpPr>
-          <p:nvPr/>
-        </p:nvCxnSpPr>
-        <p:spPr>
-          <a:xfrm>
-            <a:off x="3020123" y="1920292"/>
-            <a:ext cx="11644" cy="608955"/>
-          </a:xfrm>
-          <a:prstGeom prst="straightConnector1">
-            <a:avLst/>
-          </a:prstGeom>
-          <a:ln>
-            <a:headEnd type="triangle"/>
-            <a:tailEnd type="triangle"/>
-          </a:ln>
-        </p:spPr>
-        <p:style>
-          <a:lnRef idx="1">
-            <a:schemeClr val="accent1"/>
-          </a:lnRef>
-          <a:fillRef idx="0">
-            <a:schemeClr val="accent1"/>
-          </a:fillRef>
-          <a:effectRef idx="0">
-            <a:schemeClr val="accent1"/>
-          </a:effectRef>
-          <a:fontRef idx="minor">
-            <a:schemeClr val="tx1"/>
-          </a:fontRef>
-        </p:style>
-      </p:cxnSp>
-      <p:cxnSp>
-        <p:nvCxnSpPr>
-          <p:cNvPr id="19" name="Straight Arrow Connector 18">
-            <a:extLst>
-              <a:ext uri="{FF2B5EF4-FFF2-40B4-BE49-F238E27FC236}">
-                <a16:creationId xmlns:a16="http://schemas.microsoft.com/office/drawing/2014/main" id="{56D7FE5B-6858-FB48-9078-DD7E346C529D}"/>
-              </a:ext>
-            </a:extLst>
-          </p:cNvPr>
-          <p:cNvCxnSpPr>
-            <a:cxnSpLocks/>
-            <a:stCxn id="11" idx="4"/>
-            <a:endCxn id="4" idx="0"/>
-          </p:cNvCxnSpPr>
-          <p:nvPr/>
-        </p:nvCxnSpPr>
-        <p:spPr>
-          <a:xfrm>
-            <a:off x="4445897" y="1920292"/>
-            <a:ext cx="0" cy="608955"/>
-          </a:xfrm>
-          <a:prstGeom prst="straightConnector1">
-            <a:avLst/>
-          </a:prstGeom>
-          <a:ln>
-            <a:headEnd type="triangle"/>
-            <a:tailEnd type="triangle"/>
-          </a:ln>
-        </p:spPr>
-        <p:style>
-          <a:lnRef idx="1">
-            <a:schemeClr val="accent1"/>
-          </a:lnRef>
-          <a:fillRef idx="0">
-            <a:schemeClr val="accent1"/>
-          </a:fillRef>
-          <a:effectRef idx="0">
-            <a:schemeClr val="accent1"/>
-          </a:effectRef>
-          <a:fontRef idx="minor">
-            <a:schemeClr val="tx1"/>
-          </a:fontRef>
-        </p:style>
-      </p:cxnSp>
-      <p:cxnSp>
-        <p:nvCxnSpPr>
           <p:cNvPr id="33" name="Straight Arrow Connector 32">
             <a:extLst>
               <a:ext uri="{FF2B5EF4-FFF2-40B4-BE49-F238E27FC236}">
@@ -3792,7 +3706,7 @@
         <p:spPr>
           <a:xfrm flipH="1">
             <a:off x="3402895" y="1514322"/>
-            <a:ext cx="660230" cy="0"/>
+            <a:ext cx="1425774" cy="0"/>
           </a:xfrm>
           <a:prstGeom prst="straightConnector1">
             <a:avLst/>
@@ -3816,6 +3730,440 @@
           </a:fontRef>
         </p:style>
       </p:cxnSp>
+      <p:sp>
+        <p:nvSpPr>
+          <p:cNvPr id="3" name="TextBox 2">
+            <a:extLst>
+              <a:ext uri="{FF2B5EF4-FFF2-40B4-BE49-F238E27FC236}">
+                <a16:creationId xmlns:a16="http://schemas.microsoft.com/office/drawing/2014/main" id="{52CA47AC-E8C5-464D-8DE7-5633A9154C4A}"/>
+              </a:ext>
+            </a:extLst>
+          </p:cNvPr>
+          <p:cNvSpPr txBox="1"/>
+          <p:nvPr/>
+        </p:nvSpPr>
+        <p:spPr>
+          <a:xfrm>
+            <a:off x="3553526" y="901843"/>
+            <a:ext cx="1229825" cy="923330"/>
+          </a:xfrm>
+          <a:prstGeom prst="rect">
+            <a:avLst/>
+          </a:prstGeom>
+          <a:noFill/>
+        </p:spPr>
+        <p:txBody>
+          <a:bodyPr wrap="none" rtlCol="0">
+            <a:spAutoFit/>
+          </a:bodyPr>
+          <a:lstStyle/>
+          <a:p>
+            <a:pPr algn="ctr"/>
+            <a:r>
+              <a:rPr lang="en-US" dirty="0"/>
+              <a:t>process</a:t>
+            </a:r>
+          </a:p>
+          <a:p>
+            <a:pPr algn="ctr"/>
+            <a:r>
+              <a:rPr lang="en-US" dirty="0"/>
+              <a:t>not in </a:t>
+            </a:r>
+            <a:r>
+              <a:rPr lang="en-US" dirty="0" err="1"/>
+              <a:t>c.s</a:t>
+            </a:r>
+            <a:r>
+              <a:rPr lang="en-US" dirty="0"/>
+              <a:t>.</a:t>
+            </a:r>
+          </a:p>
+          <a:p>
+            <a:pPr algn="ctr"/>
+            <a:r>
+              <a:rPr lang="en-US" dirty="0"/>
+              <a:t>terminates</a:t>
+            </a:r>
+          </a:p>
+        </p:txBody>
+      </p:sp>
+      <p:sp>
+        <p:nvSpPr>
+          <p:cNvPr id="20" name="TextBox 19">
+            <a:extLst>
+              <a:ext uri="{FF2B5EF4-FFF2-40B4-BE49-F238E27FC236}">
+                <a16:creationId xmlns:a16="http://schemas.microsoft.com/office/drawing/2014/main" id="{867738CF-14F5-FC42-867B-365FF699A93C}"/>
+              </a:ext>
+            </a:extLst>
+          </p:cNvPr>
+          <p:cNvSpPr txBox="1"/>
+          <p:nvPr/>
+        </p:nvSpPr>
+        <p:spPr>
+          <a:xfrm>
+            <a:off x="3567505" y="3371612"/>
+            <a:ext cx="1201867" cy="646331"/>
+          </a:xfrm>
+          <a:prstGeom prst="rect">
+            <a:avLst/>
+          </a:prstGeom>
+          <a:noFill/>
+        </p:spPr>
+        <p:txBody>
+          <a:bodyPr wrap="none" rtlCol="0">
+            <a:spAutoFit/>
+          </a:bodyPr>
+          <a:lstStyle/>
+          <a:p>
+            <a:pPr algn="ctr"/>
+            <a:r>
+              <a:rPr lang="en-US" dirty="0"/>
+              <a:t>process</a:t>
+            </a:r>
+          </a:p>
+          <a:p>
+            <a:pPr algn="ctr"/>
+            <a:r>
+              <a:rPr lang="en-US" dirty="0"/>
+              <a:t>terminates</a:t>
+            </a:r>
+          </a:p>
+        </p:txBody>
+      </p:sp>
+      <p:sp>
+        <p:nvSpPr>
+          <p:cNvPr id="22" name="TextBox 21">
+            <a:extLst>
+              <a:ext uri="{FF2B5EF4-FFF2-40B4-BE49-F238E27FC236}">
+                <a16:creationId xmlns:a16="http://schemas.microsoft.com/office/drawing/2014/main" id="{4B7E1A48-AFCD-1D44-A83A-CF42FDE56357}"/>
+              </a:ext>
+            </a:extLst>
+          </p:cNvPr>
+          <p:cNvSpPr txBox="1"/>
+          <p:nvPr/>
+        </p:nvSpPr>
+        <p:spPr>
+          <a:xfrm>
+            <a:off x="1399475" y="3371612"/>
+            <a:ext cx="1201867" cy="646331"/>
+          </a:xfrm>
+          <a:prstGeom prst="rect">
+            <a:avLst/>
+          </a:prstGeom>
+          <a:noFill/>
+        </p:spPr>
+        <p:txBody>
+          <a:bodyPr wrap="none" rtlCol="0">
+            <a:spAutoFit/>
+          </a:bodyPr>
+          <a:lstStyle/>
+          <a:p>
+            <a:pPr algn="ctr"/>
+            <a:r>
+              <a:rPr lang="en-US" dirty="0"/>
+              <a:t>process</a:t>
+            </a:r>
+          </a:p>
+          <a:p>
+            <a:pPr algn="ctr"/>
+            <a:r>
+              <a:rPr lang="en-US" dirty="0"/>
+              <a:t>terminates</a:t>
+            </a:r>
+          </a:p>
+        </p:txBody>
+      </p:sp>
+      <p:sp>
+        <p:nvSpPr>
+          <p:cNvPr id="12" name="Arc 11">
+            <a:extLst>
+              <a:ext uri="{FF2B5EF4-FFF2-40B4-BE49-F238E27FC236}">
+                <a16:creationId xmlns:a16="http://schemas.microsoft.com/office/drawing/2014/main" id="{BC19845C-141F-3942-935D-EDDA7A4F0DE1}"/>
+              </a:ext>
+            </a:extLst>
+          </p:cNvPr>
+          <p:cNvSpPr/>
+          <p:nvPr/>
+        </p:nvSpPr>
+        <p:spPr>
+          <a:xfrm rot="13687481">
+            <a:off x="2416411" y="1647019"/>
+            <a:ext cx="2222950" cy="2099228"/>
+          </a:xfrm>
+          <a:prstGeom prst="arc">
+            <a:avLst/>
+          </a:prstGeom>
+          <a:ln>
+            <a:tailEnd type="triangle"/>
+          </a:ln>
+        </p:spPr>
+        <p:style>
+          <a:lnRef idx="1">
+            <a:schemeClr val="accent1"/>
+          </a:lnRef>
+          <a:fillRef idx="0">
+            <a:schemeClr val="accent1"/>
+          </a:fillRef>
+          <a:effectRef idx="0">
+            <a:schemeClr val="accent1"/>
+          </a:effectRef>
+          <a:fontRef idx="minor">
+            <a:schemeClr val="tx1"/>
+          </a:fontRef>
+        </p:style>
+        <p:txBody>
+          <a:bodyPr rtlCol="0" anchor="ctr"/>
+          <a:lstStyle/>
+          <a:p>
+            <a:pPr algn="ctr"/>
+            <a:endParaRPr lang="en-US" dirty="0"/>
+          </a:p>
+        </p:txBody>
+      </p:sp>
+      <p:sp>
+        <p:nvSpPr>
+          <p:cNvPr id="24" name="Arc 23">
+            <a:extLst>
+              <a:ext uri="{FF2B5EF4-FFF2-40B4-BE49-F238E27FC236}">
+                <a16:creationId xmlns:a16="http://schemas.microsoft.com/office/drawing/2014/main" id="{EE53FD98-5728-254F-B2B4-E90C5D3A2E6A}"/>
+              </a:ext>
+            </a:extLst>
+          </p:cNvPr>
+          <p:cNvSpPr/>
+          <p:nvPr/>
+        </p:nvSpPr>
+        <p:spPr>
+          <a:xfrm rot="13687481">
+            <a:off x="4592344" y="1647019"/>
+            <a:ext cx="2222950" cy="2099228"/>
+          </a:xfrm>
+          <a:prstGeom prst="arc">
+            <a:avLst/>
+          </a:prstGeom>
+          <a:ln>
+            <a:tailEnd type="triangle"/>
+          </a:ln>
+        </p:spPr>
+        <p:style>
+          <a:lnRef idx="1">
+            <a:schemeClr val="accent1"/>
+          </a:lnRef>
+          <a:fillRef idx="0">
+            <a:schemeClr val="accent1"/>
+          </a:fillRef>
+          <a:effectRef idx="0">
+            <a:schemeClr val="accent1"/>
+          </a:effectRef>
+          <a:fontRef idx="minor">
+            <a:schemeClr val="tx1"/>
+          </a:fontRef>
+        </p:style>
+        <p:txBody>
+          <a:bodyPr rtlCol="0" anchor="ctr"/>
+          <a:lstStyle/>
+          <a:p>
+            <a:pPr algn="ctr"/>
+            <a:endParaRPr lang="en-US" dirty="0"/>
+          </a:p>
+        </p:txBody>
+      </p:sp>
+      <p:sp>
+        <p:nvSpPr>
+          <p:cNvPr id="25" name="TextBox 24">
+            <a:extLst>
+              <a:ext uri="{FF2B5EF4-FFF2-40B4-BE49-F238E27FC236}">
+                <a16:creationId xmlns:a16="http://schemas.microsoft.com/office/drawing/2014/main" id="{231E2855-06B4-5C46-A67A-F9130B42F97C}"/>
+              </a:ext>
+            </a:extLst>
+          </p:cNvPr>
+          <p:cNvSpPr txBox="1"/>
+          <p:nvPr/>
+        </p:nvSpPr>
+        <p:spPr>
+          <a:xfrm>
+            <a:off x="1359043" y="2180326"/>
+            <a:ext cx="1131464" cy="646331"/>
+          </a:xfrm>
+          <a:prstGeom prst="rect">
+            <a:avLst/>
+          </a:prstGeom>
+          <a:noFill/>
+        </p:spPr>
+        <p:txBody>
+          <a:bodyPr wrap="none" rtlCol="0">
+            <a:spAutoFit/>
+          </a:bodyPr>
+          <a:lstStyle/>
+          <a:p>
+            <a:pPr algn="ctr"/>
+            <a:r>
+              <a:rPr lang="en-US" dirty="0"/>
+              <a:t>process</a:t>
+            </a:r>
+          </a:p>
+          <a:p>
+            <a:pPr algn="ctr"/>
+            <a:r>
+              <a:rPr lang="en-US" dirty="0"/>
+              <a:t>enters </a:t>
+            </a:r>
+            <a:r>
+              <a:rPr lang="en-US" dirty="0" err="1"/>
+              <a:t>c.s</a:t>
+            </a:r>
+            <a:r>
+              <a:rPr lang="en-US" dirty="0"/>
+              <a:t>.</a:t>
+            </a:r>
+          </a:p>
+        </p:txBody>
+      </p:sp>
+      <p:sp>
+        <p:nvSpPr>
+          <p:cNvPr id="31" name="Arc 30">
+            <a:extLst>
+              <a:ext uri="{FF2B5EF4-FFF2-40B4-BE49-F238E27FC236}">
+                <a16:creationId xmlns:a16="http://schemas.microsoft.com/office/drawing/2014/main" id="{149690CC-F6B4-774C-9BB0-CD7094E17577}"/>
+              </a:ext>
+            </a:extLst>
+          </p:cNvPr>
+          <p:cNvSpPr/>
+          <p:nvPr/>
+        </p:nvSpPr>
+        <p:spPr>
+          <a:xfrm rot="2700000">
+            <a:off x="3599942" y="1560390"/>
+            <a:ext cx="2222950" cy="2099228"/>
+          </a:xfrm>
+          <a:prstGeom prst="arc">
+            <a:avLst/>
+          </a:prstGeom>
+          <a:ln>
+            <a:tailEnd type="triangle"/>
+          </a:ln>
+        </p:spPr>
+        <p:style>
+          <a:lnRef idx="1">
+            <a:schemeClr val="accent1"/>
+          </a:lnRef>
+          <a:fillRef idx="0">
+            <a:schemeClr val="accent1"/>
+          </a:fillRef>
+          <a:effectRef idx="0">
+            <a:schemeClr val="accent1"/>
+          </a:effectRef>
+          <a:fontRef idx="minor">
+            <a:schemeClr val="tx1"/>
+          </a:fontRef>
+        </p:style>
+        <p:txBody>
+          <a:bodyPr rtlCol="0" anchor="ctr"/>
+          <a:lstStyle/>
+          <a:p>
+            <a:pPr algn="ctr"/>
+            <a:endParaRPr lang="en-US" dirty="0"/>
+          </a:p>
+        </p:txBody>
+      </p:sp>
+      <p:sp>
+        <p:nvSpPr>
+          <p:cNvPr id="32" name="Arc 31">
+            <a:extLst>
+              <a:ext uri="{FF2B5EF4-FFF2-40B4-BE49-F238E27FC236}">
+                <a16:creationId xmlns:a16="http://schemas.microsoft.com/office/drawing/2014/main" id="{28AE7A61-2A24-4145-B5BC-0CA4BE622E0A}"/>
+              </a:ext>
+            </a:extLst>
+          </p:cNvPr>
+          <p:cNvSpPr/>
+          <p:nvPr/>
+        </p:nvSpPr>
+        <p:spPr>
+          <a:xfrm rot="2700000">
+            <a:off x="1398608" y="1560389"/>
+            <a:ext cx="2222950" cy="2099228"/>
+          </a:xfrm>
+          <a:prstGeom prst="arc">
+            <a:avLst/>
+          </a:prstGeom>
+          <a:ln>
+            <a:tailEnd type="triangle"/>
+          </a:ln>
+        </p:spPr>
+        <p:style>
+          <a:lnRef idx="1">
+            <a:schemeClr val="accent1"/>
+          </a:lnRef>
+          <a:fillRef idx="0">
+            <a:schemeClr val="accent1"/>
+          </a:fillRef>
+          <a:effectRef idx="0">
+            <a:schemeClr val="accent1"/>
+          </a:effectRef>
+          <a:fontRef idx="minor">
+            <a:schemeClr val="tx1"/>
+          </a:fontRef>
+        </p:style>
+        <p:txBody>
+          <a:bodyPr rtlCol="0" anchor="ctr"/>
+          <a:lstStyle/>
+          <a:p>
+            <a:pPr algn="ctr"/>
+            <a:endParaRPr lang="en-US" dirty="0"/>
+          </a:p>
+        </p:txBody>
+      </p:sp>
+      <p:sp>
+        <p:nvSpPr>
+          <p:cNvPr id="34" name="TextBox 33">
+            <a:extLst>
+              <a:ext uri="{FF2B5EF4-FFF2-40B4-BE49-F238E27FC236}">
+                <a16:creationId xmlns:a16="http://schemas.microsoft.com/office/drawing/2014/main" id="{BEF43491-7E73-F242-9DE8-B1D708A8BBC0}"/>
+              </a:ext>
+            </a:extLst>
+          </p:cNvPr>
+          <p:cNvSpPr txBox="1"/>
+          <p:nvPr/>
+        </p:nvSpPr>
+        <p:spPr>
+          <a:xfrm>
+            <a:off x="5766061" y="2180326"/>
+            <a:ext cx="1122743" cy="646331"/>
+          </a:xfrm>
+          <a:prstGeom prst="rect">
+            <a:avLst/>
+          </a:prstGeom>
+          <a:noFill/>
+        </p:spPr>
+        <p:txBody>
+          <a:bodyPr wrap="none" rtlCol="0">
+            <a:spAutoFit/>
+          </a:bodyPr>
+          <a:lstStyle/>
+          <a:p>
+            <a:pPr algn="ctr"/>
+            <a:r>
+              <a:rPr lang="en-US" dirty="0"/>
+              <a:t>process</a:t>
+            </a:r>
+          </a:p>
+          <a:p>
+            <a:pPr algn="ctr"/>
+            <a:r>
+              <a:rPr lang="en-US" dirty="0"/>
+              <a:t>leaves </a:t>
+            </a:r>
+            <a:r>
+              <a:rPr lang="en-US" dirty="0" err="1"/>
+              <a:t>c.s</a:t>
+            </a:r>
+            <a:r>
+              <a:rPr lang="en-US" dirty="0"/>
+              <a:t>.</a:t>
+            </a:r>
+          </a:p>
+        </p:txBody>
+      </p:sp>
     </p:spTree>
     <p:extLst>
       <p:ext uri="{BB962C8B-B14F-4D97-AF65-F5344CB8AC3E}">
@@ -4203,93 +4551,6 @@
       </p:sp>
       <p:cxnSp>
         <p:nvCxnSpPr>
-          <p:cNvPr id="18" name="Straight Arrow Connector 17">
-            <a:extLst>
-              <a:ext uri="{FF2B5EF4-FFF2-40B4-BE49-F238E27FC236}">
-                <a16:creationId xmlns:a16="http://schemas.microsoft.com/office/drawing/2014/main" id="{D4897571-49F0-1E49-882A-8AC4E452436B}"/>
-              </a:ext>
-            </a:extLst>
-          </p:cNvPr>
-          <p:cNvCxnSpPr>
-            <a:stCxn id="15" idx="4"/>
-            <a:endCxn id="5" idx="0"/>
-          </p:cNvCxnSpPr>
-          <p:nvPr/>
-        </p:nvCxnSpPr>
-        <p:spPr>
-          <a:xfrm>
-            <a:off x="3779270" y="2870366"/>
-            <a:ext cx="11644" cy="600462"/>
-          </a:xfrm>
-          <a:prstGeom prst="straightConnector1">
-            <a:avLst/>
-          </a:prstGeom>
-          <a:ln>
-            <a:headEnd type="triangle"/>
-            <a:tailEnd type="triangle"/>
-          </a:ln>
-        </p:spPr>
-        <p:style>
-          <a:lnRef idx="1">
-            <a:schemeClr val="accent1"/>
-          </a:lnRef>
-          <a:fillRef idx="0">
-            <a:schemeClr val="accent1"/>
-          </a:fillRef>
-          <a:effectRef idx="0">
-            <a:schemeClr val="accent1"/>
-          </a:effectRef>
-          <a:fontRef idx="minor">
-            <a:schemeClr val="tx1"/>
-          </a:fontRef>
-        </p:style>
-      </p:cxnSp>
-      <p:cxnSp>
-        <p:nvCxnSpPr>
-          <p:cNvPr id="19" name="Straight Arrow Connector 18">
-            <a:extLst>
-              <a:ext uri="{FF2B5EF4-FFF2-40B4-BE49-F238E27FC236}">
-                <a16:creationId xmlns:a16="http://schemas.microsoft.com/office/drawing/2014/main" id="{56D7FE5B-6858-FB48-9078-DD7E346C529D}"/>
-              </a:ext>
-            </a:extLst>
-          </p:cNvPr>
-          <p:cNvCxnSpPr>
-            <a:cxnSpLocks/>
-            <a:stCxn id="11" idx="4"/>
-            <a:endCxn id="4" idx="0"/>
-          </p:cNvCxnSpPr>
-          <p:nvPr/>
-        </p:nvCxnSpPr>
-        <p:spPr>
-          <a:xfrm>
-            <a:off x="5205044" y="2870366"/>
-            <a:ext cx="0" cy="600462"/>
-          </a:xfrm>
-          <a:prstGeom prst="straightConnector1">
-            <a:avLst/>
-          </a:prstGeom>
-          <a:ln>
-            <a:headEnd type="triangle"/>
-            <a:tailEnd type="triangle"/>
-          </a:ln>
-        </p:spPr>
-        <p:style>
-          <a:lnRef idx="1">
-            <a:schemeClr val="accent1"/>
-          </a:lnRef>
-          <a:fillRef idx="0">
-            <a:schemeClr val="accent1"/>
-          </a:fillRef>
-          <a:effectRef idx="0">
-            <a:schemeClr val="accent1"/>
-          </a:effectRef>
-          <a:fontRef idx="minor">
-            <a:schemeClr val="tx1"/>
-          </a:fontRef>
-        </p:style>
-      </p:cxnSp>
-      <p:cxnSp>
-        <p:nvCxnSpPr>
           <p:cNvPr id="33" name="Straight Arrow Connector 32">
             <a:extLst>
               <a:ext uri="{FF2B5EF4-FFF2-40B4-BE49-F238E27FC236}">
@@ -4536,130 +4797,1185 @@
           </a:fontRef>
         </p:style>
       </p:cxnSp>
-      <p:cxnSp>
-        <p:nvCxnSpPr>
-          <p:cNvPr id="47" name="Straight Arrow Connector 46">
-            <a:extLst>
-              <a:ext uri="{FF2B5EF4-FFF2-40B4-BE49-F238E27FC236}">
-                <a16:creationId xmlns:a16="http://schemas.microsoft.com/office/drawing/2014/main" id="{3668A905-65E4-8D44-BE1E-ABDD4AC4A18A}"/>
-              </a:ext>
-            </a:extLst>
-          </p:cNvPr>
-          <p:cNvCxnSpPr>
-            <a:cxnSpLocks/>
-          </p:cNvCxnSpPr>
+      <p:grpSp>
+        <p:nvGrpSpPr>
+          <p:cNvPr id="62" name="Group 61">
+            <a:extLst>
+              <a:ext uri="{FF2B5EF4-FFF2-40B4-BE49-F238E27FC236}">
+                <a16:creationId xmlns:a16="http://schemas.microsoft.com/office/drawing/2014/main" id="{A36EC626-8FC3-DC47-87DD-800DA38EF9A3}"/>
+              </a:ext>
+            </a:extLst>
+          </p:cNvPr>
+          <p:cNvGrpSpPr/>
           <p:nvPr/>
-        </p:nvCxnSpPr>
-        <p:spPr>
+        </p:nvGrpSpPr>
+        <p:grpSpPr>
           <a:xfrm>
-            <a:off x="5205044" y="1796477"/>
-            <a:ext cx="0" cy="600462"/>
-          </a:xfrm>
-          <a:prstGeom prst="straightConnector1">
+            <a:off x="4628460" y="1664016"/>
+            <a:ext cx="1153165" cy="861463"/>
+            <a:chOff x="6515069" y="931263"/>
+            <a:chExt cx="3091630" cy="2309579"/>
+          </a:xfrm>
+        </p:grpSpPr>
+        <p:sp>
+          <p:nvSpPr>
+            <p:cNvPr id="60" name="Arc 59">
+              <a:extLst>
+                <a:ext uri="{FF2B5EF4-FFF2-40B4-BE49-F238E27FC236}">
+                  <a16:creationId xmlns:a16="http://schemas.microsoft.com/office/drawing/2014/main" id="{9BA7551B-EE2A-E040-8B34-6073BF84BC95}"/>
+                </a:ext>
+              </a:extLst>
+            </p:cNvPr>
+            <p:cNvSpPr/>
+            <p:nvPr/>
+          </p:nvSpPr>
+          <p:spPr>
+            <a:xfrm rot="13687481">
+              <a:off x="7445610" y="1079753"/>
+              <a:ext cx="2222950" cy="2099228"/>
+            </a:xfrm>
+            <a:prstGeom prst="arc">
+              <a:avLst/>
+            </a:prstGeom>
+            <a:ln>
+              <a:tailEnd type="triangle"/>
+            </a:ln>
+          </p:spPr>
+          <p:style>
+            <a:lnRef idx="1">
+              <a:schemeClr val="accent1"/>
+            </a:lnRef>
+            <a:fillRef idx="0">
+              <a:schemeClr val="accent1"/>
+            </a:fillRef>
+            <a:effectRef idx="0">
+              <a:schemeClr val="accent1"/>
+            </a:effectRef>
+            <a:fontRef idx="minor">
+              <a:schemeClr val="tx1"/>
+            </a:fontRef>
+          </p:style>
+          <p:txBody>
+            <a:bodyPr rtlCol="0" anchor="ctr"/>
+            <a:lstStyle/>
+            <a:p>
+              <a:pPr algn="ctr"/>
+              <a:endParaRPr lang="en-US" dirty="0"/>
+            </a:p>
+          </p:txBody>
+        </p:sp>
+        <p:sp>
+          <p:nvSpPr>
+            <p:cNvPr id="61" name="Arc 60">
+              <a:extLst>
+                <a:ext uri="{FF2B5EF4-FFF2-40B4-BE49-F238E27FC236}">
+                  <a16:creationId xmlns:a16="http://schemas.microsoft.com/office/drawing/2014/main" id="{C3D2E0F8-6B3A-F341-A8CF-11CFC9BED492}"/>
+                </a:ext>
+              </a:extLst>
+            </p:cNvPr>
+            <p:cNvSpPr/>
+            <p:nvPr/>
+          </p:nvSpPr>
+          <p:spPr>
+            <a:xfrm rot="2700000">
+              <a:off x="6453208" y="993124"/>
+              <a:ext cx="2222950" cy="2099228"/>
+            </a:xfrm>
+            <a:prstGeom prst="arc">
+              <a:avLst/>
+            </a:prstGeom>
+            <a:ln>
+              <a:tailEnd type="triangle"/>
+            </a:ln>
+          </p:spPr>
+          <p:style>
+            <a:lnRef idx="1">
+              <a:schemeClr val="accent1"/>
+            </a:lnRef>
+            <a:fillRef idx="0">
+              <a:schemeClr val="accent1"/>
+            </a:fillRef>
+            <a:effectRef idx="0">
+              <a:schemeClr val="accent1"/>
+            </a:effectRef>
+            <a:fontRef idx="minor">
+              <a:schemeClr val="tx1"/>
+            </a:fontRef>
+          </p:style>
+          <p:txBody>
+            <a:bodyPr rtlCol="0" anchor="ctr"/>
+            <a:lstStyle/>
+            <a:p>
+              <a:pPr algn="ctr"/>
+              <a:endParaRPr lang="en-US" dirty="0"/>
+            </a:p>
+          </p:txBody>
+        </p:sp>
+      </p:grpSp>
+      <p:grpSp>
+        <p:nvGrpSpPr>
+          <p:cNvPr id="63" name="Group 62">
+            <a:extLst>
+              <a:ext uri="{FF2B5EF4-FFF2-40B4-BE49-F238E27FC236}">
+                <a16:creationId xmlns:a16="http://schemas.microsoft.com/office/drawing/2014/main" id="{A7C7B314-2147-7545-955E-EB7DF46A6534}"/>
+              </a:ext>
+            </a:extLst>
+          </p:cNvPr>
+          <p:cNvGrpSpPr/>
+          <p:nvPr/>
+        </p:nvGrpSpPr>
+        <p:grpSpPr>
+          <a:xfrm>
+            <a:off x="3206060" y="2747749"/>
+            <a:ext cx="1153165" cy="861463"/>
+            <a:chOff x="6515069" y="931263"/>
+            <a:chExt cx="3091630" cy="2309579"/>
+          </a:xfrm>
+        </p:grpSpPr>
+        <p:sp>
+          <p:nvSpPr>
+            <p:cNvPr id="64" name="Arc 63">
+              <a:extLst>
+                <a:ext uri="{FF2B5EF4-FFF2-40B4-BE49-F238E27FC236}">
+                  <a16:creationId xmlns:a16="http://schemas.microsoft.com/office/drawing/2014/main" id="{9C08FC5F-C490-7945-A086-49087D213361}"/>
+                </a:ext>
+              </a:extLst>
+            </p:cNvPr>
+            <p:cNvSpPr/>
+            <p:nvPr/>
+          </p:nvSpPr>
+          <p:spPr>
+            <a:xfrm rot="13687481">
+              <a:off x="7445610" y="1079753"/>
+              <a:ext cx="2222950" cy="2099228"/>
+            </a:xfrm>
+            <a:prstGeom prst="arc">
+              <a:avLst/>
+            </a:prstGeom>
+            <a:ln>
+              <a:tailEnd type="triangle"/>
+            </a:ln>
+          </p:spPr>
+          <p:style>
+            <a:lnRef idx="1">
+              <a:schemeClr val="accent1"/>
+            </a:lnRef>
+            <a:fillRef idx="0">
+              <a:schemeClr val="accent1"/>
+            </a:fillRef>
+            <a:effectRef idx="0">
+              <a:schemeClr val="accent1"/>
+            </a:effectRef>
+            <a:fontRef idx="minor">
+              <a:schemeClr val="tx1"/>
+            </a:fontRef>
+          </p:style>
+          <p:txBody>
+            <a:bodyPr rtlCol="0" anchor="ctr"/>
+            <a:lstStyle/>
+            <a:p>
+              <a:pPr algn="ctr"/>
+              <a:endParaRPr lang="en-US" dirty="0"/>
+            </a:p>
+          </p:txBody>
+        </p:sp>
+        <p:sp>
+          <p:nvSpPr>
+            <p:cNvPr id="65" name="Arc 64">
+              <a:extLst>
+                <a:ext uri="{FF2B5EF4-FFF2-40B4-BE49-F238E27FC236}">
+                  <a16:creationId xmlns:a16="http://schemas.microsoft.com/office/drawing/2014/main" id="{EBC27A93-8689-8140-AF14-D46DE0E8194D}"/>
+                </a:ext>
+              </a:extLst>
+            </p:cNvPr>
+            <p:cNvSpPr/>
+            <p:nvPr/>
+          </p:nvSpPr>
+          <p:spPr>
+            <a:xfrm rot="2700000">
+              <a:off x="6453208" y="993124"/>
+              <a:ext cx="2222950" cy="2099228"/>
+            </a:xfrm>
+            <a:prstGeom prst="arc">
+              <a:avLst/>
+            </a:prstGeom>
+            <a:ln>
+              <a:tailEnd type="triangle"/>
+            </a:ln>
+          </p:spPr>
+          <p:style>
+            <a:lnRef idx="1">
+              <a:schemeClr val="accent1"/>
+            </a:lnRef>
+            <a:fillRef idx="0">
+              <a:schemeClr val="accent1"/>
+            </a:fillRef>
+            <a:effectRef idx="0">
+              <a:schemeClr val="accent1"/>
+            </a:effectRef>
+            <a:fontRef idx="minor">
+              <a:schemeClr val="tx1"/>
+            </a:fontRef>
+          </p:style>
+          <p:txBody>
+            <a:bodyPr rtlCol="0" anchor="ctr"/>
+            <a:lstStyle/>
+            <a:p>
+              <a:pPr algn="ctr"/>
+              <a:endParaRPr lang="en-US" dirty="0"/>
+            </a:p>
+          </p:txBody>
+        </p:sp>
+      </p:grpSp>
+      <p:grpSp>
+        <p:nvGrpSpPr>
+          <p:cNvPr id="66" name="Group 65">
+            <a:extLst>
+              <a:ext uri="{FF2B5EF4-FFF2-40B4-BE49-F238E27FC236}">
+                <a16:creationId xmlns:a16="http://schemas.microsoft.com/office/drawing/2014/main" id="{F60D0057-8A04-2549-BFFA-148B6EEE92BA}"/>
+              </a:ext>
+            </a:extLst>
+          </p:cNvPr>
+          <p:cNvGrpSpPr/>
+          <p:nvPr/>
+        </p:nvGrpSpPr>
+        <p:grpSpPr>
+          <a:xfrm>
+            <a:off x="4636926" y="2747749"/>
+            <a:ext cx="1153165" cy="861463"/>
+            <a:chOff x="6515069" y="931263"/>
+            <a:chExt cx="3091630" cy="2309579"/>
+          </a:xfrm>
+        </p:grpSpPr>
+        <p:sp>
+          <p:nvSpPr>
+            <p:cNvPr id="67" name="Arc 66">
+              <a:extLst>
+                <a:ext uri="{FF2B5EF4-FFF2-40B4-BE49-F238E27FC236}">
+                  <a16:creationId xmlns:a16="http://schemas.microsoft.com/office/drawing/2014/main" id="{BFF5F388-A54F-4F4A-867A-75B093CE2B15}"/>
+                </a:ext>
+              </a:extLst>
+            </p:cNvPr>
+            <p:cNvSpPr/>
+            <p:nvPr/>
+          </p:nvSpPr>
+          <p:spPr>
+            <a:xfrm rot="13687481">
+              <a:off x="7445610" y="1079753"/>
+              <a:ext cx="2222950" cy="2099228"/>
+            </a:xfrm>
+            <a:prstGeom prst="arc">
+              <a:avLst/>
+            </a:prstGeom>
+            <a:ln>
+              <a:tailEnd type="triangle"/>
+            </a:ln>
+          </p:spPr>
+          <p:style>
+            <a:lnRef idx="1">
+              <a:schemeClr val="accent1"/>
+            </a:lnRef>
+            <a:fillRef idx="0">
+              <a:schemeClr val="accent1"/>
+            </a:fillRef>
+            <a:effectRef idx="0">
+              <a:schemeClr val="accent1"/>
+            </a:effectRef>
+            <a:fontRef idx="minor">
+              <a:schemeClr val="tx1"/>
+            </a:fontRef>
+          </p:style>
+          <p:txBody>
+            <a:bodyPr rtlCol="0" anchor="ctr"/>
+            <a:lstStyle/>
+            <a:p>
+              <a:pPr algn="ctr"/>
+              <a:endParaRPr lang="en-US" dirty="0"/>
+            </a:p>
+          </p:txBody>
+        </p:sp>
+        <p:sp>
+          <p:nvSpPr>
+            <p:cNvPr id="68" name="Arc 67">
+              <a:extLst>
+                <a:ext uri="{FF2B5EF4-FFF2-40B4-BE49-F238E27FC236}">
+                  <a16:creationId xmlns:a16="http://schemas.microsoft.com/office/drawing/2014/main" id="{7BD1683D-4746-7F44-8C07-38649F30D44F}"/>
+                </a:ext>
+              </a:extLst>
+            </p:cNvPr>
+            <p:cNvSpPr/>
+            <p:nvPr/>
+          </p:nvSpPr>
+          <p:spPr>
+            <a:xfrm rot="2700000">
+              <a:off x="6453208" y="993124"/>
+              <a:ext cx="2222950" cy="2099228"/>
+            </a:xfrm>
+            <a:prstGeom prst="arc">
+              <a:avLst/>
+            </a:prstGeom>
+            <a:ln>
+              <a:tailEnd type="triangle"/>
+            </a:ln>
+          </p:spPr>
+          <p:style>
+            <a:lnRef idx="1">
+              <a:schemeClr val="accent1"/>
+            </a:lnRef>
+            <a:fillRef idx="0">
+              <a:schemeClr val="accent1"/>
+            </a:fillRef>
+            <a:effectRef idx="0">
+              <a:schemeClr val="accent1"/>
+            </a:effectRef>
+            <a:fontRef idx="minor">
+              <a:schemeClr val="tx1"/>
+            </a:fontRef>
+          </p:style>
+          <p:txBody>
+            <a:bodyPr rtlCol="0" anchor="ctr"/>
+            <a:lstStyle/>
+            <a:p>
+              <a:pPr algn="ctr"/>
+              <a:endParaRPr lang="en-US" dirty="0"/>
+            </a:p>
+          </p:txBody>
+        </p:sp>
+      </p:grpSp>
+      <p:sp>
+        <p:nvSpPr>
+          <p:cNvPr id="75" name="TextBox 74">
+            <a:extLst>
+              <a:ext uri="{FF2B5EF4-FFF2-40B4-BE49-F238E27FC236}">
+                <a16:creationId xmlns:a16="http://schemas.microsoft.com/office/drawing/2014/main" id="{043144EB-A049-9F4D-998A-2A55AF8DE73D}"/>
+              </a:ext>
+            </a:extLst>
+          </p:cNvPr>
+          <p:cNvSpPr txBox="1"/>
+          <p:nvPr/>
+        </p:nvSpPr>
+        <p:spPr>
+          <a:xfrm>
+            <a:off x="1998488" y="737591"/>
+            <a:ext cx="2835841" cy="1477328"/>
+          </a:xfrm>
+          <a:prstGeom prst="rect">
             <a:avLst/>
           </a:prstGeom>
-          <a:ln>
-            <a:headEnd type="triangle"/>
-            <a:tailEnd type="triangle"/>
-          </a:ln>
-        </p:spPr>
-        <p:style>
-          <a:lnRef idx="1">
-            <a:schemeClr val="accent1"/>
-          </a:lnRef>
-          <a:fillRef idx="0">
-            <a:schemeClr val="accent1"/>
-          </a:fillRef>
-          <a:effectRef idx="0">
-            <a:schemeClr val="accent1"/>
-          </a:effectRef>
-          <a:fontRef idx="minor">
-            <a:schemeClr val="tx1"/>
-          </a:fontRef>
-        </p:style>
-      </p:cxnSp>
-      <p:cxnSp>
-        <p:nvCxnSpPr>
-          <p:cNvPr id="48" name="Straight Arrow Connector 47">
-            <a:extLst>
-              <a:ext uri="{FF2B5EF4-FFF2-40B4-BE49-F238E27FC236}">
-                <a16:creationId xmlns:a16="http://schemas.microsoft.com/office/drawing/2014/main" id="{83A680C6-F350-764B-8ACF-21899991368A}"/>
-              </a:ext>
-            </a:extLst>
-          </p:cNvPr>
-          <p:cNvCxnSpPr/>
+          <a:noFill/>
+        </p:spPr>
+        <p:txBody>
+          <a:bodyPr wrap="none" rtlCol="0">
+            <a:spAutoFit/>
+          </a:bodyPr>
+          <a:lstStyle/>
+          <a:p>
+            <a:pPr marL="342900" indent="-342900">
+              <a:buAutoNum type="arabicParenBoth"/>
+            </a:pPr>
+            <a:r>
+              <a:rPr lang="en-US" dirty="0"/>
+              <a:t>process not in </a:t>
+            </a:r>
+            <a:r>
+              <a:rPr lang="en-US" dirty="0" err="1"/>
+              <a:t>c.s</a:t>
+            </a:r>
+            <a:r>
+              <a:rPr lang="en-US" dirty="0"/>
+              <a:t>. leaves</a:t>
+            </a:r>
+          </a:p>
+          <a:p>
+            <a:pPr marL="342900" indent="-342900">
+              <a:buAutoNum type="arabicParenBoth"/>
+            </a:pPr>
+            <a:r>
+              <a:rPr lang="en-US" dirty="0"/>
+              <a:t>process enters </a:t>
+            </a:r>
+            <a:r>
+              <a:rPr lang="en-US" dirty="0" err="1"/>
+              <a:t>r.c.s</a:t>
+            </a:r>
+            <a:r>
+              <a:rPr lang="en-US" dirty="0"/>
+              <a:t>.</a:t>
+            </a:r>
+          </a:p>
+          <a:p>
+            <a:pPr marL="342900" indent="-342900">
+              <a:buAutoNum type="arabicParenBoth"/>
+            </a:pPr>
+            <a:r>
+              <a:rPr lang="en-US" dirty="0"/>
+              <a:t>process leaves </a:t>
+            </a:r>
+            <a:r>
+              <a:rPr lang="en-US" dirty="0" err="1"/>
+              <a:t>r.c.s</a:t>
+            </a:r>
+            <a:r>
+              <a:rPr lang="en-US" dirty="0"/>
+              <a:t>.</a:t>
+            </a:r>
+          </a:p>
+          <a:p>
+            <a:pPr marL="342900" indent="-342900">
+              <a:buAutoNum type="arabicParenBoth"/>
+            </a:pPr>
+            <a:r>
+              <a:rPr lang="en-US" dirty="0"/>
+              <a:t>process enters </a:t>
+            </a:r>
+            <a:r>
+              <a:rPr lang="en-US" dirty="0" err="1"/>
+              <a:t>w.c.s</a:t>
+            </a:r>
+            <a:r>
+              <a:rPr lang="en-US" dirty="0"/>
+              <a:t>.</a:t>
+            </a:r>
+          </a:p>
+          <a:p>
+            <a:pPr marL="342900" indent="-342900">
+              <a:buAutoNum type="arabicParenBoth"/>
+            </a:pPr>
+            <a:r>
+              <a:rPr lang="en-US" dirty="0"/>
+              <a:t>process leaves </a:t>
+            </a:r>
+            <a:r>
+              <a:rPr lang="en-US" dirty="0" err="1"/>
+              <a:t>w.c.s</a:t>
+            </a:r>
+            <a:r>
+              <a:rPr lang="en-US" dirty="0"/>
+              <a:t>.</a:t>
+            </a:r>
+          </a:p>
+        </p:txBody>
+      </p:sp>
+      <p:sp>
+        <p:nvSpPr>
+          <p:cNvPr id="76" name="TextBox 75">
+            <a:extLst>
+              <a:ext uri="{FF2B5EF4-FFF2-40B4-BE49-F238E27FC236}">
+                <a16:creationId xmlns:a16="http://schemas.microsoft.com/office/drawing/2014/main" id="{71492A1D-9B52-6F4B-AC6E-39B55521BD7D}"/>
+              </a:ext>
+            </a:extLst>
+          </p:cNvPr>
+          <p:cNvSpPr txBox="1"/>
           <p:nvPr/>
-        </p:nvCxnSpPr>
+        </p:nvSpPr>
         <p:spPr>
           <a:xfrm>
-            <a:off x="3779270" y="3954887"/>
-            <a:ext cx="11644" cy="600462"/>
-          </a:xfrm>
-          <a:prstGeom prst="straightConnector1">
+            <a:off x="2887883" y="3379153"/>
+            <a:ext cx="442750" cy="369332"/>
+          </a:xfrm>
+          <a:prstGeom prst="rect">
             <a:avLst/>
           </a:prstGeom>
-          <a:ln>
-            <a:headEnd type="triangle"/>
-            <a:tailEnd type="triangle"/>
-          </a:ln>
-        </p:spPr>
-        <p:style>
-          <a:lnRef idx="1">
-            <a:schemeClr val="accent1"/>
-          </a:lnRef>
-          <a:fillRef idx="0">
-            <a:schemeClr val="accent1"/>
-          </a:fillRef>
-          <a:effectRef idx="0">
-            <a:schemeClr val="accent1"/>
-          </a:effectRef>
-          <a:fontRef idx="minor">
-            <a:schemeClr val="tx1"/>
-          </a:fontRef>
-        </p:style>
-      </p:cxnSp>
-      <p:cxnSp>
-        <p:nvCxnSpPr>
-          <p:cNvPr id="49" name="Straight Arrow Connector 48">
-            <a:extLst>
-              <a:ext uri="{FF2B5EF4-FFF2-40B4-BE49-F238E27FC236}">
-                <a16:creationId xmlns:a16="http://schemas.microsoft.com/office/drawing/2014/main" id="{A5EF10F0-E9EB-0148-8703-ADE413EC6171}"/>
-              </a:ext>
-            </a:extLst>
-          </p:cNvPr>
-          <p:cNvCxnSpPr>
-            <a:cxnSpLocks/>
-          </p:cNvCxnSpPr>
+          <a:noFill/>
+        </p:spPr>
+        <p:txBody>
+          <a:bodyPr wrap="none" rtlCol="0">
+            <a:spAutoFit/>
+          </a:bodyPr>
+          <a:lstStyle/>
+          <a:p>
+            <a:r>
+              <a:rPr lang="en-US" dirty="0"/>
+              <a:t>(1)</a:t>
+            </a:r>
+          </a:p>
+        </p:txBody>
+      </p:sp>
+      <p:sp>
+        <p:nvSpPr>
+          <p:cNvPr id="77" name="TextBox 76">
+            <a:extLst>
+              <a:ext uri="{FF2B5EF4-FFF2-40B4-BE49-F238E27FC236}">
+                <a16:creationId xmlns:a16="http://schemas.microsoft.com/office/drawing/2014/main" id="{B8ACDC64-A1DF-CB4A-873C-31A8793BB42E}"/>
+              </a:ext>
+            </a:extLst>
+          </p:cNvPr>
+          <p:cNvSpPr txBox="1"/>
           <p:nvPr/>
-        </p:nvCxnSpPr>
+        </p:nvSpPr>
         <p:spPr>
           <a:xfrm>
-            <a:off x="5205044" y="3954887"/>
-            <a:ext cx="0" cy="600462"/>
-          </a:xfrm>
-          <a:prstGeom prst="straightConnector1">
+            <a:off x="4293350" y="3379153"/>
+            <a:ext cx="442750" cy="369332"/>
+          </a:xfrm>
+          <a:prstGeom prst="rect">
             <a:avLst/>
           </a:prstGeom>
-          <a:ln>
-            <a:headEnd type="triangle"/>
-            <a:tailEnd type="triangle"/>
-          </a:ln>
-        </p:spPr>
-        <p:style>
-          <a:lnRef idx="1">
-            <a:schemeClr val="accent1"/>
-          </a:lnRef>
-          <a:fillRef idx="0">
-            <a:schemeClr val="accent1"/>
-          </a:fillRef>
-          <a:effectRef idx="0">
-            <a:schemeClr val="accent1"/>
-          </a:effectRef>
-          <a:fontRef idx="minor">
-            <a:schemeClr val="tx1"/>
-          </a:fontRef>
-        </p:style>
-      </p:cxnSp>
+          <a:noFill/>
+        </p:spPr>
+        <p:txBody>
+          <a:bodyPr wrap="none" rtlCol="0">
+            <a:spAutoFit/>
+          </a:bodyPr>
+          <a:lstStyle/>
+          <a:p>
+            <a:r>
+              <a:rPr lang="en-US" dirty="0"/>
+              <a:t>(1)</a:t>
+            </a:r>
+          </a:p>
+        </p:txBody>
+      </p:sp>
+      <p:sp>
+        <p:nvSpPr>
+          <p:cNvPr id="78" name="TextBox 77">
+            <a:extLst>
+              <a:ext uri="{FF2B5EF4-FFF2-40B4-BE49-F238E27FC236}">
+                <a16:creationId xmlns:a16="http://schemas.microsoft.com/office/drawing/2014/main" id="{EA330340-1A2E-294E-AE43-D9F578A26C97}"/>
+              </a:ext>
+            </a:extLst>
+          </p:cNvPr>
+          <p:cNvSpPr txBox="1"/>
+          <p:nvPr/>
+        </p:nvSpPr>
+        <p:spPr>
+          <a:xfrm>
+            <a:off x="4293350" y="2286953"/>
+            <a:ext cx="442750" cy="369332"/>
+          </a:xfrm>
+          <a:prstGeom prst="rect">
+            <a:avLst/>
+          </a:prstGeom>
+          <a:noFill/>
+        </p:spPr>
+        <p:txBody>
+          <a:bodyPr wrap="none" rtlCol="0">
+            <a:spAutoFit/>
+          </a:bodyPr>
+          <a:lstStyle/>
+          <a:p>
+            <a:r>
+              <a:rPr lang="en-US" dirty="0"/>
+              <a:t>(1)</a:t>
+            </a:r>
+          </a:p>
+        </p:txBody>
+      </p:sp>
+      <p:sp>
+        <p:nvSpPr>
+          <p:cNvPr id="79" name="TextBox 78">
+            <a:extLst>
+              <a:ext uri="{FF2B5EF4-FFF2-40B4-BE49-F238E27FC236}">
+                <a16:creationId xmlns:a16="http://schemas.microsoft.com/office/drawing/2014/main" id="{7891DC31-C3C7-D144-9A47-B432B617CB19}"/>
+              </a:ext>
+            </a:extLst>
+          </p:cNvPr>
+          <p:cNvSpPr txBox="1"/>
+          <p:nvPr/>
+        </p:nvSpPr>
+        <p:spPr>
+          <a:xfrm>
+            <a:off x="4293350" y="4462886"/>
+            <a:ext cx="442750" cy="369332"/>
+          </a:xfrm>
+          <a:prstGeom prst="rect">
+            <a:avLst/>
+          </a:prstGeom>
+          <a:noFill/>
+        </p:spPr>
+        <p:txBody>
+          <a:bodyPr wrap="none" rtlCol="0">
+            <a:spAutoFit/>
+          </a:bodyPr>
+          <a:lstStyle/>
+          <a:p>
+            <a:r>
+              <a:rPr lang="en-US" dirty="0"/>
+              <a:t>(1)</a:t>
+            </a:r>
+          </a:p>
+        </p:txBody>
+      </p:sp>
+      <p:sp>
+        <p:nvSpPr>
+          <p:cNvPr id="80" name="TextBox 79">
+            <a:extLst>
+              <a:ext uri="{FF2B5EF4-FFF2-40B4-BE49-F238E27FC236}">
+                <a16:creationId xmlns:a16="http://schemas.microsoft.com/office/drawing/2014/main" id="{63960CBA-2DB0-794D-874C-9EB543DB85F8}"/>
+              </a:ext>
+            </a:extLst>
+          </p:cNvPr>
+          <p:cNvSpPr txBox="1"/>
+          <p:nvPr/>
+        </p:nvSpPr>
+        <p:spPr>
+          <a:xfrm>
+            <a:off x="3175750" y="2981220"/>
+            <a:ext cx="442750" cy="369332"/>
+          </a:xfrm>
+          <a:prstGeom prst="rect">
+            <a:avLst/>
+          </a:prstGeom>
+          <a:noFill/>
+        </p:spPr>
+        <p:txBody>
+          <a:bodyPr wrap="none" rtlCol="0">
+            <a:spAutoFit/>
+          </a:bodyPr>
+          <a:lstStyle/>
+          <a:p>
+            <a:r>
+              <a:rPr lang="en-US" dirty="0"/>
+              <a:t>(2)</a:t>
+            </a:r>
+          </a:p>
+        </p:txBody>
+      </p:sp>
+      <p:sp>
+        <p:nvSpPr>
+          <p:cNvPr id="81" name="TextBox 80">
+            <a:extLst>
+              <a:ext uri="{FF2B5EF4-FFF2-40B4-BE49-F238E27FC236}">
+                <a16:creationId xmlns:a16="http://schemas.microsoft.com/office/drawing/2014/main" id="{D5518840-0F6E-8240-BBAF-58B1E470A6FB}"/>
+              </a:ext>
+            </a:extLst>
+          </p:cNvPr>
+          <p:cNvSpPr txBox="1"/>
+          <p:nvPr/>
+        </p:nvSpPr>
+        <p:spPr>
+          <a:xfrm>
+            <a:off x="4598150" y="2981220"/>
+            <a:ext cx="442750" cy="369332"/>
+          </a:xfrm>
+          <a:prstGeom prst="rect">
+            <a:avLst/>
+          </a:prstGeom>
+          <a:noFill/>
+        </p:spPr>
+        <p:txBody>
+          <a:bodyPr wrap="none" rtlCol="0">
+            <a:spAutoFit/>
+          </a:bodyPr>
+          <a:lstStyle/>
+          <a:p>
+            <a:r>
+              <a:rPr lang="en-US" dirty="0"/>
+              <a:t>(2)</a:t>
+            </a:r>
+          </a:p>
+        </p:txBody>
+      </p:sp>
+      <p:sp>
+        <p:nvSpPr>
+          <p:cNvPr id="82" name="TextBox 81">
+            <a:extLst>
+              <a:ext uri="{FF2B5EF4-FFF2-40B4-BE49-F238E27FC236}">
+                <a16:creationId xmlns:a16="http://schemas.microsoft.com/office/drawing/2014/main" id="{6CB42EE5-257F-9D4F-89DF-E58ECD087D8C}"/>
+              </a:ext>
+            </a:extLst>
+          </p:cNvPr>
+          <p:cNvSpPr txBox="1"/>
+          <p:nvPr/>
+        </p:nvSpPr>
+        <p:spPr>
+          <a:xfrm>
+            <a:off x="4598150" y="1880553"/>
+            <a:ext cx="442750" cy="369332"/>
+          </a:xfrm>
+          <a:prstGeom prst="rect">
+            <a:avLst/>
+          </a:prstGeom>
+          <a:noFill/>
+        </p:spPr>
+        <p:txBody>
+          <a:bodyPr wrap="none" rtlCol="0">
+            <a:spAutoFit/>
+          </a:bodyPr>
+          <a:lstStyle/>
+          <a:p>
+            <a:r>
+              <a:rPr lang="en-US" dirty="0"/>
+              <a:t>(2)</a:t>
+            </a:r>
+          </a:p>
+        </p:txBody>
+      </p:sp>
+      <p:sp>
+        <p:nvSpPr>
+          <p:cNvPr id="83" name="TextBox 82">
+            <a:extLst>
+              <a:ext uri="{FF2B5EF4-FFF2-40B4-BE49-F238E27FC236}">
+                <a16:creationId xmlns:a16="http://schemas.microsoft.com/office/drawing/2014/main" id="{6AC6502D-D7FC-2448-A7B9-6A282B4E3311}"/>
+              </a:ext>
+            </a:extLst>
+          </p:cNvPr>
+          <p:cNvSpPr txBox="1"/>
+          <p:nvPr/>
+        </p:nvSpPr>
+        <p:spPr>
+          <a:xfrm>
+            <a:off x="5385550" y="1880553"/>
+            <a:ext cx="442750" cy="369332"/>
+          </a:xfrm>
+          <a:prstGeom prst="rect">
+            <a:avLst/>
+          </a:prstGeom>
+          <a:noFill/>
+        </p:spPr>
+        <p:txBody>
+          <a:bodyPr wrap="none" rtlCol="0">
+            <a:spAutoFit/>
+          </a:bodyPr>
+          <a:lstStyle/>
+          <a:p>
+            <a:r>
+              <a:rPr lang="en-US" dirty="0"/>
+              <a:t>(3)</a:t>
+            </a:r>
+          </a:p>
+        </p:txBody>
+      </p:sp>
+      <p:sp>
+        <p:nvSpPr>
+          <p:cNvPr id="84" name="TextBox 83">
+            <a:extLst>
+              <a:ext uri="{FF2B5EF4-FFF2-40B4-BE49-F238E27FC236}">
+                <a16:creationId xmlns:a16="http://schemas.microsoft.com/office/drawing/2014/main" id="{CA7387D6-3396-F948-A988-4FB658225919}"/>
+              </a:ext>
+            </a:extLst>
+          </p:cNvPr>
+          <p:cNvSpPr txBox="1"/>
+          <p:nvPr/>
+        </p:nvSpPr>
+        <p:spPr>
+          <a:xfrm>
+            <a:off x="5385550" y="2972753"/>
+            <a:ext cx="442750" cy="369332"/>
+          </a:xfrm>
+          <a:prstGeom prst="rect">
+            <a:avLst/>
+          </a:prstGeom>
+          <a:noFill/>
+        </p:spPr>
+        <p:txBody>
+          <a:bodyPr wrap="none" rtlCol="0">
+            <a:spAutoFit/>
+          </a:bodyPr>
+          <a:lstStyle/>
+          <a:p>
+            <a:r>
+              <a:rPr lang="en-US" dirty="0"/>
+              <a:t>(3)</a:t>
+            </a:r>
+          </a:p>
+        </p:txBody>
+      </p:sp>
+      <p:sp>
+        <p:nvSpPr>
+          <p:cNvPr id="85" name="TextBox 84">
+            <a:extLst>
+              <a:ext uri="{FF2B5EF4-FFF2-40B4-BE49-F238E27FC236}">
+                <a16:creationId xmlns:a16="http://schemas.microsoft.com/office/drawing/2014/main" id="{CEC97CB5-A7D2-CC4A-BEF6-18B153FB4C40}"/>
+              </a:ext>
+            </a:extLst>
+          </p:cNvPr>
+          <p:cNvSpPr txBox="1"/>
+          <p:nvPr/>
+        </p:nvSpPr>
+        <p:spPr>
+          <a:xfrm>
+            <a:off x="3954684" y="2972753"/>
+            <a:ext cx="442750" cy="369332"/>
+          </a:xfrm>
+          <a:prstGeom prst="rect">
+            <a:avLst/>
+          </a:prstGeom>
+          <a:noFill/>
+        </p:spPr>
+        <p:txBody>
+          <a:bodyPr wrap="none" rtlCol="0">
+            <a:spAutoFit/>
+          </a:bodyPr>
+          <a:lstStyle/>
+          <a:p>
+            <a:r>
+              <a:rPr lang="en-US" dirty="0"/>
+              <a:t>(3)</a:t>
+            </a:r>
+          </a:p>
+        </p:txBody>
+      </p:sp>
+      <p:sp>
+        <p:nvSpPr>
+          <p:cNvPr id="86" name="TextBox 85">
+            <a:extLst>
+              <a:ext uri="{FF2B5EF4-FFF2-40B4-BE49-F238E27FC236}">
+                <a16:creationId xmlns:a16="http://schemas.microsoft.com/office/drawing/2014/main" id="{ED5B5866-DE51-9C4B-8E6C-8788B113C13A}"/>
+              </a:ext>
+            </a:extLst>
+          </p:cNvPr>
+          <p:cNvSpPr txBox="1"/>
+          <p:nvPr/>
+        </p:nvSpPr>
+        <p:spPr>
+          <a:xfrm>
+            <a:off x="3954684" y="4056486"/>
+            <a:ext cx="442750" cy="369332"/>
+          </a:xfrm>
+          <a:prstGeom prst="rect">
+            <a:avLst/>
+          </a:prstGeom>
+          <a:noFill/>
+        </p:spPr>
+        <p:txBody>
+          <a:bodyPr wrap="none" rtlCol="0">
+            <a:spAutoFit/>
+          </a:bodyPr>
+          <a:lstStyle/>
+          <a:p>
+            <a:r>
+              <a:rPr lang="en-US" dirty="0"/>
+              <a:t>(5)</a:t>
+            </a:r>
+          </a:p>
+        </p:txBody>
+      </p:sp>
+      <p:sp>
+        <p:nvSpPr>
+          <p:cNvPr id="87" name="TextBox 86">
+            <a:extLst>
+              <a:ext uri="{FF2B5EF4-FFF2-40B4-BE49-F238E27FC236}">
+                <a16:creationId xmlns:a16="http://schemas.microsoft.com/office/drawing/2014/main" id="{FF69E044-6DD0-6B44-B2E7-E50915D4E754}"/>
+              </a:ext>
+            </a:extLst>
+          </p:cNvPr>
+          <p:cNvSpPr txBox="1"/>
+          <p:nvPr/>
+        </p:nvSpPr>
+        <p:spPr>
+          <a:xfrm>
+            <a:off x="5385550" y="4056486"/>
+            <a:ext cx="442750" cy="369332"/>
+          </a:xfrm>
+          <a:prstGeom prst="rect">
+            <a:avLst/>
+          </a:prstGeom>
+          <a:noFill/>
+        </p:spPr>
+        <p:txBody>
+          <a:bodyPr wrap="none" rtlCol="0">
+            <a:spAutoFit/>
+          </a:bodyPr>
+          <a:lstStyle/>
+          <a:p>
+            <a:r>
+              <a:rPr lang="en-US" dirty="0"/>
+              <a:t>(5)</a:t>
+            </a:r>
+          </a:p>
+        </p:txBody>
+      </p:sp>
+      <p:sp>
+        <p:nvSpPr>
+          <p:cNvPr id="88" name="TextBox 87">
+            <a:extLst>
+              <a:ext uri="{FF2B5EF4-FFF2-40B4-BE49-F238E27FC236}">
+                <a16:creationId xmlns:a16="http://schemas.microsoft.com/office/drawing/2014/main" id="{F61A184E-5E3F-BA42-8060-1A1F51CE3265}"/>
+              </a:ext>
+            </a:extLst>
+          </p:cNvPr>
+          <p:cNvSpPr txBox="1"/>
+          <p:nvPr/>
+        </p:nvSpPr>
+        <p:spPr>
+          <a:xfrm>
+            <a:off x="4615084" y="4056486"/>
+            <a:ext cx="442750" cy="369332"/>
+          </a:xfrm>
+          <a:prstGeom prst="rect">
+            <a:avLst/>
+          </a:prstGeom>
+          <a:noFill/>
+        </p:spPr>
+        <p:txBody>
+          <a:bodyPr wrap="none" rtlCol="0">
+            <a:spAutoFit/>
+          </a:bodyPr>
+          <a:lstStyle/>
+          <a:p>
+            <a:r>
+              <a:rPr lang="en-US" dirty="0"/>
+              <a:t>(4)</a:t>
+            </a:r>
+          </a:p>
+        </p:txBody>
+      </p:sp>
+      <p:sp>
+        <p:nvSpPr>
+          <p:cNvPr id="89" name="TextBox 88">
+            <a:extLst>
+              <a:ext uri="{FF2B5EF4-FFF2-40B4-BE49-F238E27FC236}">
+                <a16:creationId xmlns:a16="http://schemas.microsoft.com/office/drawing/2014/main" id="{52D6EC99-FC4C-9140-A18F-36D95D1CE5AF}"/>
+              </a:ext>
+            </a:extLst>
+          </p:cNvPr>
+          <p:cNvSpPr txBox="1"/>
+          <p:nvPr/>
+        </p:nvSpPr>
+        <p:spPr>
+          <a:xfrm>
+            <a:off x="3184217" y="4056486"/>
+            <a:ext cx="442750" cy="369332"/>
+          </a:xfrm>
+          <a:prstGeom prst="rect">
+            <a:avLst/>
+          </a:prstGeom>
+          <a:noFill/>
+        </p:spPr>
+        <p:txBody>
+          <a:bodyPr wrap="none" rtlCol="0">
+            <a:spAutoFit/>
+          </a:bodyPr>
+          <a:lstStyle/>
+          <a:p>
+            <a:r>
+              <a:rPr lang="en-US" dirty="0"/>
+              <a:t>(4)</a:t>
+            </a:r>
+          </a:p>
+        </p:txBody>
+      </p:sp>
+      <p:grpSp>
+        <p:nvGrpSpPr>
+          <p:cNvPr id="93" name="Group 92">
+            <a:extLst>
+              <a:ext uri="{FF2B5EF4-FFF2-40B4-BE49-F238E27FC236}">
+                <a16:creationId xmlns:a16="http://schemas.microsoft.com/office/drawing/2014/main" id="{886E1A1E-3ACD-874B-BE68-A250738CB0A0}"/>
+              </a:ext>
+            </a:extLst>
+          </p:cNvPr>
+          <p:cNvGrpSpPr/>
+          <p:nvPr/>
+        </p:nvGrpSpPr>
+        <p:grpSpPr>
+          <a:xfrm flipV="1">
+            <a:off x="3201151" y="3835287"/>
+            <a:ext cx="1153165" cy="853674"/>
+            <a:chOff x="6515069" y="931263"/>
+            <a:chExt cx="3091630" cy="2309579"/>
+          </a:xfrm>
+        </p:grpSpPr>
+        <p:sp>
+          <p:nvSpPr>
+            <p:cNvPr id="94" name="Arc 93">
+              <a:extLst>
+                <a:ext uri="{FF2B5EF4-FFF2-40B4-BE49-F238E27FC236}">
+                  <a16:creationId xmlns:a16="http://schemas.microsoft.com/office/drawing/2014/main" id="{FBF8849C-4E24-7C49-A364-2C8C2B3C6A54}"/>
+                </a:ext>
+              </a:extLst>
+            </p:cNvPr>
+            <p:cNvSpPr/>
+            <p:nvPr/>
+          </p:nvSpPr>
+          <p:spPr>
+            <a:xfrm rot="13687481">
+              <a:off x="7445610" y="1079753"/>
+              <a:ext cx="2222950" cy="2099228"/>
+            </a:xfrm>
+            <a:prstGeom prst="arc">
+              <a:avLst/>
+            </a:prstGeom>
+            <a:ln>
+              <a:tailEnd type="triangle"/>
+            </a:ln>
+          </p:spPr>
+          <p:style>
+            <a:lnRef idx="1">
+              <a:schemeClr val="accent1"/>
+            </a:lnRef>
+            <a:fillRef idx="0">
+              <a:schemeClr val="accent1"/>
+            </a:fillRef>
+            <a:effectRef idx="0">
+              <a:schemeClr val="accent1"/>
+            </a:effectRef>
+            <a:fontRef idx="minor">
+              <a:schemeClr val="tx1"/>
+            </a:fontRef>
+          </p:style>
+          <p:txBody>
+            <a:bodyPr rtlCol="0" anchor="ctr"/>
+            <a:lstStyle/>
+            <a:p>
+              <a:pPr algn="ctr"/>
+              <a:endParaRPr lang="en-US" dirty="0"/>
+            </a:p>
+          </p:txBody>
+        </p:sp>
+        <p:sp>
+          <p:nvSpPr>
+            <p:cNvPr id="95" name="Arc 94">
+              <a:extLst>
+                <a:ext uri="{FF2B5EF4-FFF2-40B4-BE49-F238E27FC236}">
+                  <a16:creationId xmlns:a16="http://schemas.microsoft.com/office/drawing/2014/main" id="{FFC1049F-C46B-8547-AEE1-8AFEC57B92C6}"/>
+                </a:ext>
+              </a:extLst>
+            </p:cNvPr>
+            <p:cNvSpPr/>
+            <p:nvPr/>
+          </p:nvSpPr>
+          <p:spPr>
+            <a:xfrm rot="2700000">
+              <a:off x="6453208" y="993124"/>
+              <a:ext cx="2222950" cy="2099228"/>
+            </a:xfrm>
+            <a:prstGeom prst="arc">
+              <a:avLst/>
+            </a:prstGeom>
+            <a:ln>
+              <a:tailEnd type="triangle"/>
+            </a:ln>
+          </p:spPr>
+          <p:style>
+            <a:lnRef idx="1">
+              <a:schemeClr val="accent1"/>
+            </a:lnRef>
+            <a:fillRef idx="0">
+              <a:schemeClr val="accent1"/>
+            </a:fillRef>
+            <a:effectRef idx="0">
+              <a:schemeClr val="accent1"/>
+            </a:effectRef>
+            <a:fontRef idx="minor">
+              <a:schemeClr val="tx1"/>
+            </a:fontRef>
+          </p:style>
+          <p:txBody>
+            <a:bodyPr rtlCol="0" anchor="ctr"/>
+            <a:lstStyle/>
+            <a:p>
+              <a:pPr algn="ctr"/>
+              <a:endParaRPr lang="en-US" dirty="0"/>
+            </a:p>
+          </p:txBody>
+        </p:sp>
+      </p:grpSp>
+      <p:grpSp>
+        <p:nvGrpSpPr>
+          <p:cNvPr id="96" name="Group 95">
+            <a:extLst>
+              <a:ext uri="{FF2B5EF4-FFF2-40B4-BE49-F238E27FC236}">
+                <a16:creationId xmlns:a16="http://schemas.microsoft.com/office/drawing/2014/main" id="{52E6C563-876D-4D4C-A464-9ED73C09AF4D}"/>
+              </a:ext>
+            </a:extLst>
+          </p:cNvPr>
+          <p:cNvGrpSpPr/>
+          <p:nvPr/>
+        </p:nvGrpSpPr>
+        <p:grpSpPr>
+          <a:xfrm flipV="1">
+            <a:off x="4632017" y="3835287"/>
+            <a:ext cx="1153165" cy="853674"/>
+            <a:chOff x="6515069" y="931263"/>
+            <a:chExt cx="3091630" cy="2309579"/>
+          </a:xfrm>
+        </p:grpSpPr>
+        <p:sp>
+          <p:nvSpPr>
+            <p:cNvPr id="97" name="Arc 96">
+              <a:extLst>
+                <a:ext uri="{FF2B5EF4-FFF2-40B4-BE49-F238E27FC236}">
+                  <a16:creationId xmlns:a16="http://schemas.microsoft.com/office/drawing/2014/main" id="{D0AFA5EB-191D-7D49-B4BC-993A0DEF7047}"/>
+                </a:ext>
+              </a:extLst>
+            </p:cNvPr>
+            <p:cNvSpPr/>
+            <p:nvPr/>
+          </p:nvSpPr>
+          <p:spPr>
+            <a:xfrm rot="13687481">
+              <a:off x="7445610" y="1079753"/>
+              <a:ext cx="2222950" cy="2099228"/>
+            </a:xfrm>
+            <a:prstGeom prst="arc">
+              <a:avLst/>
+            </a:prstGeom>
+            <a:ln>
+              <a:tailEnd type="triangle"/>
+            </a:ln>
+          </p:spPr>
+          <p:style>
+            <a:lnRef idx="1">
+              <a:schemeClr val="accent1"/>
+            </a:lnRef>
+            <a:fillRef idx="0">
+              <a:schemeClr val="accent1"/>
+            </a:fillRef>
+            <a:effectRef idx="0">
+              <a:schemeClr val="accent1"/>
+            </a:effectRef>
+            <a:fontRef idx="minor">
+              <a:schemeClr val="tx1"/>
+            </a:fontRef>
+          </p:style>
+          <p:txBody>
+            <a:bodyPr rtlCol="0" anchor="ctr"/>
+            <a:lstStyle/>
+            <a:p>
+              <a:pPr algn="ctr"/>
+              <a:endParaRPr lang="en-US" dirty="0"/>
+            </a:p>
+          </p:txBody>
+        </p:sp>
+        <p:sp>
+          <p:nvSpPr>
+            <p:cNvPr id="98" name="Arc 97">
+              <a:extLst>
+                <a:ext uri="{FF2B5EF4-FFF2-40B4-BE49-F238E27FC236}">
+                  <a16:creationId xmlns:a16="http://schemas.microsoft.com/office/drawing/2014/main" id="{A4DFCAE0-5528-C542-84FA-6FCEE7205DCF}"/>
+                </a:ext>
+              </a:extLst>
+            </p:cNvPr>
+            <p:cNvSpPr/>
+            <p:nvPr/>
+          </p:nvSpPr>
+          <p:spPr>
+            <a:xfrm rot="2700000">
+              <a:off x="6453208" y="993124"/>
+              <a:ext cx="2222950" cy="2099228"/>
+            </a:xfrm>
+            <a:prstGeom prst="arc">
+              <a:avLst/>
+            </a:prstGeom>
+            <a:ln>
+              <a:tailEnd type="triangle"/>
+            </a:ln>
+          </p:spPr>
+          <p:style>
+            <a:lnRef idx="1">
+              <a:schemeClr val="accent1"/>
+            </a:lnRef>
+            <a:fillRef idx="0">
+              <a:schemeClr val="accent1"/>
+            </a:fillRef>
+            <a:effectRef idx="0">
+              <a:schemeClr val="accent1"/>
+            </a:effectRef>
+            <a:fontRef idx="minor">
+              <a:schemeClr val="tx1"/>
+            </a:fontRef>
+          </p:style>
+          <p:txBody>
+            <a:bodyPr rtlCol="0" anchor="ctr"/>
+            <a:lstStyle/>
+            <a:p>
+              <a:pPr algn="ctr"/>
+              <a:endParaRPr lang="en-US" dirty="0"/>
+            </a:p>
+          </p:txBody>
+        </p:sp>
+      </p:grpSp>
     </p:spTree>
     <p:extLst>
       <p:ext uri="{BB962C8B-B14F-4D97-AF65-F5344CB8AC3E}">
@@ -4704,8 +6020,8 @@
         </p:nvSpPr>
         <p:spPr>
           <a:xfrm>
-            <a:off x="9489977" y="4545623"/>
-            <a:ext cx="945485" cy="501266"/>
+            <a:off x="8647437" y="4545623"/>
+            <a:ext cx="729692" cy="501266"/>
           </a:xfrm>
           <a:prstGeom prst="ellipse">
             <a:avLst/>
@@ -4739,7 +6055,7 @@
                   <a:srgbClr val="FF0000"/>
                 </a:solidFill>
               </a:rPr>
-              <a:t>3 0 0</a:t>
+              <a:t>3 0</a:t>
             </a:r>
           </a:p>
         </p:txBody>
@@ -4761,8 +6077,8 @@
         </p:nvCxnSpPr>
         <p:spPr>
           <a:xfrm flipH="1">
-            <a:off x="9009688" y="4796256"/>
-            <a:ext cx="480289" cy="0"/>
+            <a:off x="7951356" y="4796256"/>
+            <a:ext cx="696081" cy="0"/>
           </a:xfrm>
           <a:prstGeom prst="straightConnector1">
             <a:avLst/>
@@ -4800,8 +6116,8 @@
         </p:nvSpPr>
         <p:spPr>
           <a:xfrm>
-            <a:off x="8064201" y="4545623"/>
-            <a:ext cx="945485" cy="501266"/>
+            <a:off x="7221661" y="4545623"/>
+            <a:ext cx="729692" cy="501266"/>
           </a:xfrm>
           <a:prstGeom prst="ellipse">
             <a:avLst/>
@@ -4835,7 +6151,7 @@
                   <a:srgbClr val="FF0000"/>
                 </a:solidFill>
               </a:rPr>
-              <a:t>2 1 0</a:t>
+              <a:t>2 0</a:t>
             </a:r>
           </a:p>
         </p:txBody>
@@ -4851,13 +6167,14 @@
           </p:cNvPr>
           <p:cNvCxnSpPr>
             <a:cxnSpLocks/>
+            <a:stCxn id="24" idx="2"/>
           </p:cNvCxnSpPr>
           <p:nvPr/>
         </p:nvCxnSpPr>
         <p:spPr>
           <a:xfrm flipH="1">
-            <a:off x="7575852" y="4796256"/>
-            <a:ext cx="480289" cy="0"/>
+            <a:off x="6517521" y="4796256"/>
+            <a:ext cx="704140" cy="0"/>
           </a:xfrm>
           <a:prstGeom prst="straightConnector1">
             <a:avLst/>
@@ -4895,8 +6212,8 @@
         </p:nvSpPr>
         <p:spPr>
           <a:xfrm>
-            <a:off x="6637737" y="4545623"/>
-            <a:ext cx="945485" cy="501266"/>
+            <a:off x="5795197" y="4561965"/>
+            <a:ext cx="729692" cy="501266"/>
           </a:xfrm>
           <a:prstGeom prst="ellipse">
             <a:avLst/>
@@ -4930,7 +6247,7 @@
                   <a:srgbClr val="FF0000"/>
                 </a:solidFill>
               </a:rPr>
-              <a:t>1 2 0</a:t>
+              <a:t>1 0</a:t>
             </a:r>
           </a:p>
         </p:txBody>
@@ -4949,8 +6266,8 @@
         </p:nvSpPr>
         <p:spPr>
           <a:xfrm>
-            <a:off x="8056141" y="3435899"/>
-            <a:ext cx="945485" cy="501266"/>
+            <a:off x="7213601" y="3435899"/>
+            <a:ext cx="729692" cy="501266"/>
           </a:xfrm>
           <a:prstGeom prst="ellipse">
             <a:avLst/>
@@ -4984,7 +6301,7 @@
                   <a:srgbClr val="FF0000"/>
                 </a:solidFill>
               </a:rPr>
-              <a:t>2 0 1</a:t>
+              <a:t>2 1</a:t>
             </a:r>
           </a:p>
         </p:txBody>
@@ -5003,8 +6320,8 @@
         </p:nvSpPr>
         <p:spPr>
           <a:xfrm>
-            <a:off x="6650674" y="3435899"/>
-            <a:ext cx="945485" cy="501266"/>
+            <a:off x="5808134" y="3435899"/>
+            <a:ext cx="729692" cy="501266"/>
           </a:xfrm>
           <a:prstGeom prst="ellipse">
             <a:avLst/>
@@ -5038,7 +6355,7 @@
                   <a:srgbClr val="FF0000"/>
                 </a:solidFill>
               </a:rPr>
-              <a:t>1 1 1</a:t>
+              <a:t>1 1</a:t>
             </a:r>
           </a:p>
         </p:txBody>
@@ -5061,7 +6378,7 @@
         </p:nvCxnSpPr>
         <p:spPr>
           <a:xfrm flipH="1" flipV="1">
-            <a:off x="8528884" y="3937165"/>
+            <a:off x="7578447" y="3937165"/>
             <a:ext cx="8060" cy="608458"/>
           </a:xfrm>
           <a:prstGeom prst="straightConnector1">
@@ -5097,13 +6414,15 @@
           </p:cNvPr>
           <p:cNvCxnSpPr>
             <a:cxnSpLocks/>
+            <a:stCxn id="26" idx="0"/>
+            <a:endCxn id="30" idx="4"/>
           </p:cNvCxnSpPr>
           <p:nvPr/>
         </p:nvCxnSpPr>
         <p:spPr>
-          <a:xfrm flipH="1" flipV="1">
-            <a:off x="7114950" y="3937165"/>
-            <a:ext cx="8060" cy="608458"/>
+          <a:xfrm flipV="1">
+            <a:off x="6160043" y="3937165"/>
+            <a:ext cx="12937" cy="624800"/>
           </a:xfrm>
           <a:prstGeom prst="straightConnector1">
             <a:avLst/>
@@ -5141,8 +6460,8 @@
         </p:nvSpPr>
         <p:spPr>
           <a:xfrm>
-            <a:off x="6650674" y="2309832"/>
-            <a:ext cx="945485" cy="501266"/>
+            <a:off x="5808134" y="2309832"/>
+            <a:ext cx="729692" cy="501266"/>
           </a:xfrm>
           <a:prstGeom prst="ellipse">
             <a:avLst/>
@@ -5176,7 +6495,7 @@
                   <a:srgbClr val="FF0000"/>
                 </a:solidFill>
               </a:rPr>
-              <a:t>1 0 2</a:t>
+              <a:t>1 2</a:t>
             </a:r>
           </a:p>
         </p:txBody>
@@ -5192,13 +6511,15 @@
           </p:cNvPr>
           <p:cNvCxnSpPr>
             <a:cxnSpLocks/>
+            <a:stCxn id="30" idx="0"/>
+            <a:endCxn id="35" idx="4"/>
           </p:cNvCxnSpPr>
           <p:nvPr/>
         </p:nvCxnSpPr>
         <p:spPr>
-          <a:xfrm flipH="1" flipV="1">
-            <a:off x="7114950" y="2811098"/>
-            <a:ext cx="8060" cy="608458"/>
+          <a:xfrm flipV="1">
+            <a:off x="6172980" y="2811098"/>
+            <a:ext cx="0" cy="624801"/>
           </a:xfrm>
           <a:prstGeom prst="straightConnector1">
             <a:avLst/>
@@ -5233,13 +6554,14 @@
           </p:cNvPr>
           <p:cNvCxnSpPr>
             <a:cxnSpLocks/>
+            <a:stCxn id="28" idx="2"/>
           </p:cNvCxnSpPr>
           <p:nvPr/>
         </p:nvCxnSpPr>
         <p:spPr>
           <a:xfrm flipH="1">
-            <a:off x="7575852" y="3687122"/>
-            <a:ext cx="480289" cy="0"/>
+            <a:off x="6517521" y="3686532"/>
+            <a:ext cx="696080" cy="590"/>
           </a:xfrm>
           <a:prstGeom prst="straightConnector1">
             <a:avLst/>
@@ -5274,13 +6596,14 @@
           </p:cNvPr>
           <p:cNvCxnSpPr>
             <a:cxnSpLocks/>
+            <a:endCxn id="41" idx="6"/>
           </p:cNvCxnSpPr>
           <p:nvPr/>
         </p:nvCxnSpPr>
         <p:spPr>
           <a:xfrm flipH="1">
-            <a:off x="6156421" y="3670188"/>
-            <a:ext cx="480289" cy="0"/>
+            <a:off x="5119422" y="3686532"/>
+            <a:ext cx="710048" cy="9057"/>
           </a:xfrm>
           <a:prstGeom prst="straightConnector1">
             <a:avLst/>
@@ -5318,8 +6641,8 @@
         </p:nvSpPr>
         <p:spPr>
           <a:xfrm>
-            <a:off x="5210934" y="3444956"/>
-            <a:ext cx="945485" cy="501266"/>
+            <a:off x="4389730" y="3444956"/>
+            <a:ext cx="729692" cy="501266"/>
           </a:xfrm>
           <a:prstGeom prst="ellipse">
             <a:avLst/>
@@ -5353,7 +6676,7 @@
                   <a:srgbClr val="FF0000"/>
                 </a:solidFill>
               </a:rPr>
-              <a:t>0 2 1</a:t>
+              <a:t>0 1</a:t>
             </a:r>
           </a:p>
         </p:txBody>
@@ -5372,8 +6695,8 @@
         </p:nvSpPr>
         <p:spPr>
           <a:xfrm>
-            <a:off x="5228274" y="2309832"/>
-            <a:ext cx="945485" cy="501266"/>
+            <a:off x="4385734" y="2309832"/>
+            <a:ext cx="729692" cy="501266"/>
           </a:xfrm>
           <a:prstGeom prst="ellipse">
             <a:avLst/>
@@ -5407,7 +6730,7 @@
                   <a:srgbClr val="FF0000"/>
                 </a:solidFill>
               </a:rPr>
-              <a:t>0 1 2</a:t>
+              <a:t>0 2</a:t>
             </a:r>
           </a:p>
         </p:txBody>
@@ -5423,13 +6746,15 @@
           </p:cNvPr>
           <p:cNvCxnSpPr>
             <a:cxnSpLocks/>
+            <a:stCxn id="41" idx="0"/>
+            <a:endCxn id="42" idx="4"/>
           </p:cNvCxnSpPr>
           <p:nvPr/>
         </p:nvCxnSpPr>
         <p:spPr>
           <a:xfrm flipH="1" flipV="1">
-            <a:off x="5692550" y="2811098"/>
-            <a:ext cx="8060" cy="608458"/>
+            <a:off x="4750580" y="2811098"/>
+            <a:ext cx="3996" cy="633858"/>
           </a:xfrm>
           <a:prstGeom prst="straightConnector1">
             <a:avLst/>
@@ -5464,13 +6789,15 @@
           </p:cNvPr>
           <p:cNvCxnSpPr>
             <a:cxnSpLocks/>
+            <a:stCxn id="35" idx="2"/>
+            <a:endCxn id="42" idx="6"/>
           </p:cNvCxnSpPr>
           <p:nvPr/>
         </p:nvCxnSpPr>
         <p:spPr>
           <a:xfrm flipH="1">
-            <a:off x="6156421" y="2552588"/>
-            <a:ext cx="480289" cy="0"/>
+            <a:off x="5115426" y="2560465"/>
+            <a:ext cx="692708" cy="0"/>
           </a:xfrm>
           <a:prstGeom prst="straightConnector1">
             <a:avLst/>
@@ -5508,8 +6835,8 @@
         </p:nvSpPr>
         <p:spPr>
           <a:xfrm>
-            <a:off x="5228274" y="1175299"/>
-            <a:ext cx="945485" cy="501266"/>
+            <a:off x="4385734" y="1175299"/>
+            <a:ext cx="729692" cy="501266"/>
           </a:xfrm>
           <a:prstGeom prst="ellipse">
             <a:avLst/>
@@ -5543,7 +6870,7 @@
                   <a:srgbClr val="FF0000"/>
                 </a:solidFill>
               </a:rPr>
-              <a:t>0 0 3</a:t>
+              <a:t>0 3</a:t>
             </a:r>
           </a:p>
         </p:txBody>
@@ -5559,13 +6886,15 @@
           </p:cNvPr>
           <p:cNvCxnSpPr>
             <a:cxnSpLocks/>
+            <a:stCxn id="42" idx="0"/>
+            <a:endCxn id="46" idx="4"/>
           </p:cNvCxnSpPr>
           <p:nvPr/>
         </p:nvCxnSpPr>
         <p:spPr>
-          <a:xfrm flipH="1" flipV="1">
-            <a:off x="5692550" y="1676565"/>
-            <a:ext cx="8060" cy="608458"/>
+          <a:xfrm flipV="1">
+            <a:off x="4750580" y="1676565"/>
+            <a:ext cx="0" cy="633267"/>
           </a:xfrm>
           <a:prstGeom prst="straightConnector1">
             <a:avLst/>
@@ -5589,6 +6918,158 @@
           </a:fontRef>
         </p:style>
       </p:cxnSp>
+      <p:cxnSp>
+        <p:nvCxnSpPr>
+          <p:cNvPr id="67" name="Straight Arrow Connector 66">
+            <a:extLst>
+              <a:ext uri="{FF2B5EF4-FFF2-40B4-BE49-F238E27FC236}">
+                <a16:creationId xmlns:a16="http://schemas.microsoft.com/office/drawing/2014/main" id="{F8D90000-FAAD-E244-B17F-0B44AFA11F57}"/>
+              </a:ext>
+            </a:extLst>
+          </p:cNvPr>
+          <p:cNvCxnSpPr>
+            <a:cxnSpLocks/>
+          </p:cNvCxnSpPr>
+          <p:nvPr/>
+        </p:nvCxnSpPr>
+        <p:spPr>
+          <a:xfrm flipH="1">
+            <a:off x="7087756" y="1600746"/>
+            <a:ext cx="696081" cy="0"/>
+          </a:xfrm>
+          <a:prstGeom prst="straightConnector1">
+            <a:avLst/>
+          </a:prstGeom>
+          <a:ln>
+            <a:tailEnd type="triangle"/>
+          </a:ln>
+        </p:spPr>
+        <p:style>
+          <a:lnRef idx="1">
+            <a:schemeClr val="accent1"/>
+          </a:lnRef>
+          <a:fillRef idx="0">
+            <a:schemeClr val="accent1"/>
+          </a:fillRef>
+          <a:effectRef idx="0">
+            <a:schemeClr val="accent1"/>
+          </a:effectRef>
+          <a:fontRef idx="minor">
+            <a:schemeClr val="tx1"/>
+          </a:fontRef>
+        </p:style>
+      </p:cxnSp>
+      <p:cxnSp>
+        <p:nvCxnSpPr>
+          <p:cNvPr id="68" name="Straight Arrow Connector 67">
+            <a:extLst>
+              <a:ext uri="{FF2B5EF4-FFF2-40B4-BE49-F238E27FC236}">
+                <a16:creationId xmlns:a16="http://schemas.microsoft.com/office/drawing/2014/main" id="{6118C5A4-78C6-E04B-8B4F-98A182D0D739}"/>
+              </a:ext>
+            </a:extLst>
+          </p:cNvPr>
+          <p:cNvCxnSpPr>
+            <a:cxnSpLocks/>
+          </p:cNvCxnSpPr>
+          <p:nvPr/>
+        </p:nvCxnSpPr>
+        <p:spPr>
+          <a:xfrm flipH="1" flipV="1">
+            <a:off x="7783837" y="1778165"/>
+            <a:ext cx="8060" cy="608458"/>
+          </a:xfrm>
+          <a:prstGeom prst="straightConnector1">
+            <a:avLst/>
+          </a:prstGeom>
+          <a:ln>
+            <a:tailEnd type="triangle"/>
+          </a:ln>
+        </p:spPr>
+        <p:style>
+          <a:lnRef idx="1">
+            <a:schemeClr val="accent1"/>
+          </a:lnRef>
+          <a:fillRef idx="0">
+            <a:schemeClr val="accent1"/>
+          </a:fillRef>
+          <a:effectRef idx="0">
+            <a:schemeClr val="accent1"/>
+          </a:effectRef>
+          <a:fontRef idx="minor">
+            <a:schemeClr val="tx1"/>
+          </a:fontRef>
+        </p:style>
+      </p:cxnSp>
+      <p:sp>
+        <p:nvSpPr>
+          <p:cNvPr id="69" name="TextBox 68">
+            <a:extLst>
+              <a:ext uri="{FF2B5EF4-FFF2-40B4-BE49-F238E27FC236}">
+                <a16:creationId xmlns:a16="http://schemas.microsoft.com/office/drawing/2014/main" id="{EDFFA5CE-3005-F345-A1A8-F1F9D941B028}"/>
+              </a:ext>
+            </a:extLst>
+          </p:cNvPr>
+          <p:cNvSpPr txBox="1"/>
+          <p:nvPr/>
+        </p:nvSpPr>
+        <p:spPr>
+          <a:xfrm>
+            <a:off x="7943293" y="1401886"/>
+            <a:ext cx="961610" cy="369332"/>
+          </a:xfrm>
+          <a:prstGeom prst="rect">
+            <a:avLst/>
+          </a:prstGeom>
+          <a:noFill/>
+        </p:spPr>
+        <p:txBody>
+          <a:bodyPr wrap="none" rtlCol="0">
+            <a:spAutoFit/>
+          </a:bodyPr>
+          <a:lstStyle/>
+          <a:p>
+            <a:r>
+              <a:rPr lang="en-US" dirty="0"/>
+              <a:t>produce</a:t>
+            </a:r>
+          </a:p>
+        </p:txBody>
+      </p:sp>
+      <p:sp>
+        <p:nvSpPr>
+          <p:cNvPr id="70" name="TextBox 69">
+            <a:extLst>
+              <a:ext uri="{FF2B5EF4-FFF2-40B4-BE49-F238E27FC236}">
+                <a16:creationId xmlns:a16="http://schemas.microsoft.com/office/drawing/2014/main" id="{7A379E62-C4FD-8F4F-A571-565DAEF9F0BC}"/>
+              </a:ext>
+            </a:extLst>
+          </p:cNvPr>
+          <p:cNvSpPr txBox="1"/>
+          <p:nvPr/>
+        </p:nvSpPr>
+        <p:spPr>
+          <a:xfrm>
+            <a:off x="7943293" y="1896534"/>
+            <a:ext cx="1035540" cy="369332"/>
+          </a:xfrm>
+          <a:prstGeom prst="rect">
+            <a:avLst/>
+          </a:prstGeom>
+          <a:noFill/>
+        </p:spPr>
+        <p:txBody>
+          <a:bodyPr wrap="none" rtlCol="0">
+            <a:spAutoFit/>
+          </a:bodyPr>
+          <a:lstStyle/>
+          <a:p>
+            <a:r>
+              <a:rPr lang="en-US" dirty="0"/>
+              <a:t>consume</a:t>
+            </a:r>
+          </a:p>
+        </p:txBody>
+      </p:sp>
     </p:spTree>
     <p:extLst>
       <p:ext uri="{BB962C8B-B14F-4D97-AF65-F5344CB8AC3E}">

--- a/book/figures.pptx
+++ b/book/figures.pptx
@@ -8,6 +8,7 @@
     <p:sldId id="263" r:id="rId2"/>
     <p:sldId id="261" r:id="rId3"/>
     <p:sldId id="264" r:id="rId4"/>
+    <p:sldId id="265" r:id="rId5"/>
   </p:sldIdLst>
   <p:sldSz cx="12192000" cy="6858000"/>
   <p:notesSz cx="6858000" cy="9144000"/>
@@ -261,7 +262,7 @@
           <a:p>
             <a:fld id="{04834100-F070-AD4C-B025-37E5903F439D}" type="datetimeFigureOut">
               <a:rPr lang="en-US" smtClean="0"/>
-              <a:t>5/23/20</a:t>
+              <a:t>6/7/20</a:t>
             </a:fld>
             <a:endParaRPr lang="en-US"/>
           </a:p>
@@ -459,7 +460,7 @@
           <a:p>
             <a:fld id="{04834100-F070-AD4C-B025-37E5903F439D}" type="datetimeFigureOut">
               <a:rPr lang="en-US" smtClean="0"/>
-              <a:t>5/23/20</a:t>
+              <a:t>6/7/20</a:t>
             </a:fld>
             <a:endParaRPr lang="en-US"/>
           </a:p>
@@ -667,7 +668,7 @@
           <a:p>
             <a:fld id="{04834100-F070-AD4C-B025-37E5903F439D}" type="datetimeFigureOut">
               <a:rPr lang="en-US" smtClean="0"/>
-              <a:t>5/23/20</a:t>
+              <a:t>6/7/20</a:t>
             </a:fld>
             <a:endParaRPr lang="en-US"/>
           </a:p>
@@ -865,7 +866,7 @@
           <a:p>
             <a:fld id="{04834100-F070-AD4C-B025-37E5903F439D}" type="datetimeFigureOut">
               <a:rPr lang="en-US" smtClean="0"/>
-              <a:t>5/23/20</a:t>
+              <a:t>6/7/20</a:t>
             </a:fld>
             <a:endParaRPr lang="en-US"/>
           </a:p>
@@ -1140,7 +1141,7 @@
           <a:p>
             <a:fld id="{04834100-F070-AD4C-B025-37E5903F439D}" type="datetimeFigureOut">
               <a:rPr lang="en-US" smtClean="0"/>
-              <a:t>5/23/20</a:t>
+              <a:t>6/7/20</a:t>
             </a:fld>
             <a:endParaRPr lang="en-US"/>
           </a:p>
@@ -1405,7 +1406,7 @@
           <a:p>
             <a:fld id="{04834100-F070-AD4C-B025-37E5903F439D}" type="datetimeFigureOut">
               <a:rPr lang="en-US" smtClean="0"/>
-              <a:t>5/23/20</a:t>
+              <a:t>6/7/20</a:t>
             </a:fld>
             <a:endParaRPr lang="en-US"/>
           </a:p>
@@ -1817,7 +1818,7 @@
           <a:p>
             <a:fld id="{04834100-F070-AD4C-B025-37E5903F439D}" type="datetimeFigureOut">
               <a:rPr lang="en-US" smtClean="0"/>
-              <a:t>5/23/20</a:t>
+              <a:t>6/7/20</a:t>
             </a:fld>
             <a:endParaRPr lang="en-US"/>
           </a:p>
@@ -1963,7 +1964,7 @@
           <a:p>
             <a:fld id="{04834100-F070-AD4C-B025-37E5903F439D}" type="datetimeFigureOut">
               <a:rPr lang="en-US" smtClean="0"/>
-              <a:t>5/23/20</a:t>
+              <a:t>6/7/20</a:t>
             </a:fld>
             <a:endParaRPr lang="en-US"/>
           </a:p>
@@ -2076,7 +2077,7 @@
           <a:p>
             <a:fld id="{04834100-F070-AD4C-B025-37E5903F439D}" type="datetimeFigureOut">
               <a:rPr lang="en-US" smtClean="0"/>
-              <a:t>5/23/20</a:t>
+              <a:t>6/7/20</a:t>
             </a:fld>
             <a:endParaRPr lang="en-US"/>
           </a:p>
@@ -2387,7 +2388,7 @@
           <a:p>
             <a:fld id="{04834100-F070-AD4C-B025-37E5903F439D}" type="datetimeFigureOut">
               <a:rPr lang="en-US" smtClean="0"/>
-              <a:t>5/23/20</a:t>
+              <a:t>6/7/20</a:t>
             </a:fld>
             <a:endParaRPr lang="en-US"/>
           </a:p>
@@ -2675,7 +2676,7 @@
           <a:p>
             <a:fld id="{04834100-F070-AD4C-B025-37E5903F439D}" type="datetimeFigureOut">
               <a:rPr lang="en-US" smtClean="0"/>
-              <a:t>5/23/20</a:t>
+              <a:t>6/7/20</a:t>
             </a:fld>
             <a:endParaRPr lang="en-US"/>
           </a:p>
@@ -2916,7 +2917,7 @@
           <a:p>
             <a:fld id="{04834100-F070-AD4C-B025-37E5903F439D}" type="datetimeFigureOut">
               <a:rPr lang="en-US" smtClean="0"/>
-              <a:t>5/23/20</a:t>
+              <a:t>6/7/20</a:t>
             </a:fld>
             <a:endParaRPr lang="en-US"/>
           </a:p>
@@ -7083,6 +7084,1958 @@
 </p:sld>
 </file>
 
+<file path=ppt/slides/slide4.xml><?xml version="1.0" encoding="utf-8"?>
+<p:sld xmlns:a="http://schemas.openxmlformats.org/drawingml/2006/main" xmlns:r="http://schemas.openxmlformats.org/officeDocument/2006/relationships" xmlns:p="http://schemas.openxmlformats.org/presentationml/2006/main">
+  <p:cSld>
+    <p:spTree>
+      <p:nvGrpSpPr>
+        <p:cNvPr id="1" name=""/>
+        <p:cNvGrpSpPr/>
+        <p:nvPr/>
+      </p:nvGrpSpPr>
+      <p:grpSpPr>
+        <a:xfrm>
+          <a:off x="0" y="0"/>
+          <a:ext cx="0" cy="0"/>
+          <a:chOff x="0" y="0"/>
+          <a:chExt cx="0" cy="0"/>
+        </a:xfrm>
+      </p:grpSpPr>
+      <p:sp>
+        <p:nvSpPr>
+          <p:cNvPr id="4" name="Rectangle 3">
+            <a:extLst>
+              <a:ext uri="{FF2B5EF4-FFF2-40B4-BE49-F238E27FC236}">
+                <a16:creationId xmlns:a16="http://schemas.microsoft.com/office/drawing/2014/main" id="{F02A3BFA-E53C-5742-85D6-B013A237D22E}"/>
+              </a:ext>
+            </a:extLst>
+          </p:cNvPr>
+          <p:cNvSpPr/>
+          <p:nvPr/>
+        </p:nvSpPr>
+        <p:spPr>
+          <a:xfrm>
+            <a:off x="6379535" y="3338623"/>
+            <a:ext cx="4805915" cy="1091607"/>
+          </a:xfrm>
+          <a:prstGeom prst="rect">
+            <a:avLst/>
+          </a:prstGeom>
+          <a:noFill/>
+        </p:spPr>
+        <p:style>
+          <a:lnRef idx="2">
+            <a:schemeClr val="accent1">
+              <a:shade val="50000"/>
+            </a:schemeClr>
+          </a:lnRef>
+          <a:fillRef idx="1">
+            <a:schemeClr val="accent1"/>
+          </a:fillRef>
+          <a:effectRef idx="0">
+            <a:schemeClr val="accent1"/>
+          </a:effectRef>
+          <a:fontRef idx="minor">
+            <a:schemeClr val="lt1"/>
+          </a:fontRef>
+        </p:style>
+        <p:txBody>
+          <a:bodyPr rtlCol="0" anchor="ctr"/>
+          <a:lstStyle/>
+          <a:p>
+            <a:pPr algn="ctr"/>
+            <a:endParaRPr lang="en-US"/>
+          </a:p>
+        </p:txBody>
+      </p:sp>
+      <p:sp>
+        <p:nvSpPr>
+          <p:cNvPr id="5" name="Rectangle 4">
+            <a:extLst>
+              <a:ext uri="{FF2B5EF4-FFF2-40B4-BE49-F238E27FC236}">
+                <a16:creationId xmlns:a16="http://schemas.microsoft.com/office/drawing/2014/main" id="{67778773-021B-8A4C-947C-ABD7708C7A28}"/>
+              </a:ext>
+            </a:extLst>
+          </p:cNvPr>
+          <p:cNvSpPr/>
+          <p:nvPr/>
+        </p:nvSpPr>
+        <p:spPr>
+          <a:xfrm>
+            <a:off x="9352206" y="2402957"/>
+            <a:ext cx="1833244" cy="935665"/>
+          </a:xfrm>
+          <a:prstGeom prst="rect">
+            <a:avLst/>
+          </a:prstGeom>
+          <a:noFill/>
+        </p:spPr>
+        <p:style>
+          <a:lnRef idx="2">
+            <a:schemeClr val="accent1">
+              <a:shade val="50000"/>
+            </a:schemeClr>
+          </a:lnRef>
+          <a:fillRef idx="1">
+            <a:schemeClr val="accent1"/>
+          </a:fillRef>
+          <a:effectRef idx="0">
+            <a:schemeClr val="accent1"/>
+          </a:effectRef>
+          <a:fontRef idx="minor">
+            <a:schemeClr val="lt1"/>
+          </a:fontRef>
+        </p:style>
+        <p:txBody>
+          <a:bodyPr rtlCol="0" anchor="ctr"/>
+          <a:lstStyle/>
+          <a:p>
+            <a:pPr algn="ctr"/>
+            <a:endParaRPr lang="en-US"/>
+          </a:p>
+        </p:txBody>
+      </p:sp>
+      <p:sp>
+        <p:nvSpPr>
+          <p:cNvPr id="7" name="Rectangle 6">
+            <a:extLst>
+              <a:ext uri="{FF2B5EF4-FFF2-40B4-BE49-F238E27FC236}">
+                <a16:creationId xmlns:a16="http://schemas.microsoft.com/office/drawing/2014/main" id="{50EDD744-6853-9041-BC38-E976224AF925}"/>
+              </a:ext>
+            </a:extLst>
+          </p:cNvPr>
+          <p:cNvSpPr/>
+          <p:nvPr/>
+        </p:nvSpPr>
+        <p:spPr>
+          <a:xfrm>
+            <a:off x="7518961" y="2402957"/>
+            <a:ext cx="1833244" cy="935665"/>
+          </a:xfrm>
+          <a:prstGeom prst="rect">
+            <a:avLst/>
+          </a:prstGeom>
+          <a:noFill/>
+        </p:spPr>
+        <p:style>
+          <a:lnRef idx="2">
+            <a:schemeClr val="accent1">
+              <a:shade val="50000"/>
+            </a:schemeClr>
+          </a:lnRef>
+          <a:fillRef idx="1">
+            <a:schemeClr val="accent1"/>
+          </a:fillRef>
+          <a:effectRef idx="0">
+            <a:schemeClr val="accent1"/>
+          </a:effectRef>
+          <a:fontRef idx="minor">
+            <a:schemeClr val="lt1"/>
+          </a:fontRef>
+        </p:style>
+        <p:txBody>
+          <a:bodyPr rtlCol="0" anchor="ctr"/>
+          <a:lstStyle/>
+          <a:p>
+            <a:pPr algn="ctr"/>
+            <a:endParaRPr lang="en-US"/>
+          </a:p>
+        </p:txBody>
+      </p:sp>
+      <p:sp>
+        <p:nvSpPr>
+          <p:cNvPr id="10" name="Rectangle 9">
+            <a:extLst>
+              <a:ext uri="{FF2B5EF4-FFF2-40B4-BE49-F238E27FC236}">
+                <a16:creationId xmlns:a16="http://schemas.microsoft.com/office/drawing/2014/main" id="{1EBEA910-0343-F146-8F7E-6AC13BD3FB4E}"/>
+              </a:ext>
+            </a:extLst>
+          </p:cNvPr>
+          <p:cNvSpPr/>
+          <p:nvPr/>
+        </p:nvSpPr>
+        <p:spPr>
+          <a:xfrm>
+            <a:off x="6379535" y="1605514"/>
+            <a:ext cx="4805914" cy="1733108"/>
+          </a:xfrm>
+          <a:prstGeom prst="rect">
+            <a:avLst/>
+          </a:prstGeom>
+          <a:noFill/>
+        </p:spPr>
+        <p:style>
+          <a:lnRef idx="2">
+            <a:schemeClr val="accent1">
+              <a:shade val="50000"/>
+            </a:schemeClr>
+          </a:lnRef>
+          <a:fillRef idx="1">
+            <a:schemeClr val="accent1"/>
+          </a:fillRef>
+          <a:effectRef idx="0">
+            <a:schemeClr val="accent1"/>
+          </a:effectRef>
+          <a:fontRef idx="minor">
+            <a:schemeClr val="lt1"/>
+          </a:fontRef>
+        </p:style>
+        <p:txBody>
+          <a:bodyPr rtlCol="0" anchor="ctr"/>
+          <a:lstStyle/>
+          <a:p>
+            <a:pPr algn="ctr"/>
+            <a:endParaRPr lang="en-US"/>
+          </a:p>
+        </p:txBody>
+      </p:sp>
+      <p:sp>
+        <p:nvSpPr>
+          <p:cNvPr id="11" name="TextBox 10">
+            <a:extLst>
+              <a:ext uri="{FF2B5EF4-FFF2-40B4-BE49-F238E27FC236}">
+                <a16:creationId xmlns:a16="http://schemas.microsoft.com/office/drawing/2014/main" id="{55A8AB6A-07B7-084B-B374-A179B2B7F915}"/>
+              </a:ext>
+            </a:extLst>
+          </p:cNvPr>
+          <p:cNvSpPr txBox="1"/>
+          <p:nvPr/>
+        </p:nvSpPr>
+        <p:spPr>
+          <a:xfrm>
+            <a:off x="9040640" y="1660083"/>
+            <a:ext cx="545342" cy="369332"/>
+          </a:xfrm>
+          <a:prstGeom prst="rect">
+            <a:avLst/>
+          </a:prstGeom>
+          <a:noFill/>
+        </p:spPr>
+        <p:txBody>
+          <a:bodyPr wrap="none" rtlCol="0">
+            <a:spAutoFit/>
+          </a:bodyPr>
+          <a:lstStyle/>
+          <a:p>
+            <a:r>
+              <a:rPr lang="en-US" dirty="0"/>
+              <a:t>Hall</a:t>
+            </a:r>
+          </a:p>
+        </p:txBody>
+      </p:sp>
+      <p:sp>
+        <p:nvSpPr>
+          <p:cNvPr id="12" name="TextBox 11">
+            <a:extLst>
+              <a:ext uri="{FF2B5EF4-FFF2-40B4-BE49-F238E27FC236}">
+                <a16:creationId xmlns:a16="http://schemas.microsoft.com/office/drawing/2014/main" id="{D9F671C0-6784-8B45-A808-F269C46856EC}"/>
+              </a:ext>
+            </a:extLst>
+          </p:cNvPr>
+          <p:cNvSpPr txBox="1"/>
+          <p:nvPr/>
+        </p:nvSpPr>
+        <p:spPr>
+          <a:xfrm>
+            <a:off x="7819344" y="2680808"/>
+            <a:ext cx="1221296" cy="369332"/>
+          </a:xfrm>
+          <a:prstGeom prst="rect">
+            <a:avLst/>
+          </a:prstGeom>
+          <a:noFill/>
+        </p:spPr>
+        <p:txBody>
+          <a:bodyPr wrap="none" rtlCol="0">
+            <a:spAutoFit/>
+          </a:bodyPr>
+          <a:lstStyle/>
+          <a:p>
+            <a:r>
+              <a:rPr lang="en-US" dirty="0"/>
+              <a:t>Bedroom 1</a:t>
+            </a:r>
+          </a:p>
+        </p:txBody>
+      </p:sp>
+      <p:sp>
+        <p:nvSpPr>
+          <p:cNvPr id="13" name="TextBox 12">
+            <a:extLst>
+              <a:ext uri="{FF2B5EF4-FFF2-40B4-BE49-F238E27FC236}">
+                <a16:creationId xmlns:a16="http://schemas.microsoft.com/office/drawing/2014/main" id="{FDB87EFA-C2EC-EB4A-A3BF-DAB9D136F13A}"/>
+              </a:ext>
+            </a:extLst>
+          </p:cNvPr>
+          <p:cNvSpPr txBox="1"/>
+          <p:nvPr/>
+        </p:nvSpPr>
+        <p:spPr>
+          <a:xfrm>
+            <a:off x="9637512" y="2680808"/>
+            <a:ext cx="1221296" cy="369332"/>
+          </a:xfrm>
+          <a:prstGeom prst="rect">
+            <a:avLst/>
+          </a:prstGeom>
+          <a:noFill/>
+        </p:spPr>
+        <p:txBody>
+          <a:bodyPr wrap="none" rtlCol="0">
+            <a:spAutoFit/>
+          </a:bodyPr>
+          <a:lstStyle/>
+          <a:p>
+            <a:r>
+              <a:rPr lang="en-US" dirty="0"/>
+              <a:t>Bedroom 2</a:t>
+            </a:r>
+          </a:p>
+        </p:txBody>
+      </p:sp>
+      <p:sp>
+        <p:nvSpPr>
+          <p:cNvPr id="14" name="Up Arrow 13">
+            <a:extLst>
+              <a:ext uri="{FF2B5EF4-FFF2-40B4-BE49-F238E27FC236}">
+                <a16:creationId xmlns:a16="http://schemas.microsoft.com/office/drawing/2014/main" id="{B59D8E8B-B2BE-4545-AAC2-20A45AD013C2}"/>
+              </a:ext>
+            </a:extLst>
+          </p:cNvPr>
+          <p:cNvSpPr/>
+          <p:nvPr/>
+        </p:nvSpPr>
+        <p:spPr>
+          <a:xfrm>
+            <a:off x="10037135" y="3076353"/>
+            <a:ext cx="484632" cy="340241"/>
+          </a:xfrm>
+          <a:prstGeom prst="upArrow">
+            <a:avLst/>
+          </a:prstGeom>
+        </p:spPr>
+        <p:style>
+          <a:lnRef idx="2">
+            <a:schemeClr val="accent1">
+              <a:shade val="50000"/>
+            </a:schemeClr>
+          </a:lnRef>
+          <a:fillRef idx="1">
+            <a:schemeClr val="accent1"/>
+          </a:fillRef>
+          <a:effectRef idx="0">
+            <a:schemeClr val="accent1"/>
+          </a:effectRef>
+          <a:fontRef idx="minor">
+            <a:schemeClr val="lt1"/>
+          </a:fontRef>
+        </p:style>
+        <p:txBody>
+          <a:bodyPr rtlCol="0" anchor="ctr"/>
+          <a:lstStyle/>
+          <a:p>
+            <a:pPr algn="ctr"/>
+            <a:endParaRPr lang="en-US"/>
+          </a:p>
+        </p:txBody>
+      </p:sp>
+      <p:sp>
+        <p:nvSpPr>
+          <p:cNvPr id="15" name="Up Arrow 14">
+            <a:extLst>
+              <a:ext uri="{FF2B5EF4-FFF2-40B4-BE49-F238E27FC236}">
+                <a16:creationId xmlns:a16="http://schemas.microsoft.com/office/drawing/2014/main" id="{EB51B61F-CBFB-D14B-A9C1-775A54FF98A4}"/>
+              </a:ext>
+            </a:extLst>
+          </p:cNvPr>
+          <p:cNvSpPr/>
+          <p:nvPr/>
+        </p:nvSpPr>
+        <p:spPr>
+          <a:xfrm rot="5400000">
+            <a:off x="6216113" y="2268372"/>
+            <a:ext cx="484632" cy="340241"/>
+          </a:xfrm>
+          <a:prstGeom prst="upArrow">
+            <a:avLst/>
+          </a:prstGeom>
+        </p:spPr>
+        <p:style>
+          <a:lnRef idx="2">
+            <a:schemeClr val="accent1">
+              <a:shade val="50000"/>
+            </a:schemeClr>
+          </a:lnRef>
+          <a:fillRef idx="1">
+            <a:schemeClr val="accent1"/>
+          </a:fillRef>
+          <a:effectRef idx="0">
+            <a:schemeClr val="accent1"/>
+          </a:effectRef>
+          <a:fontRef idx="minor">
+            <a:schemeClr val="lt1"/>
+          </a:fontRef>
+        </p:style>
+        <p:txBody>
+          <a:bodyPr rtlCol="0" anchor="ctr"/>
+          <a:lstStyle/>
+          <a:p>
+            <a:pPr algn="ctr"/>
+            <a:endParaRPr lang="en-US"/>
+          </a:p>
+        </p:txBody>
+      </p:sp>
+      <p:sp>
+        <p:nvSpPr>
+          <p:cNvPr id="16" name="Up Arrow 15">
+            <a:extLst>
+              <a:ext uri="{FF2B5EF4-FFF2-40B4-BE49-F238E27FC236}">
+                <a16:creationId xmlns:a16="http://schemas.microsoft.com/office/drawing/2014/main" id="{9C36A4A9-D93A-0548-93B8-4AA91F7AAEDD}"/>
+              </a:ext>
+            </a:extLst>
+          </p:cNvPr>
+          <p:cNvSpPr/>
+          <p:nvPr/>
+        </p:nvSpPr>
+        <p:spPr>
+          <a:xfrm rot="10800000">
+            <a:off x="6715598" y="3246473"/>
+            <a:ext cx="484632" cy="340241"/>
+          </a:xfrm>
+          <a:prstGeom prst="upArrow">
+            <a:avLst/>
+          </a:prstGeom>
+        </p:spPr>
+        <p:style>
+          <a:lnRef idx="2">
+            <a:schemeClr val="accent1">
+              <a:shade val="50000"/>
+            </a:schemeClr>
+          </a:lnRef>
+          <a:fillRef idx="1">
+            <a:schemeClr val="accent1"/>
+          </a:fillRef>
+          <a:effectRef idx="0">
+            <a:schemeClr val="accent1"/>
+          </a:effectRef>
+          <a:fontRef idx="minor">
+            <a:schemeClr val="lt1"/>
+          </a:fontRef>
+        </p:style>
+        <p:txBody>
+          <a:bodyPr rtlCol="0" anchor="ctr"/>
+          <a:lstStyle/>
+          <a:p>
+            <a:pPr algn="ctr"/>
+            <a:endParaRPr lang="en-US"/>
+          </a:p>
+        </p:txBody>
+      </p:sp>
+      <p:sp>
+        <p:nvSpPr>
+          <p:cNvPr id="17" name="Up Arrow 16">
+            <a:extLst>
+              <a:ext uri="{FF2B5EF4-FFF2-40B4-BE49-F238E27FC236}">
+                <a16:creationId xmlns:a16="http://schemas.microsoft.com/office/drawing/2014/main" id="{60C838F9-BB16-064C-AF2F-E7BF80B79236}"/>
+              </a:ext>
+            </a:extLst>
+          </p:cNvPr>
+          <p:cNvSpPr/>
+          <p:nvPr/>
+        </p:nvSpPr>
+        <p:spPr>
+          <a:xfrm>
+            <a:off x="8197702" y="3076353"/>
+            <a:ext cx="484632" cy="340241"/>
+          </a:xfrm>
+          <a:prstGeom prst="upArrow">
+            <a:avLst/>
+          </a:prstGeom>
+        </p:spPr>
+        <p:style>
+          <a:lnRef idx="2">
+            <a:schemeClr val="accent1">
+              <a:shade val="50000"/>
+            </a:schemeClr>
+          </a:lnRef>
+          <a:fillRef idx="1">
+            <a:schemeClr val="accent1"/>
+          </a:fillRef>
+          <a:effectRef idx="0">
+            <a:schemeClr val="accent1"/>
+          </a:effectRef>
+          <a:fontRef idx="minor">
+            <a:schemeClr val="lt1"/>
+          </a:fontRef>
+        </p:style>
+        <p:txBody>
+          <a:bodyPr rtlCol="0" anchor="ctr"/>
+          <a:lstStyle/>
+          <a:p>
+            <a:pPr algn="ctr"/>
+            <a:endParaRPr lang="en-US"/>
+          </a:p>
+        </p:txBody>
+      </p:sp>
+      <p:sp>
+        <p:nvSpPr>
+          <p:cNvPr id="18" name="Up Arrow 17">
+            <a:extLst>
+              <a:ext uri="{FF2B5EF4-FFF2-40B4-BE49-F238E27FC236}">
+                <a16:creationId xmlns:a16="http://schemas.microsoft.com/office/drawing/2014/main" id="{C6AB8D62-99BC-9E4B-B32E-A76D04A0D429}"/>
+              </a:ext>
+            </a:extLst>
+          </p:cNvPr>
+          <p:cNvSpPr/>
+          <p:nvPr/>
+        </p:nvSpPr>
+        <p:spPr>
+          <a:xfrm>
+            <a:off x="8197702" y="2161953"/>
+            <a:ext cx="484632" cy="340241"/>
+          </a:xfrm>
+          <a:prstGeom prst="upArrow">
+            <a:avLst/>
+          </a:prstGeom>
+        </p:spPr>
+        <p:style>
+          <a:lnRef idx="2">
+            <a:schemeClr val="accent1">
+              <a:shade val="50000"/>
+            </a:schemeClr>
+          </a:lnRef>
+          <a:fillRef idx="1">
+            <a:schemeClr val="accent1"/>
+          </a:fillRef>
+          <a:effectRef idx="0">
+            <a:schemeClr val="accent1"/>
+          </a:effectRef>
+          <a:fontRef idx="minor">
+            <a:schemeClr val="lt1"/>
+          </a:fontRef>
+        </p:style>
+        <p:txBody>
+          <a:bodyPr rtlCol="0" anchor="ctr"/>
+          <a:lstStyle/>
+          <a:p>
+            <a:pPr algn="ctr"/>
+            <a:endParaRPr lang="en-US"/>
+          </a:p>
+        </p:txBody>
+      </p:sp>
+      <p:sp>
+        <p:nvSpPr>
+          <p:cNvPr id="19" name="Up Arrow 18">
+            <a:extLst>
+              <a:ext uri="{FF2B5EF4-FFF2-40B4-BE49-F238E27FC236}">
+                <a16:creationId xmlns:a16="http://schemas.microsoft.com/office/drawing/2014/main" id="{1EBB6573-D664-2A4B-85C9-A61EF9082706}"/>
+              </a:ext>
+            </a:extLst>
+          </p:cNvPr>
+          <p:cNvSpPr/>
+          <p:nvPr/>
+        </p:nvSpPr>
+        <p:spPr>
+          <a:xfrm>
+            <a:off x="10005237" y="2161953"/>
+            <a:ext cx="484632" cy="340241"/>
+          </a:xfrm>
+          <a:prstGeom prst="upArrow">
+            <a:avLst/>
+          </a:prstGeom>
+        </p:spPr>
+        <p:style>
+          <a:lnRef idx="2">
+            <a:schemeClr val="accent1">
+              <a:shade val="50000"/>
+            </a:schemeClr>
+          </a:lnRef>
+          <a:fillRef idx="1">
+            <a:schemeClr val="accent1"/>
+          </a:fillRef>
+          <a:effectRef idx="0">
+            <a:schemeClr val="accent1"/>
+          </a:effectRef>
+          <a:fontRef idx="minor">
+            <a:schemeClr val="lt1"/>
+          </a:fontRef>
+        </p:style>
+        <p:txBody>
+          <a:bodyPr rtlCol="0" anchor="ctr"/>
+          <a:lstStyle/>
+          <a:p>
+            <a:pPr algn="ctr"/>
+            <a:endParaRPr lang="en-US"/>
+          </a:p>
+        </p:txBody>
+      </p:sp>
+      <p:sp>
+        <p:nvSpPr>
+          <p:cNvPr id="33" name="Rectangle 32">
+            <a:extLst>
+              <a:ext uri="{FF2B5EF4-FFF2-40B4-BE49-F238E27FC236}">
+                <a16:creationId xmlns:a16="http://schemas.microsoft.com/office/drawing/2014/main" id="{B47900EE-40BE-2743-BEE0-5FA58EEEADE0}"/>
+              </a:ext>
+            </a:extLst>
+          </p:cNvPr>
+          <p:cNvSpPr/>
+          <p:nvPr/>
+        </p:nvSpPr>
+        <p:spPr>
+          <a:xfrm>
+            <a:off x="850605" y="3338623"/>
+            <a:ext cx="4805915" cy="1091607"/>
+          </a:xfrm>
+          <a:prstGeom prst="rect">
+            <a:avLst/>
+          </a:prstGeom>
+          <a:noFill/>
+        </p:spPr>
+        <p:style>
+          <a:lnRef idx="2">
+            <a:schemeClr val="accent1">
+              <a:shade val="50000"/>
+            </a:schemeClr>
+          </a:lnRef>
+          <a:fillRef idx="1">
+            <a:schemeClr val="accent1"/>
+          </a:fillRef>
+          <a:effectRef idx="0">
+            <a:schemeClr val="accent1"/>
+          </a:effectRef>
+          <a:fontRef idx="minor">
+            <a:schemeClr val="lt1"/>
+          </a:fontRef>
+        </p:style>
+        <p:txBody>
+          <a:bodyPr rtlCol="0" anchor="ctr"/>
+          <a:lstStyle/>
+          <a:p>
+            <a:pPr algn="ctr"/>
+            <a:endParaRPr lang="en-US"/>
+          </a:p>
+        </p:txBody>
+      </p:sp>
+      <p:sp>
+        <p:nvSpPr>
+          <p:cNvPr id="34" name="Rectangle 33">
+            <a:extLst>
+              <a:ext uri="{FF2B5EF4-FFF2-40B4-BE49-F238E27FC236}">
+                <a16:creationId xmlns:a16="http://schemas.microsoft.com/office/drawing/2014/main" id="{7CAC9CE8-9B16-D241-9683-BFD5B823A2CD}"/>
+              </a:ext>
+            </a:extLst>
+          </p:cNvPr>
+          <p:cNvSpPr/>
+          <p:nvPr/>
+        </p:nvSpPr>
+        <p:spPr>
+          <a:xfrm>
+            <a:off x="3823276" y="2402957"/>
+            <a:ext cx="1833244" cy="935665"/>
+          </a:xfrm>
+          <a:prstGeom prst="rect">
+            <a:avLst/>
+          </a:prstGeom>
+          <a:noFill/>
+        </p:spPr>
+        <p:style>
+          <a:lnRef idx="2">
+            <a:schemeClr val="accent1">
+              <a:shade val="50000"/>
+            </a:schemeClr>
+          </a:lnRef>
+          <a:fillRef idx="1">
+            <a:schemeClr val="accent1"/>
+          </a:fillRef>
+          <a:effectRef idx="0">
+            <a:schemeClr val="accent1"/>
+          </a:effectRef>
+          <a:fontRef idx="minor">
+            <a:schemeClr val="lt1"/>
+          </a:fontRef>
+        </p:style>
+        <p:txBody>
+          <a:bodyPr rtlCol="0" anchor="ctr"/>
+          <a:lstStyle/>
+          <a:p>
+            <a:pPr algn="ctr"/>
+            <a:endParaRPr lang="en-US"/>
+          </a:p>
+        </p:txBody>
+      </p:sp>
+      <p:sp>
+        <p:nvSpPr>
+          <p:cNvPr id="35" name="Rectangle 34">
+            <a:extLst>
+              <a:ext uri="{FF2B5EF4-FFF2-40B4-BE49-F238E27FC236}">
+                <a16:creationId xmlns:a16="http://schemas.microsoft.com/office/drawing/2014/main" id="{737C1775-1034-7B4F-9EEF-C7BE23D6D6D6}"/>
+              </a:ext>
+            </a:extLst>
+          </p:cNvPr>
+          <p:cNvSpPr/>
+          <p:nvPr/>
+        </p:nvSpPr>
+        <p:spPr>
+          <a:xfrm>
+            <a:off x="1990031" y="2402957"/>
+            <a:ext cx="1833244" cy="935665"/>
+          </a:xfrm>
+          <a:prstGeom prst="rect">
+            <a:avLst/>
+          </a:prstGeom>
+          <a:noFill/>
+        </p:spPr>
+        <p:style>
+          <a:lnRef idx="2">
+            <a:schemeClr val="accent1">
+              <a:shade val="50000"/>
+            </a:schemeClr>
+          </a:lnRef>
+          <a:fillRef idx="1">
+            <a:schemeClr val="accent1"/>
+          </a:fillRef>
+          <a:effectRef idx="0">
+            <a:schemeClr val="accent1"/>
+          </a:effectRef>
+          <a:fontRef idx="minor">
+            <a:schemeClr val="lt1"/>
+          </a:fontRef>
+        </p:style>
+        <p:txBody>
+          <a:bodyPr rtlCol="0" anchor="ctr"/>
+          <a:lstStyle/>
+          <a:p>
+            <a:pPr algn="ctr"/>
+            <a:endParaRPr lang="en-US"/>
+          </a:p>
+        </p:txBody>
+      </p:sp>
+      <p:sp>
+        <p:nvSpPr>
+          <p:cNvPr id="36" name="Rectangle 35">
+            <a:extLst>
+              <a:ext uri="{FF2B5EF4-FFF2-40B4-BE49-F238E27FC236}">
+                <a16:creationId xmlns:a16="http://schemas.microsoft.com/office/drawing/2014/main" id="{B6B4909F-5290-AB4D-8E7C-463CE0005B13}"/>
+              </a:ext>
+            </a:extLst>
+          </p:cNvPr>
+          <p:cNvSpPr/>
+          <p:nvPr/>
+        </p:nvSpPr>
+        <p:spPr>
+          <a:xfrm>
+            <a:off x="850605" y="1605514"/>
+            <a:ext cx="4805914" cy="1733108"/>
+          </a:xfrm>
+          <a:prstGeom prst="rect">
+            <a:avLst/>
+          </a:prstGeom>
+          <a:noFill/>
+        </p:spPr>
+        <p:style>
+          <a:lnRef idx="2">
+            <a:schemeClr val="accent1">
+              <a:shade val="50000"/>
+            </a:schemeClr>
+          </a:lnRef>
+          <a:fillRef idx="1">
+            <a:schemeClr val="accent1"/>
+          </a:fillRef>
+          <a:effectRef idx="0">
+            <a:schemeClr val="accent1"/>
+          </a:effectRef>
+          <a:fontRef idx="minor">
+            <a:schemeClr val="lt1"/>
+          </a:fontRef>
+        </p:style>
+        <p:txBody>
+          <a:bodyPr rtlCol="0" anchor="ctr"/>
+          <a:lstStyle/>
+          <a:p>
+            <a:pPr algn="ctr"/>
+            <a:endParaRPr lang="en-US"/>
+          </a:p>
+        </p:txBody>
+      </p:sp>
+      <p:sp>
+        <p:nvSpPr>
+          <p:cNvPr id="37" name="TextBox 36">
+            <a:extLst>
+              <a:ext uri="{FF2B5EF4-FFF2-40B4-BE49-F238E27FC236}">
+                <a16:creationId xmlns:a16="http://schemas.microsoft.com/office/drawing/2014/main" id="{313BA6DB-581D-2B4D-A469-A0400BF4F077}"/>
+              </a:ext>
+            </a:extLst>
+          </p:cNvPr>
+          <p:cNvSpPr txBox="1"/>
+          <p:nvPr/>
+        </p:nvSpPr>
+        <p:spPr>
+          <a:xfrm>
+            <a:off x="2705084" y="3766733"/>
+            <a:ext cx="1121397" cy="369332"/>
+          </a:xfrm>
+          <a:prstGeom prst="rect">
+            <a:avLst/>
+          </a:prstGeom>
+          <a:noFill/>
+        </p:spPr>
+        <p:txBody>
+          <a:bodyPr wrap="none" rtlCol="0">
+            <a:spAutoFit/>
+          </a:bodyPr>
+          <a:lstStyle/>
+          <a:p>
+            <a:r>
+              <a:rPr lang="en-US" dirty="0"/>
+              <a:t>Bathroom</a:t>
+            </a:r>
+          </a:p>
+        </p:txBody>
+      </p:sp>
+      <p:sp>
+        <p:nvSpPr>
+          <p:cNvPr id="38" name="TextBox 37">
+            <a:extLst>
+              <a:ext uri="{FF2B5EF4-FFF2-40B4-BE49-F238E27FC236}">
+                <a16:creationId xmlns:a16="http://schemas.microsoft.com/office/drawing/2014/main" id="{68EEC1DA-BD9A-2E4A-8DFA-09A203A02C73}"/>
+              </a:ext>
+            </a:extLst>
+          </p:cNvPr>
+          <p:cNvSpPr txBox="1"/>
+          <p:nvPr/>
+        </p:nvSpPr>
+        <p:spPr>
+          <a:xfrm>
+            <a:off x="2290414" y="2680808"/>
+            <a:ext cx="1221296" cy="369332"/>
+          </a:xfrm>
+          <a:prstGeom prst="rect">
+            <a:avLst/>
+          </a:prstGeom>
+          <a:noFill/>
+        </p:spPr>
+        <p:txBody>
+          <a:bodyPr wrap="none" rtlCol="0">
+            <a:spAutoFit/>
+          </a:bodyPr>
+          <a:lstStyle/>
+          <a:p>
+            <a:r>
+              <a:rPr lang="en-US" dirty="0"/>
+              <a:t>Bedroom 1</a:t>
+            </a:r>
+          </a:p>
+        </p:txBody>
+      </p:sp>
+      <p:sp>
+        <p:nvSpPr>
+          <p:cNvPr id="39" name="TextBox 38">
+            <a:extLst>
+              <a:ext uri="{FF2B5EF4-FFF2-40B4-BE49-F238E27FC236}">
+                <a16:creationId xmlns:a16="http://schemas.microsoft.com/office/drawing/2014/main" id="{3E23BEF8-1B18-B448-9CCF-3CA05A9072CD}"/>
+              </a:ext>
+            </a:extLst>
+          </p:cNvPr>
+          <p:cNvSpPr txBox="1"/>
+          <p:nvPr/>
+        </p:nvSpPr>
+        <p:spPr>
+          <a:xfrm>
+            <a:off x="4108582" y="2680808"/>
+            <a:ext cx="1221296" cy="369332"/>
+          </a:xfrm>
+          <a:prstGeom prst="rect">
+            <a:avLst/>
+          </a:prstGeom>
+          <a:noFill/>
+        </p:spPr>
+        <p:txBody>
+          <a:bodyPr wrap="none" rtlCol="0">
+            <a:spAutoFit/>
+          </a:bodyPr>
+          <a:lstStyle/>
+          <a:p>
+            <a:r>
+              <a:rPr lang="en-US" dirty="0"/>
+              <a:t>Bedroom 2</a:t>
+            </a:r>
+          </a:p>
+        </p:txBody>
+      </p:sp>
+      <p:sp>
+        <p:nvSpPr>
+          <p:cNvPr id="40" name="Up Arrow 39">
+            <a:extLst>
+              <a:ext uri="{FF2B5EF4-FFF2-40B4-BE49-F238E27FC236}">
+                <a16:creationId xmlns:a16="http://schemas.microsoft.com/office/drawing/2014/main" id="{E3F8BBD1-5E57-5A4D-8C06-02354FC06B20}"/>
+              </a:ext>
+            </a:extLst>
+          </p:cNvPr>
+          <p:cNvSpPr/>
+          <p:nvPr/>
+        </p:nvSpPr>
+        <p:spPr>
+          <a:xfrm>
+            <a:off x="4033223" y="3076353"/>
+            <a:ext cx="484632" cy="340241"/>
+          </a:xfrm>
+          <a:prstGeom prst="upArrow">
+            <a:avLst/>
+          </a:prstGeom>
+        </p:spPr>
+        <p:style>
+          <a:lnRef idx="2">
+            <a:schemeClr val="accent1">
+              <a:shade val="50000"/>
+            </a:schemeClr>
+          </a:lnRef>
+          <a:fillRef idx="1">
+            <a:schemeClr val="accent1"/>
+          </a:fillRef>
+          <a:effectRef idx="0">
+            <a:schemeClr val="accent1"/>
+          </a:effectRef>
+          <a:fontRef idx="minor">
+            <a:schemeClr val="lt1"/>
+          </a:fontRef>
+        </p:style>
+        <p:txBody>
+          <a:bodyPr rtlCol="0" anchor="ctr"/>
+          <a:lstStyle/>
+          <a:p>
+            <a:pPr algn="ctr"/>
+            <a:endParaRPr lang="en-US"/>
+          </a:p>
+        </p:txBody>
+      </p:sp>
+      <p:sp>
+        <p:nvSpPr>
+          <p:cNvPr id="41" name="Up Arrow 40">
+            <a:extLst>
+              <a:ext uri="{FF2B5EF4-FFF2-40B4-BE49-F238E27FC236}">
+                <a16:creationId xmlns:a16="http://schemas.microsoft.com/office/drawing/2014/main" id="{78E3E9A0-9FDC-C44C-9137-0C3C2CA62C10}"/>
+              </a:ext>
+            </a:extLst>
+          </p:cNvPr>
+          <p:cNvSpPr/>
+          <p:nvPr/>
+        </p:nvSpPr>
+        <p:spPr>
+          <a:xfrm rot="5400000">
+            <a:off x="687183" y="2268372"/>
+            <a:ext cx="484632" cy="340241"/>
+          </a:xfrm>
+          <a:prstGeom prst="upArrow">
+            <a:avLst/>
+          </a:prstGeom>
+        </p:spPr>
+        <p:style>
+          <a:lnRef idx="2">
+            <a:schemeClr val="accent1">
+              <a:shade val="50000"/>
+            </a:schemeClr>
+          </a:lnRef>
+          <a:fillRef idx="1">
+            <a:schemeClr val="accent1"/>
+          </a:fillRef>
+          <a:effectRef idx="0">
+            <a:schemeClr val="accent1"/>
+          </a:effectRef>
+          <a:fontRef idx="minor">
+            <a:schemeClr val="lt1"/>
+          </a:fontRef>
+        </p:style>
+        <p:txBody>
+          <a:bodyPr rtlCol="0" anchor="ctr"/>
+          <a:lstStyle/>
+          <a:p>
+            <a:pPr algn="ctr"/>
+            <a:endParaRPr lang="en-US"/>
+          </a:p>
+        </p:txBody>
+      </p:sp>
+      <p:sp>
+        <p:nvSpPr>
+          <p:cNvPr id="42" name="Up Arrow 41">
+            <a:extLst>
+              <a:ext uri="{FF2B5EF4-FFF2-40B4-BE49-F238E27FC236}">
+                <a16:creationId xmlns:a16="http://schemas.microsoft.com/office/drawing/2014/main" id="{1BC2EEAE-06E6-9A4F-89B6-672BAA2A004F}"/>
+              </a:ext>
+            </a:extLst>
+          </p:cNvPr>
+          <p:cNvSpPr/>
+          <p:nvPr/>
+        </p:nvSpPr>
+        <p:spPr>
+          <a:xfrm rot="10800000">
+            <a:off x="1186668" y="3246473"/>
+            <a:ext cx="484632" cy="340241"/>
+          </a:xfrm>
+          <a:prstGeom prst="upArrow">
+            <a:avLst/>
+          </a:prstGeom>
+        </p:spPr>
+        <p:style>
+          <a:lnRef idx="2">
+            <a:schemeClr val="accent1">
+              <a:shade val="50000"/>
+            </a:schemeClr>
+          </a:lnRef>
+          <a:fillRef idx="1">
+            <a:schemeClr val="accent1"/>
+          </a:fillRef>
+          <a:effectRef idx="0">
+            <a:schemeClr val="accent1"/>
+          </a:effectRef>
+          <a:fontRef idx="minor">
+            <a:schemeClr val="lt1"/>
+          </a:fontRef>
+        </p:style>
+        <p:txBody>
+          <a:bodyPr rtlCol="0" anchor="ctr"/>
+          <a:lstStyle/>
+          <a:p>
+            <a:pPr algn="ctr"/>
+            <a:endParaRPr lang="en-US"/>
+          </a:p>
+        </p:txBody>
+      </p:sp>
+      <p:sp>
+        <p:nvSpPr>
+          <p:cNvPr id="43" name="Up Arrow 42">
+            <a:extLst>
+              <a:ext uri="{FF2B5EF4-FFF2-40B4-BE49-F238E27FC236}">
+                <a16:creationId xmlns:a16="http://schemas.microsoft.com/office/drawing/2014/main" id="{8C8E69E3-6B31-B749-A9DF-8BCD5DD5F27B}"/>
+              </a:ext>
+            </a:extLst>
+          </p:cNvPr>
+          <p:cNvSpPr/>
+          <p:nvPr/>
+        </p:nvSpPr>
+        <p:spPr>
+          <a:xfrm>
+            <a:off x="2234948" y="3076353"/>
+            <a:ext cx="484632" cy="340241"/>
+          </a:xfrm>
+          <a:prstGeom prst="upArrow">
+            <a:avLst/>
+          </a:prstGeom>
+        </p:spPr>
+        <p:style>
+          <a:lnRef idx="2">
+            <a:schemeClr val="accent1">
+              <a:shade val="50000"/>
+            </a:schemeClr>
+          </a:lnRef>
+          <a:fillRef idx="1">
+            <a:schemeClr val="accent1"/>
+          </a:fillRef>
+          <a:effectRef idx="0">
+            <a:schemeClr val="accent1"/>
+          </a:effectRef>
+          <a:fontRef idx="minor">
+            <a:schemeClr val="lt1"/>
+          </a:fontRef>
+        </p:style>
+        <p:txBody>
+          <a:bodyPr rtlCol="0" anchor="ctr"/>
+          <a:lstStyle/>
+          <a:p>
+            <a:pPr algn="ctr"/>
+            <a:endParaRPr lang="en-US"/>
+          </a:p>
+        </p:txBody>
+      </p:sp>
+      <p:sp>
+        <p:nvSpPr>
+          <p:cNvPr id="46" name="TextBox 45">
+            <a:extLst>
+              <a:ext uri="{FF2B5EF4-FFF2-40B4-BE49-F238E27FC236}">
+                <a16:creationId xmlns:a16="http://schemas.microsoft.com/office/drawing/2014/main" id="{6FE75FBC-0B65-704D-A7B4-BABE1192721A}"/>
+              </a:ext>
+            </a:extLst>
+          </p:cNvPr>
+          <p:cNvSpPr txBox="1"/>
+          <p:nvPr/>
+        </p:nvSpPr>
+        <p:spPr>
+          <a:xfrm>
+            <a:off x="3522342" y="1660083"/>
+            <a:ext cx="545342" cy="369332"/>
+          </a:xfrm>
+          <a:prstGeom prst="rect">
+            <a:avLst/>
+          </a:prstGeom>
+          <a:noFill/>
+        </p:spPr>
+        <p:txBody>
+          <a:bodyPr wrap="none" rtlCol="0">
+            <a:spAutoFit/>
+          </a:bodyPr>
+          <a:lstStyle/>
+          <a:p>
+            <a:r>
+              <a:rPr lang="en-US" dirty="0"/>
+              <a:t>Hall</a:t>
+            </a:r>
+          </a:p>
+        </p:txBody>
+      </p:sp>
+      <p:sp>
+        <p:nvSpPr>
+          <p:cNvPr id="47" name="Up Arrow 46">
+            <a:extLst>
+              <a:ext uri="{FF2B5EF4-FFF2-40B4-BE49-F238E27FC236}">
+                <a16:creationId xmlns:a16="http://schemas.microsoft.com/office/drawing/2014/main" id="{45F28D55-61BB-764A-9A83-A439A6A70410}"/>
+              </a:ext>
+            </a:extLst>
+          </p:cNvPr>
+          <p:cNvSpPr/>
+          <p:nvPr/>
+        </p:nvSpPr>
+        <p:spPr>
+          <a:xfrm rot="10800000">
+            <a:off x="3079263" y="3246473"/>
+            <a:ext cx="484632" cy="340241"/>
+          </a:xfrm>
+          <a:prstGeom prst="upArrow">
+            <a:avLst/>
+          </a:prstGeom>
+        </p:spPr>
+        <p:style>
+          <a:lnRef idx="2">
+            <a:schemeClr val="accent1">
+              <a:shade val="50000"/>
+            </a:schemeClr>
+          </a:lnRef>
+          <a:fillRef idx="1">
+            <a:schemeClr val="accent1"/>
+          </a:fillRef>
+          <a:effectRef idx="0">
+            <a:schemeClr val="accent1"/>
+          </a:effectRef>
+          <a:fontRef idx="minor">
+            <a:schemeClr val="lt1"/>
+          </a:fontRef>
+        </p:style>
+        <p:txBody>
+          <a:bodyPr rtlCol="0" anchor="ctr"/>
+          <a:lstStyle/>
+          <a:p>
+            <a:pPr algn="ctr"/>
+            <a:endParaRPr lang="en-US"/>
+          </a:p>
+        </p:txBody>
+      </p:sp>
+      <p:sp>
+        <p:nvSpPr>
+          <p:cNvPr id="48" name="Up Arrow 47">
+            <a:extLst>
+              <a:ext uri="{FF2B5EF4-FFF2-40B4-BE49-F238E27FC236}">
+                <a16:creationId xmlns:a16="http://schemas.microsoft.com/office/drawing/2014/main" id="{55BDE645-4F68-1446-AE7D-F3D0506B35DC}"/>
+              </a:ext>
+            </a:extLst>
+          </p:cNvPr>
+          <p:cNvSpPr/>
+          <p:nvPr/>
+        </p:nvSpPr>
+        <p:spPr>
+          <a:xfrm rot="10800000">
+            <a:off x="4897431" y="3246473"/>
+            <a:ext cx="484632" cy="340241"/>
+          </a:xfrm>
+          <a:prstGeom prst="upArrow">
+            <a:avLst/>
+          </a:prstGeom>
+        </p:spPr>
+        <p:style>
+          <a:lnRef idx="2">
+            <a:schemeClr val="accent1">
+              <a:shade val="50000"/>
+            </a:schemeClr>
+          </a:lnRef>
+          <a:fillRef idx="1">
+            <a:schemeClr val="accent1"/>
+          </a:fillRef>
+          <a:effectRef idx="0">
+            <a:schemeClr val="accent1"/>
+          </a:effectRef>
+          <a:fontRef idx="minor">
+            <a:schemeClr val="lt1"/>
+          </a:fontRef>
+        </p:style>
+        <p:txBody>
+          <a:bodyPr rtlCol="0" anchor="ctr"/>
+          <a:lstStyle/>
+          <a:p>
+            <a:pPr algn="ctr"/>
+            <a:endParaRPr lang="en-US"/>
+          </a:p>
+        </p:txBody>
+      </p:sp>
+      <p:sp>
+        <p:nvSpPr>
+          <p:cNvPr id="49" name="TextBox 48">
+            <a:extLst>
+              <a:ext uri="{FF2B5EF4-FFF2-40B4-BE49-F238E27FC236}">
+                <a16:creationId xmlns:a16="http://schemas.microsoft.com/office/drawing/2014/main" id="{4672F7A6-E130-9945-97CB-61749C0F17C1}"/>
+              </a:ext>
+            </a:extLst>
+          </p:cNvPr>
+          <p:cNvSpPr txBox="1"/>
+          <p:nvPr/>
+        </p:nvSpPr>
+        <p:spPr>
+          <a:xfrm>
+            <a:off x="8308442" y="3766733"/>
+            <a:ext cx="1121397" cy="369332"/>
+          </a:xfrm>
+          <a:prstGeom prst="rect">
+            <a:avLst/>
+          </a:prstGeom>
+          <a:noFill/>
+        </p:spPr>
+        <p:txBody>
+          <a:bodyPr wrap="none" rtlCol="0">
+            <a:spAutoFit/>
+          </a:bodyPr>
+          <a:lstStyle/>
+          <a:p>
+            <a:r>
+              <a:rPr lang="en-US" dirty="0"/>
+              <a:t>Bathroom</a:t>
+            </a:r>
+          </a:p>
+        </p:txBody>
+      </p:sp>
+      <p:sp>
+        <p:nvSpPr>
+          <p:cNvPr id="51" name="TextBox 50">
+            <a:extLst>
+              <a:ext uri="{FF2B5EF4-FFF2-40B4-BE49-F238E27FC236}">
+                <a16:creationId xmlns:a16="http://schemas.microsoft.com/office/drawing/2014/main" id="{C02269C3-DDC2-A544-9420-45AC86CFA892}"/>
+              </a:ext>
+            </a:extLst>
+          </p:cNvPr>
+          <p:cNvSpPr txBox="1"/>
+          <p:nvPr/>
+        </p:nvSpPr>
+        <p:spPr>
+          <a:xfrm>
+            <a:off x="4969179" y="1245410"/>
+            <a:ext cx="753924" cy="369332"/>
+          </a:xfrm>
+          <a:prstGeom prst="rect">
+            <a:avLst/>
+          </a:prstGeom>
+          <a:noFill/>
+        </p:spPr>
+        <p:txBody>
+          <a:bodyPr wrap="none" rtlCol="0">
+            <a:spAutoFit/>
+          </a:bodyPr>
+          <a:lstStyle/>
+          <a:p>
+            <a:r>
+              <a:rPr lang="en-US" dirty="0"/>
+              <a:t>Hoare</a:t>
+            </a:r>
+          </a:p>
+        </p:txBody>
+      </p:sp>
+      <p:sp>
+        <p:nvSpPr>
+          <p:cNvPr id="52" name="TextBox 51">
+            <a:extLst>
+              <a:ext uri="{FF2B5EF4-FFF2-40B4-BE49-F238E27FC236}">
+                <a16:creationId xmlns:a16="http://schemas.microsoft.com/office/drawing/2014/main" id="{94E3658B-E31B-2B42-9AA8-B66B5710A259}"/>
+              </a:ext>
+            </a:extLst>
+          </p:cNvPr>
+          <p:cNvSpPr txBox="1"/>
+          <p:nvPr/>
+        </p:nvSpPr>
+        <p:spPr>
+          <a:xfrm>
+            <a:off x="10498109" y="1245410"/>
+            <a:ext cx="697627" cy="369332"/>
+          </a:xfrm>
+          <a:prstGeom prst="rect">
+            <a:avLst/>
+          </a:prstGeom>
+          <a:noFill/>
+        </p:spPr>
+        <p:txBody>
+          <a:bodyPr wrap="none" rtlCol="0">
+            <a:spAutoFit/>
+          </a:bodyPr>
+          <a:lstStyle/>
+          <a:p>
+            <a:r>
+              <a:rPr lang="en-US" dirty="0"/>
+              <a:t>Mesa</a:t>
+            </a:r>
+          </a:p>
+        </p:txBody>
+      </p:sp>
+      <p:sp>
+        <p:nvSpPr>
+          <p:cNvPr id="53" name="Oval 52">
+            <a:extLst>
+              <a:ext uri="{FF2B5EF4-FFF2-40B4-BE49-F238E27FC236}">
+                <a16:creationId xmlns:a16="http://schemas.microsoft.com/office/drawing/2014/main" id="{B08A22F2-6849-4F43-AB05-2792F2B02F8C}"/>
+              </a:ext>
+            </a:extLst>
+          </p:cNvPr>
+          <p:cNvSpPr/>
+          <p:nvPr/>
+        </p:nvSpPr>
+        <p:spPr>
+          <a:xfrm>
+            <a:off x="1990031" y="3856568"/>
+            <a:ext cx="178200" cy="178200"/>
+          </a:xfrm>
+          <a:prstGeom prst="ellipse">
+            <a:avLst/>
+          </a:prstGeom>
+        </p:spPr>
+        <p:style>
+          <a:lnRef idx="2">
+            <a:schemeClr val="accent1">
+              <a:shade val="50000"/>
+            </a:schemeClr>
+          </a:lnRef>
+          <a:fillRef idx="1">
+            <a:schemeClr val="accent1"/>
+          </a:fillRef>
+          <a:effectRef idx="0">
+            <a:schemeClr val="accent1"/>
+          </a:effectRef>
+          <a:fontRef idx="minor">
+            <a:schemeClr val="lt1"/>
+          </a:fontRef>
+        </p:style>
+        <p:txBody>
+          <a:bodyPr rtlCol="0" anchor="ctr"/>
+          <a:lstStyle/>
+          <a:p>
+            <a:pPr algn="ctr"/>
+            <a:endParaRPr lang="en-US"/>
+          </a:p>
+        </p:txBody>
+      </p:sp>
+      <p:sp>
+        <p:nvSpPr>
+          <p:cNvPr id="54" name="Oval 53">
+            <a:extLst>
+              <a:ext uri="{FF2B5EF4-FFF2-40B4-BE49-F238E27FC236}">
+                <a16:creationId xmlns:a16="http://schemas.microsoft.com/office/drawing/2014/main" id="{0CCA96D6-CEBB-3A48-9193-156A8D4BBE20}"/>
+              </a:ext>
+            </a:extLst>
+          </p:cNvPr>
+          <p:cNvSpPr/>
+          <p:nvPr/>
+        </p:nvSpPr>
+        <p:spPr>
+          <a:xfrm>
+            <a:off x="7646551" y="3856568"/>
+            <a:ext cx="178200" cy="178200"/>
+          </a:xfrm>
+          <a:prstGeom prst="ellipse">
+            <a:avLst/>
+          </a:prstGeom>
+        </p:spPr>
+        <p:style>
+          <a:lnRef idx="2">
+            <a:schemeClr val="accent1">
+              <a:shade val="50000"/>
+            </a:schemeClr>
+          </a:lnRef>
+          <a:fillRef idx="1">
+            <a:schemeClr val="accent1"/>
+          </a:fillRef>
+          <a:effectRef idx="0">
+            <a:schemeClr val="accent1"/>
+          </a:effectRef>
+          <a:fontRef idx="minor">
+            <a:schemeClr val="lt1"/>
+          </a:fontRef>
+        </p:style>
+        <p:txBody>
+          <a:bodyPr rtlCol="0" anchor="ctr"/>
+          <a:lstStyle/>
+          <a:p>
+            <a:pPr algn="ctr"/>
+            <a:endParaRPr lang="en-US"/>
+          </a:p>
+        </p:txBody>
+      </p:sp>
+      <p:sp>
+        <p:nvSpPr>
+          <p:cNvPr id="55" name="Oval 54">
+            <a:extLst>
+              <a:ext uri="{FF2B5EF4-FFF2-40B4-BE49-F238E27FC236}">
+                <a16:creationId xmlns:a16="http://schemas.microsoft.com/office/drawing/2014/main" id="{60543460-3FEA-6343-A889-30A75C108557}"/>
+              </a:ext>
+            </a:extLst>
+          </p:cNvPr>
+          <p:cNvSpPr/>
+          <p:nvPr/>
+        </p:nvSpPr>
+        <p:spPr>
+          <a:xfrm>
+            <a:off x="7646551" y="2538130"/>
+            <a:ext cx="178200" cy="178200"/>
+          </a:xfrm>
+          <a:prstGeom prst="ellipse">
+            <a:avLst/>
+          </a:prstGeom>
+        </p:spPr>
+        <p:style>
+          <a:lnRef idx="2">
+            <a:schemeClr val="accent1">
+              <a:shade val="50000"/>
+            </a:schemeClr>
+          </a:lnRef>
+          <a:fillRef idx="1">
+            <a:schemeClr val="accent1"/>
+          </a:fillRef>
+          <a:effectRef idx="0">
+            <a:schemeClr val="accent1"/>
+          </a:effectRef>
+          <a:fontRef idx="minor">
+            <a:schemeClr val="lt1"/>
+          </a:fontRef>
+        </p:style>
+        <p:txBody>
+          <a:bodyPr rtlCol="0" anchor="ctr"/>
+          <a:lstStyle/>
+          <a:p>
+            <a:pPr algn="ctr"/>
+            <a:endParaRPr lang="en-US"/>
+          </a:p>
+        </p:txBody>
+      </p:sp>
+      <p:sp>
+        <p:nvSpPr>
+          <p:cNvPr id="56" name="Oval 55">
+            <a:extLst>
+              <a:ext uri="{FF2B5EF4-FFF2-40B4-BE49-F238E27FC236}">
+                <a16:creationId xmlns:a16="http://schemas.microsoft.com/office/drawing/2014/main" id="{7D038E93-8D30-9343-80D9-AAC19A94BFB0}"/>
+              </a:ext>
+            </a:extLst>
+          </p:cNvPr>
+          <p:cNvSpPr/>
+          <p:nvPr/>
+        </p:nvSpPr>
+        <p:spPr>
+          <a:xfrm>
+            <a:off x="9040640" y="2517853"/>
+            <a:ext cx="178200" cy="178200"/>
+          </a:xfrm>
+          <a:prstGeom prst="ellipse">
+            <a:avLst/>
+          </a:prstGeom>
+        </p:spPr>
+        <p:style>
+          <a:lnRef idx="2">
+            <a:schemeClr val="accent1">
+              <a:shade val="50000"/>
+            </a:schemeClr>
+          </a:lnRef>
+          <a:fillRef idx="1">
+            <a:schemeClr val="accent1"/>
+          </a:fillRef>
+          <a:effectRef idx="0">
+            <a:schemeClr val="accent1"/>
+          </a:effectRef>
+          <a:fontRef idx="minor">
+            <a:schemeClr val="lt1"/>
+          </a:fontRef>
+        </p:style>
+        <p:txBody>
+          <a:bodyPr rtlCol="0" anchor="ctr"/>
+          <a:lstStyle/>
+          <a:p>
+            <a:pPr algn="ctr"/>
+            <a:endParaRPr lang="en-US"/>
+          </a:p>
+        </p:txBody>
+      </p:sp>
+      <p:sp>
+        <p:nvSpPr>
+          <p:cNvPr id="58" name="Oval 57">
+            <a:extLst>
+              <a:ext uri="{FF2B5EF4-FFF2-40B4-BE49-F238E27FC236}">
+                <a16:creationId xmlns:a16="http://schemas.microsoft.com/office/drawing/2014/main" id="{19639772-DF21-F449-B765-A591AE31CE45}"/>
+              </a:ext>
+            </a:extLst>
+          </p:cNvPr>
+          <p:cNvSpPr/>
+          <p:nvPr/>
+        </p:nvSpPr>
+        <p:spPr>
+          <a:xfrm>
+            <a:off x="2096355" y="2538130"/>
+            <a:ext cx="178200" cy="178200"/>
+          </a:xfrm>
+          <a:prstGeom prst="ellipse">
+            <a:avLst/>
+          </a:prstGeom>
+        </p:spPr>
+        <p:style>
+          <a:lnRef idx="2">
+            <a:schemeClr val="accent1">
+              <a:shade val="50000"/>
+            </a:schemeClr>
+          </a:lnRef>
+          <a:fillRef idx="1">
+            <a:schemeClr val="accent1"/>
+          </a:fillRef>
+          <a:effectRef idx="0">
+            <a:schemeClr val="accent1"/>
+          </a:effectRef>
+          <a:fontRef idx="minor">
+            <a:schemeClr val="lt1"/>
+          </a:fontRef>
+        </p:style>
+        <p:txBody>
+          <a:bodyPr rtlCol="0" anchor="ctr"/>
+          <a:lstStyle/>
+          <a:p>
+            <a:pPr algn="ctr"/>
+            <a:endParaRPr lang="en-US"/>
+          </a:p>
+        </p:txBody>
+      </p:sp>
+      <p:sp>
+        <p:nvSpPr>
+          <p:cNvPr id="59" name="Oval 58">
+            <a:extLst>
+              <a:ext uri="{FF2B5EF4-FFF2-40B4-BE49-F238E27FC236}">
+                <a16:creationId xmlns:a16="http://schemas.microsoft.com/office/drawing/2014/main" id="{9DAC05BC-BC56-4946-98C4-3F465BE3FEA2}"/>
+              </a:ext>
+            </a:extLst>
+          </p:cNvPr>
+          <p:cNvSpPr/>
+          <p:nvPr/>
+        </p:nvSpPr>
+        <p:spPr>
+          <a:xfrm>
+            <a:off x="3490444" y="2517853"/>
+            <a:ext cx="178200" cy="178200"/>
+          </a:xfrm>
+          <a:prstGeom prst="ellipse">
+            <a:avLst/>
+          </a:prstGeom>
+        </p:spPr>
+        <p:style>
+          <a:lnRef idx="2">
+            <a:schemeClr val="accent1">
+              <a:shade val="50000"/>
+            </a:schemeClr>
+          </a:lnRef>
+          <a:fillRef idx="1">
+            <a:schemeClr val="accent1"/>
+          </a:fillRef>
+          <a:effectRef idx="0">
+            <a:schemeClr val="accent1"/>
+          </a:effectRef>
+          <a:fontRef idx="minor">
+            <a:schemeClr val="lt1"/>
+          </a:fontRef>
+        </p:style>
+        <p:txBody>
+          <a:bodyPr rtlCol="0" anchor="ctr"/>
+          <a:lstStyle/>
+          <a:p>
+            <a:pPr algn="ctr"/>
+            <a:endParaRPr lang="en-US"/>
+          </a:p>
+        </p:txBody>
+      </p:sp>
+      <p:sp>
+        <p:nvSpPr>
+          <p:cNvPr id="60" name="Oval 59">
+            <a:extLst>
+              <a:ext uri="{FF2B5EF4-FFF2-40B4-BE49-F238E27FC236}">
+                <a16:creationId xmlns:a16="http://schemas.microsoft.com/office/drawing/2014/main" id="{9D23FBD0-81A4-9D4C-883A-98DD9F49E93A}"/>
+              </a:ext>
+            </a:extLst>
+          </p:cNvPr>
+          <p:cNvSpPr/>
+          <p:nvPr/>
+        </p:nvSpPr>
+        <p:spPr>
+          <a:xfrm>
+            <a:off x="1383972" y="1836381"/>
+            <a:ext cx="178200" cy="178200"/>
+          </a:xfrm>
+          <a:prstGeom prst="ellipse">
+            <a:avLst/>
+          </a:prstGeom>
+        </p:spPr>
+        <p:style>
+          <a:lnRef idx="2">
+            <a:schemeClr val="accent1">
+              <a:shade val="50000"/>
+            </a:schemeClr>
+          </a:lnRef>
+          <a:fillRef idx="1">
+            <a:schemeClr val="accent1"/>
+          </a:fillRef>
+          <a:effectRef idx="0">
+            <a:schemeClr val="accent1"/>
+          </a:effectRef>
+          <a:fontRef idx="minor">
+            <a:schemeClr val="lt1"/>
+          </a:fontRef>
+        </p:style>
+        <p:txBody>
+          <a:bodyPr rtlCol="0" anchor="ctr"/>
+          <a:lstStyle/>
+          <a:p>
+            <a:pPr algn="ctr"/>
+            <a:endParaRPr lang="en-US"/>
+          </a:p>
+        </p:txBody>
+      </p:sp>
+      <p:sp>
+        <p:nvSpPr>
+          <p:cNvPr id="61" name="Oval 60">
+            <a:extLst>
+              <a:ext uri="{FF2B5EF4-FFF2-40B4-BE49-F238E27FC236}">
+                <a16:creationId xmlns:a16="http://schemas.microsoft.com/office/drawing/2014/main" id="{3AB8C217-7735-804C-8EBD-896DFF2AFADF}"/>
+              </a:ext>
+            </a:extLst>
+          </p:cNvPr>
+          <p:cNvSpPr/>
+          <p:nvPr/>
+        </p:nvSpPr>
+        <p:spPr>
+          <a:xfrm>
+            <a:off x="1777377" y="1815115"/>
+            <a:ext cx="178200" cy="178200"/>
+          </a:xfrm>
+          <a:prstGeom prst="ellipse">
+            <a:avLst/>
+          </a:prstGeom>
+        </p:spPr>
+        <p:style>
+          <a:lnRef idx="2">
+            <a:schemeClr val="accent1">
+              <a:shade val="50000"/>
+            </a:schemeClr>
+          </a:lnRef>
+          <a:fillRef idx="1">
+            <a:schemeClr val="accent1"/>
+          </a:fillRef>
+          <a:effectRef idx="0">
+            <a:schemeClr val="accent1"/>
+          </a:effectRef>
+          <a:fontRef idx="minor">
+            <a:schemeClr val="lt1"/>
+          </a:fontRef>
+        </p:style>
+        <p:txBody>
+          <a:bodyPr rtlCol="0" anchor="ctr"/>
+          <a:lstStyle/>
+          <a:p>
+            <a:pPr algn="ctr"/>
+            <a:endParaRPr lang="en-US"/>
+          </a:p>
+        </p:txBody>
+      </p:sp>
+      <p:sp>
+        <p:nvSpPr>
+          <p:cNvPr id="62" name="Oval 61">
+            <a:extLst>
+              <a:ext uri="{FF2B5EF4-FFF2-40B4-BE49-F238E27FC236}">
+                <a16:creationId xmlns:a16="http://schemas.microsoft.com/office/drawing/2014/main" id="{AAEBAF0C-1C59-B247-B16A-714EB15EC6B6}"/>
+              </a:ext>
+            </a:extLst>
+          </p:cNvPr>
+          <p:cNvSpPr/>
+          <p:nvPr/>
+        </p:nvSpPr>
+        <p:spPr>
+          <a:xfrm>
+            <a:off x="1617889" y="2102194"/>
+            <a:ext cx="178200" cy="178200"/>
+          </a:xfrm>
+          <a:prstGeom prst="ellipse">
+            <a:avLst/>
+          </a:prstGeom>
+        </p:spPr>
+        <p:style>
+          <a:lnRef idx="2">
+            <a:schemeClr val="accent1">
+              <a:shade val="50000"/>
+            </a:schemeClr>
+          </a:lnRef>
+          <a:fillRef idx="1">
+            <a:schemeClr val="accent1"/>
+          </a:fillRef>
+          <a:effectRef idx="0">
+            <a:schemeClr val="accent1"/>
+          </a:effectRef>
+          <a:fontRef idx="minor">
+            <a:schemeClr val="lt1"/>
+          </a:fontRef>
+        </p:style>
+        <p:txBody>
+          <a:bodyPr rtlCol="0" anchor="ctr"/>
+          <a:lstStyle/>
+          <a:p>
+            <a:pPr algn="ctr"/>
+            <a:endParaRPr lang="en-US"/>
+          </a:p>
+        </p:txBody>
+      </p:sp>
+      <p:sp>
+        <p:nvSpPr>
+          <p:cNvPr id="63" name="Oval 62">
+            <a:extLst>
+              <a:ext uri="{FF2B5EF4-FFF2-40B4-BE49-F238E27FC236}">
+                <a16:creationId xmlns:a16="http://schemas.microsoft.com/office/drawing/2014/main" id="{41334244-756B-5B44-B938-B67C29230B50}"/>
+              </a:ext>
+            </a:extLst>
+          </p:cNvPr>
+          <p:cNvSpPr/>
+          <p:nvPr/>
+        </p:nvSpPr>
+        <p:spPr>
+          <a:xfrm>
+            <a:off x="6845058" y="1836381"/>
+            <a:ext cx="178200" cy="178200"/>
+          </a:xfrm>
+          <a:prstGeom prst="ellipse">
+            <a:avLst/>
+          </a:prstGeom>
+        </p:spPr>
+        <p:style>
+          <a:lnRef idx="2">
+            <a:schemeClr val="accent1">
+              <a:shade val="50000"/>
+            </a:schemeClr>
+          </a:lnRef>
+          <a:fillRef idx="1">
+            <a:schemeClr val="accent1"/>
+          </a:fillRef>
+          <a:effectRef idx="0">
+            <a:schemeClr val="accent1"/>
+          </a:effectRef>
+          <a:fontRef idx="minor">
+            <a:schemeClr val="lt1"/>
+          </a:fontRef>
+        </p:style>
+        <p:txBody>
+          <a:bodyPr rtlCol="0" anchor="ctr"/>
+          <a:lstStyle/>
+          <a:p>
+            <a:pPr algn="ctr"/>
+            <a:endParaRPr lang="en-US"/>
+          </a:p>
+        </p:txBody>
+      </p:sp>
+      <p:sp>
+        <p:nvSpPr>
+          <p:cNvPr id="64" name="Oval 63">
+            <a:extLst>
+              <a:ext uri="{FF2B5EF4-FFF2-40B4-BE49-F238E27FC236}">
+                <a16:creationId xmlns:a16="http://schemas.microsoft.com/office/drawing/2014/main" id="{B0F1B3EF-05CB-A941-8C0E-2486716B1A56}"/>
+              </a:ext>
+            </a:extLst>
+          </p:cNvPr>
+          <p:cNvSpPr/>
+          <p:nvPr/>
+        </p:nvSpPr>
+        <p:spPr>
+          <a:xfrm>
+            <a:off x="7238463" y="1815115"/>
+            <a:ext cx="178200" cy="178200"/>
+          </a:xfrm>
+          <a:prstGeom prst="ellipse">
+            <a:avLst/>
+          </a:prstGeom>
+        </p:spPr>
+        <p:style>
+          <a:lnRef idx="2">
+            <a:schemeClr val="accent1">
+              <a:shade val="50000"/>
+            </a:schemeClr>
+          </a:lnRef>
+          <a:fillRef idx="1">
+            <a:schemeClr val="accent1"/>
+          </a:fillRef>
+          <a:effectRef idx="0">
+            <a:schemeClr val="accent1"/>
+          </a:effectRef>
+          <a:fontRef idx="minor">
+            <a:schemeClr val="lt1"/>
+          </a:fontRef>
+        </p:style>
+        <p:txBody>
+          <a:bodyPr rtlCol="0" anchor="ctr"/>
+          <a:lstStyle/>
+          <a:p>
+            <a:pPr algn="ctr"/>
+            <a:endParaRPr lang="en-US"/>
+          </a:p>
+        </p:txBody>
+      </p:sp>
+      <p:sp>
+        <p:nvSpPr>
+          <p:cNvPr id="65" name="Oval 64">
+            <a:extLst>
+              <a:ext uri="{FF2B5EF4-FFF2-40B4-BE49-F238E27FC236}">
+                <a16:creationId xmlns:a16="http://schemas.microsoft.com/office/drawing/2014/main" id="{1366070D-7CDF-FA4E-ACA3-E1A8A55CE84E}"/>
+              </a:ext>
+            </a:extLst>
+          </p:cNvPr>
+          <p:cNvSpPr/>
+          <p:nvPr/>
+        </p:nvSpPr>
+        <p:spPr>
+          <a:xfrm>
+            <a:off x="7078975" y="2102194"/>
+            <a:ext cx="178200" cy="178200"/>
+          </a:xfrm>
+          <a:prstGeom prst="ellipse">
+            <a:avLst/>
+          </a:prstGeom>
+        </p:spPr>
+        <p:style>
+          <a:lnRef idx="2">
+            <a:schemeClr val="accent1">
+              <a:shade val="50000"/>
+            </a:schemeClr>
+          </a:lnRef>
+          <a:fillRef idx="1">
+            <a:schemeClr val="accent1"/>
+          </a:fillRef>
+          <a:effectRef idx="0">
+            <a:schemeClr val="accent1"/>
+          </a:effectRef>
+          <a:fontRef idx="minor">
+            <a:schemeClr val="lt1"/>
+          </a:fontRef>
+        </p:style>
+        <p:txBody>
+          <a:bodyPr rtlCol="0" anchor="ctr"/>
+          <a:lstStyle/>
+          <a:p>
+            <a:pPr algn="ctr"/>
+            <a:endParaRPr lang="en-US"/>
+          </a:p>
+        </p:txBody>
+      </p:sp>
+      <p:sp>
+        <p:nvSpPr>
+          <p:cNvPr id="68" name="Up Arrow 67">
+            <a:extLst>
+              <a:ext uri="{FF2B5EF4-FFF2-40B4-BE49-F238E27FC236}">
+                <a16:creationId xmlns:a16="http://schemas.microsoft.com/office/drawing/2014/main" id="{19EA74B0-D18C-1140-9390-01E57233E1BE}"/>
+              </a:ext>
+            </a:extLst>
+          </p:cNvPr>
+          <p:cNvSpPr/>
+          <p:nvPr/>
+        </p:nvSpPr>
+        <p:spPr>
+          <a:xfrm rot="16200000">
+            <a:off x="6067258" y="3671871"/>
+            <a:ext cx="484632" cy="340241"/>
+          </a:xfrm>
+          <a:prstGeom prst="upArrow">
+            <a:avLst/>
+          </a:prstGeom>
+        </p:spPr>
+        <p:style>
+          <a:lnRef idx="2">
+            <a:schemeClr val="accent1">
+              <a:shade val="50000"/>
+            </a:schemeClr>
+          </a:lnRef>
+          <a:fillRef idx="1">
+            <a:schemeClr val="accent1"/>
+          </a:fillRef>
+          <a:effectRef idx="0">
+            <a:schemeClr val="accent1"/>
+          </a:effectRef>
+          <a:fontRef idx="minor">
+            <a:schemeClr val="lt1"/>
+          </a:fontRef>
+        </p:style>
+        <p:txBody>
+          <a:bodyPr rtlCol="0" anchor="ctr"/>
+          <a:lstStyle/>
+          <a:p>
+            <a:pPr algn="ctr"/>
+            <a:endParaRPr lang="en-US"/>
+          </a:p>
+        </p:txBody>
+      </p:sp>
+      <p:sp>
+        <p:nvSpPr>
+          <p:cNvPr id="69" name="Up Arrow 68">
+            <a:extLst>
+              <a:ext uri="{FF2B5EF4-FFF2-40B4-BE49-F238E27FC236}">
+                <a16:creationId xmlns:a16="http://schemas.microsoft.com/office/drawing/2014/main" id="{270A46DE-022B-B948-9626-D7BF4EF32DA4}"/>
+              </a:ext>
+            </a:extLst>
+          </p:cNvPr>
+          <p:cNvSpPr/>
+          <p:nvPr/>
+        </p:nvSpPr>
+        <p:spPr>
+          <a:xfrm rot="16200000">
+            <a:off x="538328" y="3671871"/>
+            <a:ext cx="484632" cy="340241"/>
+          </a:xfrm>
+          <a:prstGeom prst="upArrow">
+            <a:avLst/>
+          </a:prstGeom>
+        </p:spPr>
+        <p:style>
+          <a:lnRef idx="2">
+            <a:schemeClr val="accent1">
+              <a:shade val="50000"/>
+            </a:schemeClr>
+          </a:lnRef>
+          <a:fillRef idx="1">
+            <a:schemeClr val="accent1"/>
+          </a:fillRef>
+          <a:effectRef idx="0">
+            <a:schemeClr val="accent1"/>
+          </a:effectRef>
+          <a:fontRef idx="minor">
+            <a:schemeClr val="lt1"/>
+          </a:fontRef>
+        </p:style>
+        <p:txBody>
+          <a:bodyPr rtlCol="0" anchor="ctr"/>
+          <a:lstStyle/>
+          <a:p>
+            <a:pPr algn="ctr"/>
+            <a:endParaRPr lang="en-US"/>
+          </a:p>
+        </p:txBody>
+      </p:sp>
+    </p:spTree>
+    <p:extLst>
+      <p:ext uri="{BB962C8B-B14F-4D97-AF65-F5344CB8AC3E}">
+        <p14:creationId xmlns:p14="http://schemas.microsoft.com/office/powerpoint/2010/main" val="3052145395"/>
+      </p:ext>
+    </p:extLst>
+  </p:cSld>
+  <p:clrMapOvr>
+    <a:masterClrMapping/>
+  </p:clrMapOvr>
+</p:sld>
+</file>
+
 <file path=ppt/theme/theme1.xml><?xml version="1.0" encoding="utf-8"?>
 <a:theme xmlns:a="http://schemas.openxmlformats.org/drawingml/2006/main" name="Office Theme">
   <a:themeElements>

--- a/book/figures.pptx
+++ b/book/figures.pptx
@@ -4,11 +4,15 @@
   <p:sldMasterIdLst>
     <p:sldMasterId id="2147483648" r:id="rId1"/>
   </p:sldMasterIdLst>
+  <p:notesMasterIdLst>
+    <p:notesMasterId r:id="rId7"/>
+  </p:notesMasterIdLst>
   <p:sldIdLst>
     <p:sldId id="263" r:id="rId2"/>
     <p:sldId id="261" r:id="rId3"/>
     <p:sldId id="264" r:id="rId4"/>
     <p:sldId id="265" r:id="rId5"/>
+    <p:sldId id="266" r:id="rId6"/>
   </p:sldIdLst>
   <p:sldSz cx="12192000" cy="6858000"/>
   <p:notesSz cx="6858000" cy="9144000"/>
@@ -115,6 +119,439 @@
 </p:presentation>
 </file>
 
+<file path=ppt/notesMasters/notesMaster1.xml><?xml version="1.0" encoding="utf-8"?>
+<p:notesMaster xmlns:a="http://schemas.openxmlformats.org/drawingml/2006/main" xmlns:r="http://schemas.openxmlformats.org/officeDocument/2006/relationships" xmlns:p="http://schemas.openxmlformats.org/presentationml/2006/main">
+  <p:cSld>
+    <p:bg>
+      <p:bgRef idx="1001">
+        <a:schemeClr val="bg1"/>
+      </p:bgRef>
+    </p:bg>
+    <p:spTree>
+      <p:nvGrpSpPr>
+        <p:cNvPr id="1" name=""/>
+        <p:cNvGrpSpPr/>
+        <p:nvPr/>
+      </p:nvGrpSpPr>
+      <p:grpSpPr>
+        <a:xfrm>
+          <a:off x="0" y="0"/>
+          <a:ext cx="0" cy="0"/>
+          <a:chOff x="0" y="0"/>
+          <a:chExt cx="0" cy="0"/>
+        </a:xfrm>
+      </p:grpSpPr>
+      <p:sp>
+        <p:nvSpPr>
+          <p:cNvPr id="2" name="Header Placeholder 1"/>
+          <p:cNvSpPr>
+            <a:spLocks noGrp="1"/>
+          </p:cNvSpPr>
+          <p:nvPr>
+            <p:ph type="hdr" sz="quarter"/>
+          </p:nvPr>
+        </p:nvSpPr>
+        <p:spPr>
+          <a:xfrm>
+            <a:off x="0" y="0"/>
+            <a:ext cx="2971800" cy="458788"/>
+          </a:xfrm>
+          <a:prstGeom prst="rect">
+            <a:avLst/>
+          </a:prstGeom>
+        </p:spPr>
+        <p:txBody>
+          <a:bodyPr vert="horz" lIns="91440" tIns="45720" rIns="91440" bIns="45720" rtlCol="0"/>
+          <a:lstStyle>
+            <a:lvl1pPr algn="l">
+              <a:defRPr sz="1200"/>
+            </a:lvl1pPr>
+          </a:lstStyle>
+          <a:p>
+            <a:endParaRPr lang="en-US"/>
+          </a:p>
+        </p:txBody>
+      </p:sp>
+      <p:sp>
+        <p:nvSpPr>
+          <p:cNvPr id="3" name="Date Placeholder 2"/>
+          <p:cNvSpPr>
+            <a:spLocks noGrp="1"/>
+          </p:cNvSpPr>
+          <p:nvPr>
+            <p:ph type="dt" idx="1"/>
+          </p:nvPr>
+        </p:nvSpPr>
+        <p:spPr>
+          <a:xfrm>
+            <a:off x="3884613" y="0"/>
+            <a:ext cx="2971800" cy="458788"/>
+          </a:xfrm>
+          <a:prstGeom prst="rect">
+            <a:avLst/>
+          </a:prstGeom>
+        </p:spPr>
+        <p:txBody>
+          <a:bodyPr vert="horz" lIns="91440" tIns="45720" rIns="91440" bIns="45720" rtlCol="0"/>
+          <a:lstStyle>
+            <a:lvl1pPr algn="r">
+              <a:defRPr sz="1200"/>
+            </a:lvl1pPr>
+          </a:lstStyle>
+          <a:p>
+            <a:fld id="{CA6D6662-2E78-E749-AC74-8B6293A2273E}" type="datetimeFigureOut">
+              <a:rPr lang="en-US" smtClean="0"/>
+              <a:t>6/14/20</a:t>
+            </a:fld>
+            <a:endParaRPr lang="en-US"/>
+          </a:p>
+        </p:txBody>
+      </p:sp>
+      <p:sp>
+        <p:nvSpPr>
+          <p:cNvPr id="4" name="Slide Image Placeholder 3"/>
+          <p:cNvSpPr>
+            <a:spLocks noGrp="1" noRot="1" noChangeAspect="1"/>
+          </p:cNvSpPr>
+          <p:nvPr>
+            <p:ph type="sldImg" idx="2"/>
+          </p:nvPr>
+        </p:nvSpPr>
+        <p:spPr>
+          <a:xfrm>
+            <a:off x="685800" y="1143000"/>
+            <a:ext cx="5486400" cy="3086100"/>
+          </a:xfrm>
+          <a:prstGeom prst="rect">
+            <a:avLst/>
+          </a:prstGeom>
+          <a:noFill/>
+          <a:ln w="12700">
+            <a:solidFill>
+              <a:prstClr val="black"/>
+            </a:solidFill>
+          </a:ln>
+        </p:spPr>
+        <p:txBody>
+          <a:bodyPr vert="horz" lIns="91440" tIns="45720" rIns="91440" bIns="45720" rtlCol="0" anchor="ctr"/>
+          <a:lstStyle/>
+          <a:p>
+            <a:endParaRPr lang="en-US"/>
+          </a:p>
+        </p:txBody>
+      </p:sp>
+      <p:sp>
+        <p:nvSpPr>
+          <p:cNvPr id="5" name="Notes Placeholder 4"/>
+          <p:cNvSpPr>
+            <a:spLocks noGrp="1"/>
+          </p:cNvSpPr>
+          <p:nvPr>
+            <p:ph type="body" sz="quarter" idx="3"/>
+          </p:nvPr>
+        </p:nvSpPr>
+        <p:spPr>
+          <a:xfrm>
+            <a:off x="685800" y="4400550"/>
+            <a:ext cx="5486400" cy="3600450"/>
+          </a:xfrm>
+          <a:prstGeom prst="rect">
+            <a:avLst/>
+          </a:prstGeom>
+        </p:spPr>
+        <p:txBody>
+          <a:bodyPr vert="horz" lIns="91440" tIns="45720" rIns="91440" bIns="45720" rtlCol="0"/>
+          <a:lstStyle/>
+          <a:p>
+            <a:pPr lvl="0"/>
+            <a:r>
+              <a:rPr lang="en-US"/>
+              <a:t>Edit Master text styles</a:t>
+            </a:r>
+          </a:p>
+          <a:p>
+            <a:pPr lvl="1"/>
+            <a:r>
+              <a:rPr lang="en-US"/>
+              <a:t>Second level</a:t>
+            </a:r>
+          </a:p>
+          <a:p>
+            <a:pPr lvl="2"/>
+            <a:r>
+              <a:rPr lang="en-US"/>
+              <a:t>Third level</a:t>
+            </a:r>
+          </a:p>
+          <a:p>
+            <a:pPr lvl="3"/>
+            <a:r>
+              <a:rPr lang="en-US"/>
+              <a:t>Fourth level</a:t>
+            </a:r>
+          </a:p>
+          <a:p>
+            <a:pPr lvl="4"/>
+            <a:r>
+              <a:rPr lang="en-US"/>
+              <a:t>Fifth level</a:t>
+            </a:r>
+          </a:p>
+        </p:txBody>
+      </p:sp>
+      <p:sp>
+        <p:nvSpPr>
+          <p:cNvPr id="6" name="Footer Placeholder 5"/>
+          <p:cNvSpPr>
+            <a:spLocks noGrp="1"/>
+          </p:cNvSpPr>
+          <p:nvPr>
+            <p:ph type="ftr" sz="quarter" idx="4"/>
+          </p:nvPr>
+        </p:nvSpPr>
+        <p:spPr>
+          <a:xfrm>
+            <a:off x="0" y="8685213"/>
+            <a:ext cx="2971800" cy="458787"/>
+          </a:xfrm>
+          <a:prstGeom prst="rect">
+            <a:avLst/>
+          </a:prstGeom>
+        </p:spPr>
+        <p:txBody>
+          <a:bodyPr vert="horz" lIns="91440" tIns="45720" rIns="91440" bIns="45720" rtlCol="0" anchor="b"/>
+          <a:lstStyle>
+            <a:lvl1pPr algn="l">
+              <a:defRPr sz="1200"/>
+            </a:lvl1pPr>
+          </a:lstStyle>
+          <a:p>
+            <a:endParaRPr lang="en-US"/>
+          </a:p>
+        </p:txBody>
+      </p:sp>
+      <p:sp>
+        <p:nvSpPr>
+          <p:cNvPr id="7" name="Slide Number Placeholder 6"/>
+          <p:cNvSpPr>
+            <a:spLocks noGrp="1"/>
+          </p:cNvSpPr>
+          <p:nvPr>
+            <p:ph type="sldNum" sz="quarter" idx="5"/>
+          </p:nvPr>
+        </p:nvSpPr>
+        <p:spPr>
+          <a:xfrm>
+            <a:off x="3884613" y="8685213"/>
+            <a:ext cx="2971800" cy="458787"/>
+          </a:xfrm>
+          <a:prstGeom prst="rect">
+            <a:avLst/>
+          </a:prstGeom>
+        </p:spPr>
+        <p:txBody>
+          <a:bodyPr vert="horz" lIns="91440" tIns="45720" rIns="91440" bIns="45720" rtlCol="0" anchor="b"/>
+          <a:lstStyle>
+            <a:lvl1pPr algn="r">
+              <a:defRPr sz="1200"/>
+            </a:lvl1pPr>
+          </a:lstStyle>
+          <a:p>
+            <a:fld id="{3BA14B7A-5E2A-A34B-A342-251CCED59A3A}" type="slidenum">
+              <a:rPr lang="en-US" smtClean="0"/>
+              <a:t>‹#›</a:t>
+            </a:fld>
+            <a:endParaRPr lang="en-US"/>
+          </a:p>
+        </p:txBody>
+      </p:sp>
+    </p:spTree>
+    <p:extLst>
+      <p:ext uri="{BB962C8B-B14F-4D97-AF65-F5344CB8AC3E}">
+        <p14:creationId xmlns:p14="http://schemas.microsoft.com/office/powerpoint/2010/main" val="3439442221"/>
+      </p:ext>
+    </p:extLst>
+  </p:cSld>
+  <p:clrMap bg1="lt1" tx1="dk1" bg2="lt2" tx2="dk2" accent1="accent1" accent2="accent2" accent3="accent3" accent4="accent4" accent5="accent5" accent6="accent6" hlink="hlink" folHlink="folHlink"/>
+  <p:notesStyle>
+    <a:lvl1pPr marL="0" algn="l" defTabSz="914400" rtl="0" eaLnBrk="1" latinLnBrk="0" hangingPunct="1">
+      <a:defRPr sz="1200" kern="1200">
+        <a:solidFill>
+          <a:schemeClr val="tx1"/>
+        </a:solidFill>
+        <a:latin typeface="+mn-lt"/>
+        <a:ea typeface="+mn-ea"/>
+        <a:cs typeface="+mn-cs"/>
+      </a:defRPr>
+    </a:lvl1pPr>
+    <a:lvl2pPr marL="457200" algn="l" defTabSz="914400" rtl="0" eaLnBrk="1" latinLnBrk="0" hangingPunct="1">
+      <a:defRPr sz="1200" kern="1200">
+        <a:solidFill>
+          <a:schemeClr val="tx1"/>
+        </a:solidFill>
+        <a:latin typeface="+mn-lt"/>
+        <a:ea typeface="+mn-ea"/>
+        <a:cs typeface="+mn-cs"/>
+      </a:defRPr>
+    </a:lvl2pPr>
+    <a:lvl3pPr marL="914400" algn="l" defTabSz="914400" rtl="0" eaLnBrk="1" latinLnBrk="0" hangingPunct="1">
+      <a:defRPr sz="1200" kern="1200">
+        <a:solidFill>
+          <a:schemeClr val="tx1"/>
+        </a:solidFill>
+        <a:latin typeface="+mn-lt"/>
+        <a:ea typeface="+mn-ea"/>
+        <a:cs typeface="+mn-cs"/>
+      </a:defRPr>
+    </a:lvl3pPr>
+    <a:lvl4pPr marL="1371600" algn="l" defTabSz="914400" rtl="0" eaLnBrk="1" latinLnBrk="0" hangingPunct="1">
+      <a:defRPr sz="1200" kern="1200">
+        <a:solidFill>
+          <a:schemeClr val="tx1"/>
+        </a:solidFill>
+        <a:latin typeface="+mn-lt"/>
+        <a:ea typeface="+mn-ea"/>
+        <a:cs typeface="+mn-cs"/>
+      </a:defRPr>
+    </a:lvl4pPr>
+    <a:lvl5pPr marL="1828800" algn="l" defTabSz="914400" rtl="0" eaLnBrk="1" latinLnBrk="0" hangingPunct="1">
+      <a:defRPr sz="1200" kern="1200">
+        <a:solidFill>
+          <a:schemeClr val="tx1"/>
+        </a:solidFill>
+        <a:latin typeface="+mn-lt"/>
+        <a:ea typeface="+mn-ea"/>
+        <a:cs typeface="+mn-cs"/>
+      </a:defRPr>
+    </a:lvl5pPr>
+    <a:lvl6pPr marL="2286000" algn="l" defTabSz="914400" rtl="0" eaLnBrk="1" latinLnBrk="0" hangingPunct="1">
+      <a:defRPr sz="1200" kern="1200">
+        <a:solidFill>
+          <a:schemeClr val="tx1"/>
+        </a:solidFill>
+        <a:latin typeface="+mn-lt"/>
+        <a:ea typeface="+mn-ea"/>
+        <a:cs typeface="+mn-cs"/>
+      </a:defRPr>
+    </a:lvl6pPr>
+    <a:lvl7pPr marL="2743200" algn="l" defTabSz="914400" rtl="0" eaLnBrk="1" latinLnBrk="0" hangingPunct="1">
+      <a:defRPr sz="1200" kern="1200">
+        <a:solidFill>
+          <a:schemeClr val="tx1"/>
+        </a:solidFill>
+        <a:latin typeface="+mn-lt"/>
+        <a:ea typeface="+mn-ea"/>
+        <a:cs typeface="+mn-cs"/>
+      </a:defRPr>
+    </a:lvl7pPr>
+    <a:lvl8pPr marL="3200400" algn="l" defTabSz="914400" rtl="0" eaLnBrk="1" latinLnBrk="0" hangingPunct="1">
+      <a:defRPr sz="1200" kern="1200">
+        <a:solidFill>
+          <a:schemeClr val="tx1"/>
+        </a:solidFill>
+        <a:latin typeface="+mn-lt"/>
+        <a:ea typeface="+mn-ea"/>
+        <a:cs typeface="+mn-cs"/>
+      </a:defRPr>
+    </a:lvl8pPr>
+    <a:lvl9pPr marL="3657600" algn="l" defTabSz="914400" rtl="0" eaLnBrk="1" latinLnBrk="0" hangingPunct="1">
+      <a:defRPr sz="1200" kern="1200">
+        <a:solidFill>
+          <a:schemeClr val="tx1"/>
+        </a:solidFill>
+        <a:latin typeface="+mn-lt"/>
+        <a:ea typeface="+mn-ea"/>
+        <a:cs typeface="+mn-cs"/>
+      </a:defRPr>
+    </a:lvl9pPr>
+  </p:notesStyle>
+</p:notesMaster>
+</file>
+
+<file path=ppt/notesSlides/notesSlide1.xml><?xml version="1.0" encoding="utf-8"?>
+<p:notes xmlns:a="http://schemas.openxmlformats.org/drawingml/2006/main" xmlns:r="http://schemas.openxmlformats.org/officeDocument/2006/relationships" xmlns:p="http://schemas.openxmlformats.org/presentationml/2006/main">
+  <p:cSld>
+    <p:spTree>
+      <p:nvGrpSpPr>
+        <p:cNvPr id="1" name=""/>
+        <p:cNvGrpSpPr/>
+        <p:nvPr/>
+      </p:nvGrpSpPr>
+      <p:grpSpPr>
+        <a:xfrm>
+          <a:off x="0" y="0"/>
+          <a:ext cx="0" cy="0"/>
+          <a:chOff x="0" y="0"/>
+          <a:chExt cx="0" cy="0"/>
+        </a:xfrm>
+      </p:grpSpPr>
+      <p:sp>
+        <p:nvSpPr>
+          <p:cNvPr id="2" name="Slide Image Placeholder 1"/>
+          <p:cNvSpPr>
+            <a:spLocks noGrp="1" noRot="1" noChangeAspect="1"/>
+          </p:cNvSpPr>
+          <p:nvPr>
+            <p:ph type="sldImg"/>
+          </p:nvPr>
+        </p:nvSpPr>
+        <p:spPr/>
+      </p:sp>
+      <p:sp>
+        <p:nvSpPr>
+          <p:cNvPr id="3" name="Notes Placeholder 2"/>
+          <p:cNvSpPr>
+            <a:spLocks noGrp="1"/>
+          </p:cNvSpPr>
+          <p:nvPr>
+            <p:ph type="body" idx="1"/>
+          </p:nvPr>
+        </p:nvSpPr>
+        <p:spPr/>
+        <p:txBody>
+          <a:bodyPr/>
+          <a:lstStyle/>
+          <a:p>
+            <a:endParaRPr lang="en-US" dirty="0"/>
+          </a:p>
+        </p:txBody>
+      </p:sp>
+      <p:sp>
+        <p:nvSpPr>
+          <p:cNvPr id="4" name="Slide Number Placeholder 3"/>
+          <p:cNvSpPr>
+            <a:spLocks noGrp="1"/>
+          </p:cNvSpPr>
+          <p:nvPr>
+            <p:ph type="sldNum" sz="quarter" idx="5"/>
+          </p:nvPr>
+        </p:nvSpPr>
+        <p:spPr/>
+        <p:txBody>
+          <a:bodyPr/>
+          <a:lstStyle/>
+          <a:p>
+            <a:fld id="{3BA14B7A-5E2A-A34B-A342-251CCED59A3A}" type="slidenum">
+              <a:rPr lang="en-US" smtClean="0"/>
+              <a:t>5</a:t>
+            </a:fld>
+            <a:endParaRPr lang="en-US"/>
+          </a:p>
+        </p:txBody>
+      </p:sp>
+    </p:spTree>
+    <p:extLst>
+      <p:ext uri="{BB962C8B-B14F-4D97-AF65-F5344CB8AC3E}">
+        <p14:creationId xmlns:p14="http://schemas.microsoft.com/office/powerpoint/2010/main" val="1438544140"/>
+      </p:ext>
+    </p:extLst>
+  </p:cSld>
+  <p:clrMapOvr>
+    <a:masterClrMapping/>
+  </p:clrMapOvr>
+</p:notes>
+</file>
+
 <file path=ppt/slideLayouts/slideLayout1.xml><?xml version="1.0" encoding="utf-8"?>
 <p:sldLayout xmlns:a="http://schemas.openxmlformats.org/drawingml/2006/main" xmlns:r="http://schemas.openxmlformats.org/officeDocument/2006/relationships" xmlns:p="http://schemas.openxmlformats.org/presentationml/2006/main" type="title" preserve="1">
   <p:cSld name="Title Slide">
@@ -262,7 +699,7 @@
           <a:p>
             <a:fld id="{04834100-F070-AD4C-B025-37E5903F439D}" type="datetimeFigureOut">
               <a:rPr lang="en-US" smtClean="0"/>
-              <a:t>6/7/20</a:t>
+              <a:t>6/14/20</a:t>
             </a:fld>
             <a:endParaRPr lang="en-US"/>
           </a:p>
@@ -460,7 +897,7 @@
           <a:p>
             <a:fld id="{04834100-F070-AD4C-B025-37E5903F439D}" type="datetimeFigureOut">
               <a:rPr lang="en-US" smtClean="0"/>
-              <a:t>6/7/20</a:t>
+              <a:t>6/14/20</a:t>
             </a:fld>
             <a:endParaRPr lang="en-US"/>
           </a:p>
@@ -668,7 +1105,7 @@
           <a:p>
             <a:fld id="{04834100-F070-AD4C-B025-37E5903F439D}" type="datetimeFigureOut">
               <a:rPr lang="en-US" smtClean="0"/>
-              <a:t>6/7/20</a:t>
+              <a:t>6/14/20</a:t>
             </a:fld>
             <a:endParaRPr lang="en-US"/>
           </a:p>
@@ -866,7 +1303,7 @@
           <a:p>
             <a:fld id="{04834100-F070-AD4C-B025-37E5903F439D}" type="datetimeFigureOut">
               <a:rPr lang="en-US" smtClean="0"/>
-              <a:t>6/7/20</a:t>
+              <a:t>6/14/20</a:t>
             </a:fld>
             <a:endParaRPr lang="en-US"/>
           </a:p>
@@ -1141,7 +1578,7 @@
           <a:p>
             <a:fld id="{04834100-F070-AD4C-B025-37E5903F439D}" type="datetimeFigureOut">
               <a:rPr lang="en-US" smtClean="0"/>
-              <a:t>6/7/20</a:t>
+              <a:t>6/14/20</a:t>
             </a:fld>
             <a:endParaRPr lang="en-US"/>
           </a:p>
@@ -1406,7 +1843,7 @@
           <a:p>
             <a:fld id="{04834100-F070-AD4C-B025-37E5903F439D}" type="datetimeFigureOut">
               <a:rPr lang="en-US" smtClean="0"/>
-              <a:t>6/7/20</a:t>
+              <a:t>6/14/20</a:t>
             </a:fld>
             <a:endParaRPr lang="en-US"/>
           </a:p>
@@ -1818,7 +2255,7 @@
           <a:p>
             <a:fld id="{04834100-F070-AD4C-B025-37E5903F439D}" type="datetimeFigureOut">
               <a:rPr lang="en-US" smtClean="0"/>
-              <a:t>6/7/20</a:t>
+              <a:t>6/14/20</a:t>
             </a:fld>
             <a:endParaRPr lang="en-US"/>
           </a:p>
@@ -1964,7 +2401,7 @@
           <a:p>
             <a:fld id="{04834100-F070-AD4C-B025-37E5903F439D}" type="datetimeFigureOut">
               <a:rPr lang="en-US" smtClean="0"/>
-              <a:t>6/7/20</a:t>
+              <a:t>6/14/20</a:t>
             </a:fld>
             <a:endParaRPr lang="en-US"/>
           </a:p>
@@ -2077,7 +2514,7 @@
           <a:p>
             <a:fld id="{04834100-F070-AD4C-B025-37E5903F439D}" type="datetimeFigureOut">
               <a:rPr lang="en-US" smtClean="0"/>
-              <a:t>6/7/20</a:t>
+              <a:t>6/14/20</a:t>
             </a:fld>
             <a:endParaRPr lang="en-US"/>
           </a:p>
@@ -2388,7 +2825,7 @@
           <a:p>
             <a:fld id="{04834100-F070-AD4C-B025-37E5903F439D}" type="datetimeFigureOut">
               <a:rPr lang="en-US" smtClean="0"/>
-              <a:t>6/7/20</a:t>
+              <a:t>6/14/20</a:t>
             </a:fld>
             <a:endParaRPr lang="en-US"/>
           </a:p>
@@ -2676,7 +3113,7 @@
           <a:p>
             <a:fld id="{04834100-F070-AD4C-B025-37E5903F439D}" type="datetimeFigureOut">
               <a:rPr lang="en-US" smtClean="0"/>
-              <a:t>6/7/20</a:t>
+              <a:t>6/14/20</a:t>
             </a:fld>
             <a:endParaRPr lang="en-US"/>
           </a:p>
@@ -2917,7 +3354,7 @@
           <a:p>
             <a:fld id="{04834100-F070-AD4C-B025-37E5903F439D}" type="datetimeFigureOut">
               <a:rPr lang="en-US" smtClean="0"/>
-              <a:t>6/7/20</a:t>
+              <a:t>6/14/20</a:t>
             </a:fld>
             <a:endParaRPr lang="en-US"/>
           </a:p>
@@ -9036,6 +9473,652 @@
 </p:sld>
 </file>
 
+<file path=ppt/slides/slide5.xml><?xml version="1.0" encoding="utf-8"?>
+<p:sld xmlns:a="http://schemas.openxmlformats.org/drawingml/2006/main" xmlns:r="http://schemas.openxmlformats.org/officeDocument/2006/relationships" xmlns:p="http://schemas.openxmlformats.org/presentationml/2006/main">
+  <p:cSld>
+    <p:spTree>
+      <p:nvGrpSpPr>
+        <p:cNvPr id="1" name=""/>
+        <p:cNvGrpSpPr/>
+        <p:nvPr/>
+      </p:nvGrpSpPr>
+      <p:grpSpPr>
+        <a:xfrm>
+          <a:off x="0" y="0"/>
+          <a:ext cx="0" cy="0"/>
+          <a:chOff x="0" y="0"/>
+          <a:chExt cx="0" cy="0"/>
+        </a:xfrm>
+      </p:grpSpPr>
+      <p:sp>
+        <p:nvSpPr>
+          <p:cNvPr id="5" name="Oval 4">
+            <a:extLst>
+              <a:ext uri="{FF2B5EF4-FFF2-40B4-BE49-F238E27FC236}">
+                <a16:creationId xmlns:a16="http://schemas.microsoft.com/office/drawing/2014/main" id="{CE9F360D-D0C4-1A43-8FF2-4E5A1E416246}"/>
+              </a:ext>
+            </a:extLst>
+          </p:cNvPr>
+          <p:cNvSpPr/>
+          <p:nvPr/>
+        </p:nvSpPr>
+        <p:spPr>
+          <a:xfrm>
+            <a:off x="967563" y="1254643"/>
+            <a:ext cx="5518297" cy="3349255"/>
+          </a:xfrm>
+          <a:prstGeom prst="ellipse">
+            <a:avLst/>
+          </a:prstGeom>
+          <a:noFill/>
+        </p:spPr>
+        <p:style>
+          <a:lnRef idx="2">
+            <a:schemeClr val="accent1">
+              <a:shade val="50000"/>
+            </a:schemeClr>
+          </a:lnRef>
+          <a:fillRef idx="1">
+            <a:schemeClr val="accent1"/>
+          </a:fillRef>
+          <a:effectRef idx="0">
+            <a:schemeClr val="accent1"/>
+          </a:effectRef>
+          <a:fontRef idx="minor">
+            <a:schemeClr val="lt1"/>
+          </a:fontRef>
+        </p:style>
+        <p:txBody>
+          <a:bodyPr rtlCol="0" anchor="ctr"/>
+          <a:lstStyle/>
+          <a:p>
+            <a:pPr algn="ctr"/>
+            <a:endParaRPr lang="en-US" dirty="0">
+              <a:solidFill>
+                <a:schemeClr val="tx1"/>
+              </a:solidFill>
+            </a:endParaRPr>
+          </a:p>
+        </p:txBody>
+      </p:sp>
+      <p:sp>
+        <p:nvSpPr>
+          <p:cNvPr id="6" name="Oval 5">
+            <a:extLst>
+              <a:ext uri="{FF2B5EF4-FFF2-40B4-BE49-F238E27FC236}">
+                <a16:creationId xmlns:a16="http://schemas.microsoft.com/office/drawing/2014/main" id="{79E90B8C-42F5-2640-BBB9-CFE926BED1E6}"/>
+              </a:ext>
+            </a:extLst>
+          </p:cNvPr>
+          <p:cNvSpPr/>
+          <p:nvPr/>
+        </p:nvSpPr>
+        <p:spPr>
+          <a:xfrm>
+            <a:off x="1268819" y="1786271"/>
+            <a:ext cx="3186224" cy="2307265"/>
+          </a:xfrm>
+          <a:prstGeom prst="ellipse">
+            <a:avLst/>
+          </a:prstGeom>
+          <a:noFill/>
+        </p:spPr>
+        <p:style>
+          <a:lnRef idx="2">
+            <a:schemeClr val="accent1">
+              <a:shade val="50000"/>
+            </a:schemeClr>
+          </a:lnRef>
+          <a:fillRef idx="1">
+            <a:schemeClr val="accent1"/>
+          </a:fillRef>
+          <a:effectRef idx="0">
+            <a:schemeClr val="accent1"/>
+          </a:effectRef>
+          <a:fontRef idx="minor">
+            <a:schemeClr val="lt1"/>
+          </a:fontRef>
+        </p:style>
+        <p:txBody>
+          <a:bodyPr rtlCol="0" anchor="ctr"/>
+          <a:lstStyle/>
+          <a:p>
+            <a:pPr algn="ctr"/>
+            <a:endParaRPr lang="en-US" dirty="0">
+              <a:solidFill>
+                <a:schemeClr val="tx1"/>
+              </a:solidFill>
+            </a:endParaRPr>
+          </a:p>
+        </p:txBody>
+      </p:sp>
+      <p:sp>
+        <p:nvSpPr>
+          <p:cNvPr id="7" name="Oval 6">
+            <a:extLst>
+              <a:ext uri="{FF2B5EF4-FFF2-40B4-BE49-F238E27FC236}">
+                <a16:creationId xmlns:a16="http://schemas.microsoft.com/office/drawing/2014/main" id="{28A3351B-B755-C441-BFE7-A20784061E85}"/>
+              </a:ext>
+            </a:extLst>
+          </p:cNvPr>
+          <p:cNvSpPr/>
+          <p:nvPr/>
+        </p:nvSpPr>
+        <p:spPr>
+          <a:xfrm>
+            <a:off x="1433630" y="2306136"/>
+            <a:ext cx="1098696" cy="1082267"/>
+          </a:xfrm>
+          <a:prstGeom prst="ellipse">
+            <a:avLst/>
+          </a:prstGeom>
+          <a:noFill/>
+        </p:spPr>
+        <p:style>
+          <a:lnRef idx="2">
+            <a:schemeClr val="accent1">
+              <a:shade val="50000"/>
+            </a:schemeClr>
+          </a:lnRef>
+          <a:fillRef idx="1">
+            <a:schemeClr val="accent1"/>
+          </a:fillRef>
+          <a:effectRef idx="0">
+            <a:schemeClr val="accent1"/>
+          </a:effectRef>
+          <a:fontRef idx="minor">
+            <a:schemeClr val="lt1"/>
+          </a:fontRef>
+        </p:style>
+        <p:txBody>
+          <a:bodyPr rtlCol="0" anchor="ctr"/>
+          <a:lstStyle/>
+          <a:p>
+            <a:pPr algn="ctr"/>
+            <a:r>
+              <a:rPr lang="en-US" dirty="0">
+                <a:solidFill>
+                  <a:schemeClr val="tx1"/>
+                </a:solidFill>
+              </a:rPr>
+              <a:t>Initial</a:t>
+            </a:r>
+          </a:p>
+          <a:p>
+            <a:pPr algn="ctr"/>
+            <a:r>
+              <a:rPr lang="en-US" dirty="0">
+                <a:solidFill>
+                  <a:schemeClr val="tx1"/>
+                </a:solidFill>
+              </a:rPr>
+              <a:t>states</a:t>
+            </a:r>
+          </a:p>
+        </p:txBody>
+      </p:sp>
+      <p:sp>
+        <p:nvSpPr>
+          <p:cNvPr id="8" name="TextBox 7">
+            <a:extLst>
+              <a:ext uri="{FF2B5EF4-FFF2-40B4-BE49-F238E27FC236}">
+                <a16:creationId xmlns:a16="http://schemas.microsoft.com/office/drawing/2014/main" id="{51B9097A-2258-4041-A695-94166F59E40C}"/>
+              </a:ext>
+            </a:extLst>
+          </p:cNvPr>
+          <p:cNvSpPr txBox="1"/>
+          <p:nvPr/>
+        </p:nvSpPr>
+        <p:spPr>
+          <a:xfrm>
+            <a:off x="2371949" y="2008746"/>
+            <a:ext cx="1267045" cy="646331"/>
+          </a:xfrm>
+          <a:prstGeom prst="rect">
+            <a:avLst/>
+          </a:prstGeom>
+          <a:noFill/>
+        </p:spPr>
+        <p:txBody>
+          <a:bodyPr wrap="square" rtlCol="0">
+            <a:spAutoFit/>
+          </a:bodyPr>
+          <a:lstStyle/>
+          <a:p>
+            <a:pPr algn="ctr"/>
+            <a:r>
+              <a:rPr lang="en-US" dirty="0"/>
+              <a:t>Reachable States</a:t>
+            </a:r>
+          </a:p>
+        </p:txBody>
+      </p:sp>
+      <p:sp>
+        <p:nvSpPr>
+          <p:cNvPr id="10" name="TextBox 9">
+            <a:extLst>
+              <a:ext uri="{FF2B5EF4-FFF2-40B4-BE49-F238E27FC236}">
+                <a16:creationId xmlns:a16="http://schemas.microsoft.com/office/drawing/2014/main" id="{246124F0-7423-BA4A-9462-0E4E99542EBB}"/>
+              </a:ext>
+            </a:extLst>
+          </p:cNvPr>
+          <p:cNvSpPr txBox="1"/>
+          <p:nvPr/>
+        </p:nvSpPr>
+        <p:spPr>
+          <a:xfrm>
+            <a:off x="4577313" y="2347307"/>
+            <a:ext cx="1706529" cy="923330"/>
+          </a:xfrm>
+          <a:prstGeom prst="rect">
+            <a:avLst/>
+          </a:prstGeom>
+          <a:noFill/>
+        </p:spPr>
+        <p:txBody>
+          <a:bodyPr wrap="square" rtlCol="0">
+            <a:spAutoFit/>
+          </a:bodyPr>
+          <a:lstStyle/>
+          <a:p>
+            <a:pPr algn="ctr"/>
+            <a:r>
+              <a:rPr lang="en-US" dirty="0"/>
+              <a:t>States where the inductive invariant holds</a:t>
+            </a:r>
+          </a:p>
+        </p:txBody>
+      </p:sp>
+      <p:sp>
+        <p:nvSpPr>
+          <p:cNvPr id="12" name="Rectangle 11">
+            <a:extLst>
+              <a:ext uri="{FF2B5EF4-FFF2-40B4-BE49-F238E27FC236}">
+                <a16:creationId xmlns:a16="http://schemas.microsoft.com/office/drawing/2014/main" id="{A064B363-EA59-D142-B9AD-20C9B07A3903}"/>
+              </a:ext>
+            </a:extLst>
+          </p:cNvPr>
+          <p:cNvSpPr/>
+          <p:nvPr/>
+        </p:nvSpPr>
+        <p:spPr>
+          <a:xfrm>
+            <a:off x="744279" y="542260"/>
+            <a:ext cx="6007395" cy="4338085"/>
+          </a:xfrm>
+          <a:prstGeom prst="rect">
+            <a:avLst/>
+          </a:prstGeom>
+          <a:noFill/>
+        </p:spPr>
+        <p:style>
+          <a:lnRef idx="2">
+            <a:schemeClr val="accent1">
+              <a:shade val="50000"/>
+            </a:schemeClr>
+          </a:lnRef>
+          <a:fillRef idx="1">
+            <a:schemeClr val="accent1"/>
+          </a:fillRef>
+          <a:effectRef idx="0">
+            <a:schemeClr val="accent1"/>
+          </a:effectRef>
+          <a:fontRef idx="minor">
+            <a:schemeClr val="lt1"/>
+          </a:fontRef>
+        </p:style>
+        <p:txBody>
+          <a:bodyPr rtlCol="0" anchor="ctr"/>
+          <a:lstStyle/>
+          <a:p>
+            <a:pPr algn="ctr"/>
+            <a:endParaRPr lang="en-US"/>
+          </a:p>
+        </p:txBody>
+      </p:sp>
+      <p:sp>
+        <p:nvSpPr>
+          <p:cNvPr id="13" name="Rectangle 12">
+            <a:extLst>
+              <a:ext uri="{FF2B5EF4-FFF2-40B4-BE49-F238E27FC236}">
+                <a16:creationId xmlns:a16="http://schemas.microsoft.com/office/drawing/2014/main" id="{BE2AA2AB-74A5-0F44-BC47-9516DC7003A6}"/>
+              </a:ext>
+            </a:extLst>
+          </p:cNvPr>
+          <p:cNvSpPr/>
+          <p:nvPr/>
+        </p:nvSpPr>
+        <p:spPr>
+          <a:xfrm>
+            <a:off x="744279" y="4880346"/>
+            <a:ext cx="6007395" cy="1092664"/>
+          </a:xfrm>
+          <a:prstGeom prst="rect">
+            <a:avLst/>
+          </a:prstGeom>
+          <a:noFill/>
+        </p:spPr>
+        <p:style>
+          <a:lnRef idx="2">
+            <a:schemeClr val="accent1">
+              <a:shade val="50000"/>
+            </a:schemeClr>
+          </a:lnRef>
+          <a:fillRef idx="1">
+            <a:schemeClr val="accent1"/>
+          </a:fillRef>
+          <a:effectRef idx="0">
+            <a:schemeClr val="accent1"/>
+          </a:effectRef>
+          <a:fontRef idx="minor">
+            <a:schemeClr val="lt1"/>
+          </a:fontRef>
+        </p:style>
+        <p:txBody>
+          <a:bodyPr rtlCol="0" anchor="ctr"/>
+          <a:lstStyle/>
+          <a:p>
+            <a:pPr algn="ctr"/>
+            <a:r>
+              <a:rPr lang="en-US" dirty="0">
+                <a:solidFill>
+                  <a:schemeClr val="tx1"/>
+                </a:solidFill>
+              </a:rPr>
+              <a:t>States with multiple processes in the critical section</a:t>
+            </a:r>
+          </a:p>
+        </p:txBody>
+      </p:sp>
+      <p:sp>
+        <p:nvSpPr>
+          <p:cNvPr id="14" name="TextBox 13">
+            <a:extLst>
+              <a:ext uri="{FF2B5EF4-FFF2-40B4-BE49-F238E27FC236}">
+                <a16:creationId xmlns:a16="http://schemas.microsoft.com/office/drawing/2014/main" id="{6AAFF98B-E604-0543-8320-297A4F78E414}"/>
+              </a:ext>
+            </a:extLst>
+          </p:cNvPr>
+          <p:cNvSpPr txBox="1"/>
+          <p:nvPr/>
+        </p:nvSpPr>
+        <p:spPr>
+          <a:xfrm>
+            <a:off x="1268819" y="711806"/>
+            <a:ext cx="5158656" cy="369332"/>
+          </a:xfrm>
+          <a:prstGeom prst="rect">
+            <a:avLst/>
+          </a:prstGeom>
+          <a:noFill/>
+        </p:spPr>
+        <p:txBody>
+          <a:bodyPr wrap="none" rtlCol="0">
+            <a:spAutoFit/>
+          </a:bodyPr>
+          <a:lstStyle/>
+          <a:p>
+            <a:r>
+              <a:rPr lang="en-US" dirty="0"/>
+              <a:t>States with at most one process in the critical section</a:t>
+            </a:r>
+          </a:p>
+        </p:txBody>
+      </p:sp>
+      <p:sp>
+        <p:nvSpPr>
+          <p:cNvPr id="15" name="Oval 14">
+            <a:extLst>
+              <a:ext uri="{FF2B5EF4-FFF2-40B4-BE49-F238E27FC236}">
+                <a16:creationId xmlns:a16="http://schemas.microsoft.com/office/drawing/2014/main" id="{BD3E9F26-DCD4-824B-9470-44120DF841CB}"/>
+              </a:ext>
+            </a:extLst>
+          </p:cNvPr>
+          <p:cNvSpPr/>
+          <p:nvPr/>
+        </p:nvSpPr>
+        <p:spPr>
+          <a:xfrm>
+            <a:off x="3005472" y="2721934"/>
+            <a:ext cx="1098696" cy="1082267"/>
+          </a:xfrm>
+          <a:prstGeom prst="ellipse">
+            <a:avLst/>
+          </a:prstGeom>
+          <a:noFill/>
+        </p:spPr>
+        <p:style>
+          <a:lnRef idx="2">
+            <a:schemeClr val="accent1">
+              <a:shade val="50000"/>
+            </a:schemeClr>
+          </a:lnRef>
+          <a:fillRef idx="1">
+            <a:schemeClr val="accent1"/>
+          </a:fillRef>
+          <a:effectRef idx="0">
+            <a:schemeClr val="accent1"/>
+          </a:effectRef>
+          <a:fontRef idx="minor">
+            <a:schemeClr val="lt1"/>
+          </a:fontRef>
+        </p:style>
+        <p:txBody>
+          <a:bodyPr rtlCol="0" anchor="ctr"/>
+          <a:lstStyle/>
+          <a:p>
+            <a:pPr algn="ctr"/>
+            <a:r>
+              <a:rPr lang="en-US" dirty="0">
+                <a:solidFill>
+                  <a:schemeClr val="tx1"/>
+                </a:solidFill>
+              </a:rPr>
+              <a:t>Final</a:t>
+            </a:r>
+          </a:p>
+          <a:p>
+            <a:pPr algn="ctr"/>
+            <a:r>
+              <a:rPr lang="en-US" dirty="0">
+                <a:solidFill>
+                  <a:schemeClr val="tx1"/>
+                </a:solidFill>
+              </a:rPr>
+              <a:t>states</a:t>
+            </a:r>
+          </a:p>
+        </p:txBody>
+      </p:sp>
+      <p:sp>
+        <p:nvSpPr>
+          <p:cNvPr id="16" name="Rectangle 15">
+            <a:extLst>
+              <a:ext uri="{FF2B5EF4-FFF2-40B4-BE49-F238E27FC236}">
+                <a16:creationId xmlns:a16="http://schemas.microsoft.com/office/drawing/2014/main" id="{E0AACFA9-A9AA-3A4B-A670-0F3DD65DCC65}"/>
+              </a:ext>
+            </a:extLst>
+          </p:cNvPr>
+          <p:cNvSpPr/>
+          <p:nvPr/>
+        </p:nvSpPr>
+        <p:spPr>
+          <a:xfrm>
+            <a:off x="744279" y="542260"/>
+            <a:ext cx="6007395" cy="5454503"/>
+          </a:xfrm>
+          <a:prstGeom prst="rect">
+            <a:avLst/>
+          </a:prstGeom>
+          <a:noFill/>
+          <a:ln w="57150"/>
+        </p:spPr>
+        <p:style>
+          <a:lnRef idx="2">
+            <a:schemeClr val="accent1">
+              <a:shade val="50000"/>
+            </a:schemeClr>
+          </a:lnRef>
+          <a:fillRef idx="1">
+            <a:schemeClr val="accent1"/>
+          </a:fillRef>
+          <a:effectRef idx="0">
+            <a:schemeClr val="accent1"/>
+          </a:effectRef>
+          <a:fontRef idx="minor">
+            <a:schemeClr val="lt1"/>
+          </a:fontRef>
+        </p:style>
+        <p:txBody>
+          <a:bodyPr rtlCol="0" anchor="ctr"/>
+          <a:lstStyle/>
+          <a:p>
+            <a:pPr algn="ctr"/>
+            <a:endParaRPr lang="en-US"/>
+          </a:p>
+        </p:txBody>
+      </p:sp>
+      <p:sp>
+        <p:nvSpPr>
+          <p:cNvPr id="17" name="Freeform 16">
+            <a:extLst>
+              <a:ext uri="{FF2B5EF4-FFF2-40B4-BE49-F238E27FC236}">
+                <a16:creationId xmlns:a16="http://schemas.microsoft.com/office/drawing/2014/main" id="{04EE87BB-ECE1-7A43-8945-E7B637AAA4E0}"/>
+              </a:ext>
+            </a:extLst>
+          </p:cNvPr>
+          <p:cNvSpPr/>
+          <p:nvPr/>
+        </p:nvSpPr>
+        <p:spPr>
+          <a:xfrm>
+            <a:off x="2094614" y="3179135"/>
+            <a:ext cx="1520456" cy="821064"/>
+          </a:xfrm>
+          <a:custGeom>
+            <a:avLst/>
+            <a:gdLst>
+              <a:gd name="connsiteX0" fmla="*/ 0 w 1520456"/>
+              <a:gd name="connsiteY0" fmla="*/ 0 h 821064"/>
+              <a:gd name="connsiteX1" fmla="*/ 627321 w 1520456"/>
+              <a:gd name="connsiteY1" fmla="*/ 531628 h 821064"/>
+              <a:gd name="connsiteX2" fmla="*/ 786809 w 1520456"/>
+              <a:gd name="connsiteY2" fmla="*/ 318977 h 821064"/>
+              <a:gd name="connsiteX3" fmla="*/ 489098 w 1520456"/>
+              <a:gd name="connsiteY3" fmla="*/ 297712 h 821064"/>
+              <a:gd name="connsiteX4" fmla="*/ 691116 w 1520456"/>
+              <a:gd name="connsiteY4" fmla="*/ 818707 h 821064"/>
+              <a:gd name="connsiteX5" fmla="*/ 1382233 w 1520456"/>
+              <a:gd name="connsiteY5" fmla="*/ 489098 h 821064"/>
+              <a:gd name="connsiteX6" fmla="*/ 1520456 w 1520456"/>
+              <a:gd name="connsiteY6" fmla="*/ 457200 h 821064"/>
+            </a:gdLst>
+            <a:ahLst/>
+            <a:cxnLst>
+              <a:cxn ang="0">
+                <a:pos x="connsiteX0" y="connsiteY0"/>
+              </a:cxn>
+              <a:cxn ang="0">
+                <a:pos x="connsiteX1" y="connsiteY1"/>
+              </a:cxn>
+              <a:cxn ang="0">
+                <a:pos x="connsiteX2" y="connsiteY2"/>
+              </a:cxn>
+              <a:cxn ang="0">
+                <a:pos x="connsiteX3" y="connsiteY3"/>
+              </a:cxn>
+              <a:cxn ang="0">
+                <a:pos x="connsiteX4" y="connsiteY4"/>
+              </a:cxn>
+              <a:cxn ang="0">
+                <a:pos x="connsiteX5" y="connsiteY5"/>
+              </a:cxn>
+              <a:cxn ang="0">
+                <a:pos x="connsiteX6" y="connsiteY6"/>
+              </a:cxn>
+            </a:cxnLst>
+            <a:rect l="l" t="t" r="r" b="b"/>
+            <a:pathLst>
+              <a:path w="1520456" h="821064">
+                <a:moveTo>
+                  <a:pt x="0" y="0"/>
+                </a:moveTo>
+                <a:cubicBezTo>
+                  <a:pt x="248093" y="239232"/>
+                  <a:pt x="496186" y="478465"/>
+                  <a:pt x="627321" y="531628"/>
+                </a:cubicBezTo>
+                <a:cubicBezTo>
+                  <a:pt x="758456" y="584791"/>
+                  <a:pt x="809846" y="357963"/>
+                  <a:pt x="786809" y="318977"/>
+                </a:cubicBezTo>
+                <a:cubicBezTo>
+                  <a:pt x="763772" y="279991"/>
+                  <a:pt x="505047" y="214424"/>
+                  <a:pt x="489098" y="297712"/>
+                </a:cubicBezTo>
+                <a:cubicBezTo>
+                  <a:pt x="473149" y="381000"/>
+                  <a:pt x="542260" y="786809"/>
+                  <a:pt x="691116" y="818707"/>
+                </a:cubicBezTo>
+                <a:cubicBezTo>
+                  <a:pt x="839972" y="850605"/>
+                  <a:pt x="1244010" y="549349"/>
+                  <a:pt x="1382233" y="489098"/>
+                </a:cubicBezTo>
+                <a:cubicBezTo>
+                  <a:pt x="1520456" y="428847"/>
+                  <a:pt x="1520456" y="443023"/>
+                  <a:pt x="1520456" y="457200"/>
+                </a:cubicBezTo>
+              </a:path>
+            </a:pathLst>
+          </a:custGeom>
+          <a:noFill/>
+          <a:ln>
+            <a:tailEnd type="stealth" w="lg" len="lg"/>
+          </a:ln>
+        </p:spPr>
+        <p:style>
+          <a:lnRef idx="2">
+            <a:schemeClr val="accent1">
+              <a:shade val="50000"/>
+            </a:schemeClr>
+          </a:lnRef>
+          <a:fillRef idx="1">
+            <a:schemeClr val="accent1"/>
+          </a:fillRef>
+          <a:effectRef idx="0">
+            <a:schemeClr val="accent1"/>
+          </a:effectRef>
+          <a:fontRef idx="minor">
+            <a:schemeClr val="lt1"/>
+          </a:fontRef>
+        </p:style>
+        <p:txBody>
+          <a:bodyPr rtlCol="0" anchor="ctr"/>
+          <a:lstStyle/>
+          <a:p>
+            <a:pPr algn="ctr"/>
+            <a:endParaRPr lang="en-US" dirty="0"/>
+          </a:p>
+        </p:txBody>
+      </p:sp>
+    </p:spTree>
+    <p:extLst>
+      <p:ext uri="{BB962C8B-B14F-4D97-AF65-F5344CB8AC3E}">
+        <p14:creationId xmlns:p14="http://schemas.microsoft.com/office/powerpoint/2010/main" val="124011395"/>
+      </p:ext>
+    </p:extLst>
+  </p:cSld>
+  <p:clrMapOvr>
+    <a:masterClrMapping/>
+  </p:clrMapOvr>
+</p:sld>
+</file>
+
 <file path=ppt/theme/theme1.xml><?xml version="1.0" encoding="utf-8"?>
 <a:theme xmlns:a="http://schemas.openxmlformats.org/drawingml/2006/main" name="Office Theme">
   <a:themeElements>
@@ -9329,4 +10412,299 @@
     </a:ext>
   </a:extLst>
 </a:theme>
+</file>
+
+<file path=ppt/theme/theme2.xml><?xml version="1.0" encoding="utf-8"?>
+<a:theme xmlns:a="http://schemas.openxmlformats.org/drawingml/2006/main" name="Office Theme">
+  <a:themeElements>
+    <a:clrScheme name="Office">
+      <a:dk1>
+        <a:sysClr val="windowText" lastClr="000000"/>
+      </a:dk1>
+      <a:lt1>
+        <a:sysClr val="window" lastClr="FFFFFF"/>
+      </a:lt1>
+      <a:dk2>
+        <a:srgbClr val="44546A"/>
+      </a:dk2>
+      <a:lt2>
+        <a:srgbClr val="E7E6E6"/>
+      </a:lt2>
+      <a:accent1>
+        <a:srgbClr val="4472C4"/>
+      </a:accent1>
+      <a:accent2>
+        <a:srgbClr val="ED7D31"/>
+      </a:accent2>
+      <a:accent3>
+        <a:srgbClr val="A5A5A5"/>
+      </a:accent3>
+      <a:accent4>
+        <a:srgbClr val="FFC000"/>
+      </a:accent4>
+      <a:accent5>
+        <a:srgbClr val="5B9BD5"/>
+      </a:accent5>
+      <a:accent6>
+        <a:srgbClr val="70AD47"/>
+      </a:accent6>
+      <a:hlink>
+        <a:srgbClr val="0563C1"/>
+      </a:hlink>
+      <a:folHlink>
+        <a:srgbClr val="954F72"/>
+      </a:folHlink>
+    </a:clrScheme>
+    <a:fontScheme name="Office">
+      <a:majorFont>
+        <a:latin typeface="Calibri Light" panose="020F0302020204030204"/>
+        <a:ea typeface=""/>
+        <a:cs typeface=""/>
+        <a:font script="Jpan" typeface="游ゴシック Light"/>
+        <a:font script="Hang" typeface="맑은 고딕"/>
+        <a:font script="Hans" typeface="等线 Light"/>
+        <a:font script="Hant" typeface="新細明體"/>
+        <a:font script="Arab" typeface="Times New Roman"/>
+        <a:font script="Hebr" typeface="Times New Roman"/>
+        <a:font script="Thai" typeface="Angsana New"/>
+        <a:font script="Ethi" typeface="Nyala"/>
+        <a:font script="Beng" typeface="Vrinda"/>
+        <a:font script="Gujr" typeface="Shruti"/>
+        <a:font script="Khmr" typeface="MoolBoran"/>
+        <a:font script="Knda" typeface="Tunga"/>
+        <a:font script="Guru" typeface="Raavi"/>
+        <a:font script="Cans" typeface="Euphemia"/>
+        <a:font script="Cher" typeface="Plantagenet Cherokee"/>
+        <a:font script="Yiii" typeface="Microsoft Yi Baiti"/>
+        <a:font script="Tibt" typeface="Microsoft Himalaya"/>
+        <a:font script="Thaa" typeface="MV Boli"/>
+        <a:font script="Deva" typeface="Mangal"/>
+        <a:font script="Telu" typeface="Gautami"/>
+        <a:font script="Taml" typeface="Latha"/>
+        <a:font script="Syrc" typeface="Estrangelo Edessa"/>
+        <a:font script="Orya" typeface="Kalinga"/>
+        <a:font script="Mlym" typeface="Kartika"/>
+        <a:font script="Laoo" typeface="DokChampa"/>
+        <a:font script="Sinh" typeface="Iskoola Pota"/>
+        <a:font script="Mong" typeface="Mongolian Baiti"/>
+        <a:font script="Viet" typeface="Times New Roman"/>
+        <a:font script="Uigh" typeface="Microsoft Uighur"/>
+        <a:font script="Geor" typeface="Sylfaen"/>
+        <a:font script="Armn" typeface="Arial"/>
+        <a:font script="Bugi" typeface="Leelawadee UI"/>
+        <a:font script="Bopo" typeface="Microsoft JhengHei"/>
+        <a:font script="Java" typeface="Javanese Text"/>
+        <a:font script="Lisu" typeface="Segoe UI"/>
+        <a:font script="Mymr" typeface="Myanmar Text"/>
+        <a:font script="Nkoo" typeface="Ebrima"/>
+        <a:font script="Olck" typeface="Nirmala UI"/>
+        <a:font script="Osma" typeface="Ebrima"/>
+        <a:font script="Phag" typeface="Phagspa"/>
+        <a:font script="Syrn" typeface="Estrangelo Edessa"/>
+        <a:font script="Syrj" typeface="Estrangelo Edessa"/>
+        <a:font script="Syre" typeface="Estrangelo Edessa"/>
+        <a:font script="Sora" typeface="Nirmala UI"/>
+        <a:font script="Tale" typeface="Microsoft Tai Le"/>
+        <a:font script="Talu" typeface="Microsoft New Tai Lue"/>
+        <a:font script="Tfng" typeface="Ebrima"/>
+      </a:majorFont>
+      <a:minorFont>
+        <a:latin typeface="Calibri" panose="020F0502020204030204"/>
+        <a:ea typeface=""/>
+        <a:cs typeface=""/>
+        <a:font script="Jpan" typeface="游ゴシック"/>
+        <a:font script="Hang" typeface="맑은 고딕"/>
+        <a:font script="Hans" typeface="等线"/>
+        <a:font script="Hant" typeface="新細明體"/>
+        <a:font script="Arab" typeface="Arial"/>
+        <a:font script="Hebr" typeface="Arial"/>
+        <a:font script="Thai" typeface="Cordia New"/>
+        <a:font script="Ethi" typeface="Nyala"/>
+        <a:font script="Beng" typeface="Vrinda"/>
+        <a:font script="Gujr" typeface="Shruti"/>
+        <a:font script="Khmr" typeface="DaunPenh"/>
+        <a:font script="Knda" typeface="Tunga"/>
+        <a:font script="Guru" typeface="Raavi"/>
+        <a:font script="Cans" typeface="Euphemia"/>
+        <a:font script="Cher" typeface="Plantagenet Cherokee"/>
+        <a:font script="Yiii" typeface="Microsoft Yi Baiti"/>
+        <a:font script="Tibt" typeface="Microsoft Himalaya"/>
+        <a:font script="Thaa" typeface="MV Boli"/>
+        <a:font script="Deva" typeface="Mangal"/>
+        <a:font script="Telu" typeface="Gautami"/>
+        <a:font script="Taml" typeface="Latha"/>
+        <a:font script="Syrc" typeface="Estrangelo Edessa"/>
+        <a:font script="Orya" typeface="Kalinga"/>
+        <a:font script="Mlym" typeface="Kartika"/>
+        <a:font script="Laoo" typeface="DokChampa"/>
+        <a:font script="Sinh" typeface="Iskoola Pota"/>
+        <a:font script="Mong" typeface="Mongolian Baiti"/>
+        <a:font script="Viet" typeface="Arial"/>
+        <a:font script="Uigh" typeface="Microsoft Uighur"/>
+        <a:font script="Geor" typeface="Sylfaen"/>
+        <a:font script="Armn" typeface="Arial"/>
+        <a:font script="Bugi" typeface="Leelawadee UI"/>
+        <a:font script="Bopo" typeface="Microsoft JhengHei"/>
+        <a:font script="Java" typeface="Javanese Text"/>
+        <a:font script="Lisu" typeface="Segoe UI"/>
+        <a:font script="Mymr" typeface="Myanmar Text"/>
+        <a:font script="Nkoo" typeface="Ebrima"/>
+        <a:font script="Olck" typeface="Nirmala UI"/>
+        <a:font script="Osma" typeface="Ebrima"/>
+        <a:font script="Phag" typeface="Phagspa"/>
+        <a:font script="Syrn" typeface="Estrangelo Edessa"/>
+        <a:font script="Syrj" typeface="Estrangelo Edessa"/>
+        <a:font script="Syre" typeface="Estrangelo Edessa"/>
+        <a:font script="Sora" typeface="Nirmala UI"/>
+        <a:font script="Tale" typeface="Microsoft Tai Le"/>
+        <a:font script="Talu" typeface="Microsoft New Tai Lue"/>
+        <a:font script="Tfng" typeface="Ebrima"/>
+      </a:minorFont>
+    </a:fontScheme>
+    <a:fmtScheme name="Office">
+      <a:fillStyleLst>
+        <a:solidFill>
+          <a:schemeClr val="phClr"/>
+        </a:solidFill>
+        <a:gradFill rotWithShape="1">
+          <a:gsLst>
+            <a:gs pos="0">
+              <a:schemeClr val="phClr">
+                <a:lumMod val="110000"/>
+                <a:satMod val="105000"/>
+                <a:tint val="67000"/>
+              </a:schemeClr>
+            </a:gs>
+            <a:gs pos="50000">
+              <a:schemeClr val="phClr">
+                <a:lumMod val="105000"/>
+                <a:satMod val="103000"/>
+                <a:tint val="73000"/>
+              </a:schemeClr>
+            </a:gs>
+            <a:gs pos="100000">
+              <a:schemeClr val="phClr">
+                <a:lumMod val="105000"/>
+                <a:satMod val="109000"/>
+                <a:tint val="81000"/>
+              </a:schemeClr>
+            </a:gs>
+          </a:gsLst>
+          <a:lin ang="5400000" scaled="0"/>
+        </a:gradFill>
+        <a:gradFill rotWithShape="1">
+          <a:gsLst>
+            <a:gs pos="0">
+              <a:schemeClr val="phClr">
+                <a:satMod val="103000"/>
+                <a:lumMod val="102000"/>
+                <a:tint val="94000"/>
+              </a:schemeClr>
+            </a:gs>
+            <a:gs pos="50000">
+              <a:schemeClr val="phClr">
+                <a:satMod val="110000"/>
+                <a:lumMod val="100000"/>
+                <a:shade val="100000"/>
+              </a:schemeClr>
+            </a:gs>
+            <a:gs pos="100000">
+              <a:schemeClr val="phClr">
+                <a:lumMod val="99000"/>
+                <a:satMod val="120000"/>
+                <a:shade val="78000"/>
+              </a:schemeClr>
+            </a:gs>
+          </a:gsLst>
+          <a:lin ang="5400000" scaled="0"/>
+        </a:gradFill>
+      </a:fillStyleLst>
+      <a:lnStyleLst>
+        <a:ln w="6350" cap="flat" cmpd="sng" algn="ctr">
+          <a:solidFill>
+            <a:schemeClr val="phClr"/>
+          </a:solidFill>
+          <a:prstDash val="solid"/>
+          <a:miter lim="800000"/>
+        </a:ln>
+        <a:ln w="12700" cap="flat" cmpd="sng" algn="ctr">
+          <a:solidFill>
+            <a:schemeClr val="phClr"/>
+          </a:solidFill>
+          <a:prstDash val="solid"/>
+          <a:miter lim="800000"/>
+        </a:ln>
+        <a:ln w="19050" cap="flat" cmpd="sng" algn="ctr">
+          <a:solidFill>
+            <a:schemeClr val="phClr"/>
+          </a:solidFill>
+          <a:prstDash val="solid"/>
+          <a:miter lim="800000"/>
+        </a:ln>
+      </a:lnStyleLst>
+      <a:effectStyleLst>
+        <a:effectStyle>
+          <a:effectLst/>
+        </a:effectStyle>
+        <a:effectStyle>
+          <a:effectLst/>
+        </a:effectStyle>
+        <a:effectStyle>
+          <a:effectLst>
+            <a:outerShdw blurRad="57150" dist="19050" dir="5400000" algn="ctr" rotWithShape="0">
+              <a:srgbClr val="000000">
+                <a:alpha val="63000"/>
+              </a:srgbClr>
+            </a:outerShdw>
+          </a:effectLst>
+        </a:effectStyle>
+      </a:effectStyleLst>
+      <a:bgFillStyleLst>
+        <a:solidFill>
+          <a:schemeClr val="phClr"/>
+        </a:solidFill>
+        <a:solidFill>
+          <a:schemeClr val="phClr">
+            <a:tint val="95000"/>
+            <a:satMod val="170000"/>
+          </a:schemeClr>
+        </a:solidFill>
+        <a:gradFill rotWithShape="1">
+          <a:gsLst>
+            <a:gs pos="0">
+              <a:schemeClr val="phClr">
+                <a:tint val="93000"/>
+                <a:satMod val="150000"/>
+                <a:shade val="98000"/>
+                <a:lumMod val="102000"/>
+              </a:schemeClr>
+            </a:gs>
+            <a:gs pos="50000">
+              <a:schemeClr val="phClr">
+                <a:tint val="98000"/>
+                <a:satMod val="130000"/>
+                <a:shade val="90000"/>
+                <a:lumMod val="103000"/>
+              </a:schemeClr>
+            </a:gs>
+            <a:gs pos="100000">
+              <a:schemeClr val="phClr">
+                <a:shade val="63000"/>
+                <a:satMod val="120000"/>
+              </a:schemeClr>
+            </a:gs>
+          </a:gsLst>
+          <a:lin ang="5400000" scaled="0"/>
+        </a:gradFill>
+      </a:bgFillStyleLst>
+    </a:fmtScheme>
+  </a:themeElements>
+  <a:objectDefaults/>
+  <a:extraClrSchemeLst/>
+  <a:extLst>
+    <a:ext uri="{05A4C25C-085E-4340-85A3-A5531E510DB2}">
+      <thm15:themeFamily xmlns:thm15="http://schemas.microsoft.com/office/thememl/2012/main" name="Office Theme" id="{62F939B6-93AF-4DB8-9C6B-D6C7DFDC589F}" vid="{4A3C46E8-61CC-4603-A589-7422A47A8E4A}"/>
+    </a:ext>
+  </a:extLst>
+</a:theme>
 </file>
--- a/book/figures.pptx
+++ b/book/figures.pptx
@@ -5,14 +5,15 @@
     <p:sldMasterId id="2147483648" r:id="rId1"/>
   </p:sldMasterIdLst>
   <p:notesMasterIdLst>
-    <p:notesMasterId r:id="rId7"/>
+    <p:notesMasterId r:id="rId8"/>
   </p:notesMasterIdLst>
   <p:sldIdLst>
     <p:sldId id="263" r:id="rId2"/>
     <p:sldId id="261" r:id="rId3"/>
     <p:sldId id="264" r:id="rId4"/>
-    <p:sldId id="265" r:id="rId5"/>
-    <p:sldId id="266" r:id="rId6"/>
+    <p:sldId id="267" r:id="rId5"/>
+    <p:sldId id="265" r:id="rId6"/>
+    <p:sldId id="266" r:id="rId7"/>
   </p:sldIdLst>
   <p:sldSz cx="12192000" cy="6858000"/>
   <p:notesSz cx="6858000" cy="9144000"/>
@@ -533,7 +534,7 @@
           <a:p>
             <a:fld id="{3BA14B7A-5E2A-A34B-A342-251CCED59A3A}" type="slidenum">
               <a:rPr lang="en-US" smtClean="0"/>
-              <a:t>5</a:t>
+              <a:t>6</a:t>
             </a:fld>
             <a:endParaRPr lang="en-US"/>
           </a:p>
@@ -7540,6 +7541,1866 @@
       </p:grpSpPr>
       <p:sp>
         <p:nvSpPr>
+          <p:cNvPr id="21" name="Oval 20">
+            <a:extLst>
+              <a:ext uri="{FF2B5EF4-FFF2-40B4-BE49-F238E27FC236}">
+                <a16:creationId xmlns:a16="http://schemas.microsoft.com/office/drawing/2014/main" id="{F5429BEC-6F3D-0940-9B82-D7B8E11B822F}"/>
+              </a:ext>
+            </a:extLst>
+          </p:cNvPr>
+          <p:cNvSpPr/>
+          <p:nvPr/>
+        </p:nvSpPr>
+        <p:spPr>
+          <a:xfrm>
+            <a:off x="10846519" y="2992594"/>
+            <a:ext cx="975534" cy="501266"/>
+          </a:xfrm>
+          <a:prstGeom prst="ellipse">
+            <a:avLst/>
+          </a:prstGeom>
+          <a:noFill/>
+        </p:spPr>
+        <p:style>
+          <a:lnRef idx="2">
+            <a:schemeClr val="accent1">
+              <a:shade val="50000"/>
+            </a:schemeClr>
+          </a:lnRef>
+          <a:fillRef idx="1">
+            <a:schemeClr val="accent1"/>
+          </a:fillRef>
+          <a:effectRef idx="0">
+            <a:schemeClr val="accent1"/>
+          </a:effectRef>
+          <a:fontRef idx="minor">
+            <a:schemeClr val="lt1"/>
+          </a:fontRef>
+        </p:style>
+        <p:txBody>
+          <a:bodyPr rtlCol="0" anchor="ctr"/>
+          <a:lstStyle/>
+          <a:p>
+            <a:pPr algn="ctr"/>
+            <a:r>
+              <a:rPr lang="en-US" dirty="0">
+                <a:solidFill>
+                  <a:srgbClr val="FF0000"/>
+                </a:solidFill>
+              </a:rPr>
+              <a:t>0 0 0</a:t>
+            </a:r>
+          </a:p>
+        </p:txBody>
+      </p:sp>
+      <p:cxnSp>
+        <p:nvCxnSpPr>
+          <p:cNvPr id="22" name="Straight Arrow Connector 21">
+            <a:extLst>
+              <a:ext uri="{FF2B5EF4-FFF2-40B4-BE49-F238E27FC236}">
+                <a16:creationId xmlns:a16="http://schemas.microsoft.com/office/drawing/2014/main" id="{4FC391D2-4E44-8948-93A3-C300D03094BA}"/>
+              </a:ext>
+            </a:extLst>
+          </p:cNvPr>
+          <p:cNvCxnSpPr>
+            <a:cxnSpLocks/>
+            <a:stCxn id="21" idx="2"/>
+          </p:cNvCxnSpPr>
+          <p:nvPr/>
+        </p:nvCxnSpPr>
+        <p:spPr>
+          <a:xfrm flipH="1">
+            <a:off x="10150439" y="3243227"/>
+            <a:ext cx="696080" cy="0"/>
+          </a:xfrm>
+          <a:prstGeom prst="straightConnector1">
+            <a:avLst/>
+          </a:prstGeom>
+          <a:ln>
+            <a:tailEnd type="triangle"/>
+          </a:ln>
+        </p:spPr>
+        <p:style>
+          <a:lnRef idx="1">
+            <a:schemeClr val="accent1"/>
+          </a:lnRef>
+          <a:fillRef idx="0">
+            <a:schemeClr val="accent1"/>
+          </a:fillRef>
+          <a:effectRef idx="0">
+            <a:schemeClr val="accent1"/>
+          </a:effectRef>
+          <a:fontRef idx="minor">
+            <a:schemeClr val="tx1"/>
+          </a:fontRef>
+        </p:style>
+      </p:cxnSp>
+      <p:sp>
+        <p:nvSpPr>
+          <p:cNvPr id="27" name="Oval 26">
+            <a:extLst>
+              <a:ext uri="{FF2B5EF4-FFF2-40B4-BE49-F238E27FC236}">
+                <a16:creationId xmlns:a16="http://schemas.microsoft.com/office/drawing/2014/main" id="{DE5E1A70-442A-C54A-9B5B-BDA1810710FA}"/>
+              </a:ext>
+            </a:extLst>
+          </p:cNvPr>
+          <p:cNvSpPr/>
+          <p:nvPr/>
+        </p:nvSpPr>
+        <p:spPr>
+          <a:xfrm>
+            <a:off x="9198471" y="2992594"/>
+            <a:ext cx="975534" cy="501266"/>
+          </a:xfrm>
+          <a:prstGeom prst="ellipse">
+            <a:avLst/>
+          </a:prstGeom>
+          <a:noFill/>
+        </p:spPr>
+        <p:style>
+          <a:lnRef idx="2">
+            <a:schemeClr val="accent1">
+              <a:shade val="50000"/>
+            </a:schemeClr>
+          </a:lnRef>
+          <a:fillRef idx="1">
+            <a:schemeClr val="accent1"/>
+          </a:fillRef>
+          <a:effectRef idx="0">
+            <a:schemeClr val="accent1"/>
+          </a:effectRef>
+          <a:fontRef idx="minor">
+            <a:schemeClr val="lt1"/>
+          </a:fontRef>
+        </p:style>
+        <p:txBody>
+          <a:bodyPr rtlCol="0" anchor="ctr"/>
+          <a:lstStyle/>
+          <a:p>
+            <a:pPr algn="ctr"/>
+            <a:r>
+              <a:rPr lang="en-US" dirty="0">
+                <a:solidFill>
+                  <a:srgbClr val="FF0000"/>
+                </a:solidFill>
+              </a:rPr>
+              <a:t>0 1 0</a:t>
+            </a:r>
+          </a:p>
+        </p:txBody>
+      </p:sp>
+      <p:cxnSp>
+        <p:nvCxnSpPr>
+          <p:cNvPr id="29" name="Straight Arrow Connector 28">
+            <a:extLst>
+              <a:ext uri="{FF2B5EF4-FFF2-40B4-BE49-F238E27FC236}">
+                <a16:creationId xmlns:a16="http://schemas.microsoft.com/office/drawing/2014/main" id="{8BC423C0-1B5C-3D40-A073-04D89D8668E1}"/>
+              </a:ext>
+            </a:extLst>
+          </p:cNvPr>
+          <p:cNvCxnSpPr>
+            <a:cxnSpLocks/>
+            <a:stCxn id="27" idx="1"/>
+            <a:endCxn id="51" idx="5"/>
+          </p:cNvCxnSpPr>
+          <p:nvPr/>
+        </p:nvCxnSpPr>
+        <p:spPr>
+          <a:xfrm flipH="1" flipV="1">
+            <a:off x="8383091" y="2389094"/>
+            <a:ext cx="958244" cy="676909"/>
+          </a:xfrm>
+          <a:prstGeom prst="straightConnector1">
+            <a:avLst/>
+          </a:prstGeom>
+          <a:ln>
+            <a:tailEnd type="triangle"/>
+          </a:ln>
+        </p:spPr>
+        <p:style>
+          <a:lnRef idx="1">
+            <a:schemeClr val="accent1"/>
+          </a:lnRef>
+          <a:fillRef idx="0">
+            <a:schemeClr val="accent1"/>
+          </a:fillRef>
+          <a:effectRef idx="0">
+            <a:schemeClr val="accent1"/>
+          </a:effectRef>
+          <a:fontRef idx="minor">
+            <a:schemeClr val="tx1"/>
+          </a:fontRef>
+        </p:style>
+      </p:cxnSp>
+      <p:sp>
+        <p:nvSpPr>
+          <p:cNvPr id="31" name="Oval 30">
+            <a:extLst>
+              <a:ext uri="{FF2B5EF4-FFF2-40B4-BE49-F238E27FC236}">
+                <a16:creationId xmlns:a16="http://schemas.microsoft.com/office/drawing/2014/main" id="{E71D2CD3-9F2B-D746-9795-C23466F135D6}"/>
+              </a:ext>
+            </a:extLst>
+          </p:cNvPr>
+          <p:cNvSpPr/>
+          <p:nvPr/>
+        </p:nvSpPr>
+        <p:spPr>
+          <a:xfrm>
+            <a:off x="9198471" y="1961237"/>
+            <a:ext cx="975534" cy="501266"/>
+          </a:xfrm>
+          <a:prstGeom prst="ellipse">
+            <a:avLst/>
+          </a:prstGeom>
+          <a:noFill/>
+        </p:spPr>
+        <p:style>
+          <a:lnRef idx="2">
+            <a:schemeClr val="accent1">
+              <a:shade val="50000"/>
+            </a:schemeClr>
+          </a:lnRef>
+          <a:fillRef idx="1">
+            <a:schemeClr val="accent1"/>
+          </a:fillRef>
+          <a:effectRef idx="0">
+            <a:schemeClr val="accent1"/>
+          </a:effectRef>
+          <a:fontRef idx="minor">
+            <a:schemeClr val="lt1"/>
+          </a:fontRef>
+        </p:style>
+        <p:txBody>
+          <a:bodyPr rtlCol="0" anchor="ctr"/>
+          <a:lstStyle/>
+          <a:p>
+            <a:pPr algn="ctr"/>
+            <a:r>
+              <a:rPr lang="en-US" dirty="0">
+                <a:solidFill>
+                  <a:srgbClr val="FF0000"/>
+                </a:solidFill>
+              </a:rPr>
+              <a:t>1 0 0</a:t>
+            </a:r>
+          </a:p>
+        </p:txBody>
+      </p:sp>
+      <p:cxnSp>
+        <p:nvCxnSpPr>
+          <p:cNvPr id="33" name="Straight Arrow Connector 32">
+            <a:extLst>
+              <a:ext uri="{FF2B5EF4-FFF2-40B4-BE49-F238E27FC236}">
+                <a16:creationId xmlns:a16="http://schemas.microsoft.com/office/drawing/2014/main" id="{AF6D4356-4E1C-E340-859A-EB35CCE9A945}"/>
+              </a:ext>
+            </a:extLst>
+          </p:cNvPr>
+          <p:cNvCxnSpPr>
+            <a:cxnSpLocks/>
+            <a:stCxn id="31" idx="2"/>
+          </p:cNvCxnSpPr>
+          <p:nvPr/>
+        </p:nvCxnSpPr>
+        <p:spPr>
+          <a:xfrm flipH="1">
+            <a:off x="8502391" y="2211870"/>
+            <a:ext cx="696080" cy="0"/>
+          </a:xfrm>
+          <a:prstGeom prst="straightConnector1">
+            <a:avLst/>
+          </a:prstGeom>
+          <a:ln>
+            <a:tailEnd type="triangle"/>
+          </a:ln>
+        </p:spPr>
+        <p:style>
+          <a:lnRef idx="1">
+            <a:schemeClr val="accent1"/>
+          </a:lnRef>
+          <a:fillRef idx="0">
+            <a:schemeClr val="accent1"/>
+          </a:fillRef>
+          <a:effectRef idx="0">
+            <a:schemeClr val="accent1"/>
+          </a:effectRef>
+          <a:fontRef idx="minor">
+            <a:schemeClr val="tx1"/>
+          </a:fontRef>
+        </p:style>
+      </p:cxnSp>
+      <p:sp>
+        <p:nvSpPr>
+          <p:cNvPr id="37" name="Oval 36">
+            <a:extLst>
+              <a:ext uri="{FF2B5EF4-FFF2-40B4-BE49-F238E27FC236}">
+                <a16:creationId xmlns:a16="http://schemas.microsoft.com/office/drawing/2014/main" id="{134578A5-139E-B040-98E1-E51D8A24413F}"/>
+              </a:ext>
+            </a:extLst>
+          </p:cNvPr>
+          <p:cNvSpPr/>
+          <p:nvPr/>
+        </p:nvSpPr>
+        <p:spPr>
+          <a:xfrm>
+            <a:off x="9198471" y="4013319"/>
+            <a:ext cx="975534" cy="501266"/>
+          </a:xfrm>
+          <a:prstGeom prst="ellipse">
+            <a:avLst/>
+          </a:prstGeom>
+          <a:noFill/>
+        </p:spPr>
+        <p:style>
+          <a:lnRef idx="2">
+            <a:schemeClr val="accent1">
+              <a:shade val="50000"/>
+            </a:schemeClr>
+          </a:lnRef>
+          <a:fillRef idx="1">
+            <a:schemeClr val="accent1"/>
+          </a:fillRef>
+          <a:effectRef idx="0">
+            <a:schemeClr val="accent1"/>
+          </a:effectRef>
+          <a:fontRef idx="minor">
+            <a:schemeClr val="lt1"/>
+          </a:fontRef>
+        </p:style>
+        <p:txBody>
+          <a:bodyPr rtlCol="0" anchor="ctr"/>
+          <a:lstStyle/>
+          <a:p>
+            <a:pPr algn="ctr"/>
+            <a:r>
+              <a:rPr lang="en-US" dirty="0">
+                <a:solidFill>
+                  <a:srgbClr val="FF0000"/>
+                </a:solidFill>
+              </a:rPr>
+              <a:t>0 0 1</a:t>
+            </a:r>
+          </a:p>
+        </p:txBody>
+      </p:sp>
+      <p:cxnSp>
+        <p:nvCxnSpPr>
+          <p:cNvPr id="38" name="Straight Arrow Connector 37">
+            <a:extLst>
+              <a:ext uri="{FF2B5EF4-FFF2-40B4-BE49-F238E27FC236}">
+                <a16:creationId xmlns:a16="http://schemas.microsoft.com/office/drawing/2014/main" id="{8CA2F65A-8F4D-E641-B13C-1532ADD0C85A}"/>
+              </a:ext>
+            </a:extLst>
+          </p:cNvPr>
+          <p:cNvCxnSpPr>
+            <a:cxnSpLocks/>
+            <a:stCxn id="37" idx="2"/>
+          </p:cNvCxnSpPr>
+          <p:nvPr/>
+        </p:nvCxnSpPr>
+        <p:spPr>
+          <a:xfrm flipH="1">
+            <a:off x="8502391" y="4263952"/>
+            <a:ext cx="696080" cy="0"/>
+          </a:xfrm>
+          <a:prstGeom prst="straightConnector1">
+            <a:avLst/>
+          </a:prstGeom>
+          <a:ln>
+            <a:tailEnd type="triangle"/>
+          </a:ln>
+        </p:spPr>
+        <p:style>
+          <a:lnRef idx="1">
+            <a:schemeClr val="accent1"/>
+          </a:lnRef>
+          <a:fillRef idx="0">
+            <a:schemeClr val="accent1"/>
+          </a:fillRef>
+          <a:effectRef idx="0">
+            <a:schemeClr val="accent1"/>
+          </a:effectRef>
+          <a:fontRef idx="minor">
+            <a:schemeClr val="tx1"/>
+          </a:fontRef>
+        </p:style>
+      </p:cxnSp>
+      <p:cxnSp>
+        <p:nvCxnSpPr>
+          <p:cNvPr id="43" name="Straight Arrow Connector 42">
+            <a:extLst>
+              <a:ext uri="{FF2B5EF4-FFF2-40B4-BE49-F238E27FC236}">
+                <a16:creationId xmlns:a16="http://schemas.microsoft.com/office/drawing/2014/main" id="{608FBB7B-A2EE-D942-B427-014D10EDB9E6}"/>
+              </a:ext>
+            </a:extLst>
+          </p:cNvPr>
+          <p:cNvCxnSpPr>
+            <a:cxnSpLocks/>
+            <a:stCxn id="21" idx="3"/>
+            <a:endCxn id="37" idx="7"/>
+          </p:cNvCxnSpPr>
+          <p:nvPr/>
+        </p:nvCxnSpPr>
+        <p:spPr>
+          <a:xfrm flipH="1">
+            <a:off x="10031141" y="3420451"/>
+            <a:ext cx="958242" cy="666277"/>
+          </a:xfrm>
+          <a:prstGeom prst="straightConnector1">
+            <a:avLst/>
+          </a:prstGeom>
+          <a:ln>
+            <a:tailEnd type="triangle"/>
+          </a:ln>
+        </p:spPr>
+        <p:style>
+          <a:lnRef idx="1">
+            <a:schemeClr val="accent1"/>
+          </a:lnRef>
+          <a:fillRef idx="0">
+            <a:schemeClr val="accent1"/>
+          </a:fillRef>
+          <a:effectRef idx="0">
+            <a:schemeClr val="accent1"/>
+          </a:effectRef>
+          <a:fontRef idx="minor">
+            <a:schemeClr val="tx1"/>
+          </a:fontRef>
+        </p:style>
+      </p:cxnSp>
+      <p:cxnSp>
+        <p:nvCxnSpPr>
+          <p:cNvPr id="47" name="Straight Arrow Connector 46">
+            <a:extLst>
+              <a:ext uri="{FF2B5EF4-FFF2-40B4-BE49-F238E27FC236}">
+                <a16:creationId xmlns:a16="http://schemas.microsoft.com/office/drawing/2014/main" id="{02D8628D-2911-EA4D-99D0-58C306F7FCB6}"/>
+              </a:ext>
+            </a:extLst>
+          </p:cNvPr>
+          <p:cNvCxnSpPr>
+            <a:cxnSpLocks/>
+            <a:stCxn id="21" idx="1"/>
+            <a:endCxn id="31" idx="5"/>
+          </p:cNvCxnSpPr>
+          <p:nvPr/>
+        </p:nvCxnSpPr>
+        <p:spPr>
+          <a:xfrm flipH="1" flipV="1">
+            <a:off x="10031141" y="2389094"/>
+            <a:ext cx="958242" cy="676909"/>
+          </a:xfrm>
+          <a:prstGeom prst="straightConnector1">
+            <a:avLst/>
+          </a:prstGeom>
+          <a:ln>
+            <a:tailEnd type="triangle"/>
+          </a:ln>
+        </p:spPr>
+        <p:style>
+          <a:lnRef idx="1">
+            <a:schemeClr val="accent1"/>
+          </a:lnRef>
+          <a:fillRef idx="0">
+            <a:schemeClr val="accent1"/>
+          </a:fillRef>
+          <a:effectRef idx="0">
+            <a:schemeClr val="accent1"/>
+          </a:effectRef>
+          <a:fontRef idx="minor">
+            <a:schemeClr val="tx1"/>
+          </a:fontRef>
+        </p:style>
+      </p:cxnSp>
+      <p:sp>
+        <p:nvSpPr>
+          <p:cNvPr id="48" name="Oval 47">
+            <a:extLst>
+              <a:ext uri="{FF2B5EF4-FFF2-40B4-BE49-F238E27FC236}">
+                <a16:creationId xmlns:a16="http://schemas.microsoft.com/office/drawing/2014/main" id="{9A8E4881-2BF7-9B44-A54B-98976FFE13DD}"/>
+              </a:ext>
+            </a:extLst>
+          </p:cNvPr>
+          <p:cNvSpPr/>
+          <p:nvPr/>
+        </p:nvSpPr>
+        <p:spPr>
+          <a:xfrm>
+            <a:off x="7550421" y="2992594"/>
+            <a:ext cx="975534" cy="501266"/>
+          </a:xfrm>
+          <a:prstGeom prst="ellipse">
+            <a:avLst/>
+          </a:prstGeom>
+          <a:noFill/>
+        </p:spPr>
+        <p:style>
+          <a:lnRef idx="2">
+            <a:schemeClr val="accent1">
+              <a:shade val="50000"/>
+            </a:schemeClr>
+          </a:lnRef>
+          <a:fillRef idx="1">
+            <a:schemeClr val="accent1"/>
+          </a:fillRef>
+          <a:effectRef idx="0">
+            <a:schemeClr val="accent1"/>
+          </a:effectRef>
+          <a:fontRef idx="minor">
+            <a:schemeClr val="lt1"/>
+          </a:fontRef>
+        </p:style>
+        <p:txBody>
+          <a:bodyPr rtlCol="0" anchor="ctr"/>
+          <a:lstStyle/>
+          <a:p>
+            <a:pPr algn="ctr"/>
+            <a:r>
+              <a:rPr lang="en-US" dirty="0">
+                <a:solidFill>
+                  <a:srgbClr val="FF0000"/>
+                </a:solidFill>
+              </a:rPr>
+              <a:t>1 0 1</a:t>
+            </a:r>
+          </a:p>
+        </p:txBody>
+      </p:sp>
+      <p:cxnSp>
+        <p:nvCxnSpPr>
+          <p:cNvPr id="49" name="Straight Arrow Connector 48">
+            <a:extLst>
+              <a:ext uri="{FF2B5EF4-FFF2-40B4-BE49-F238E27FC236}">
+                <a16:creationId xmlns:a16="http://schemas.microsoft.com/office/drawing/2014/main" id="{9CB19279-662D-D442-A960-9A9D39A8C163}"/>
+              </a:ext>
+            </a:extLst>
+          </p:cNvPr>
+          <p:cNvCxnSpPr>
+            <a:cxnSpLocks/>
+            <a:stCxn id="48" idx="2"/>
+          </p:cNvCxnSpPr>
+          <p:nvPr/>
+        </p:nvCxnSpPr>
+        <p:spPr>
+          <a:xfrm flipH="1">
+            <a:off x="6854341" y="3243227"/>
+            <a:ext cx="696080" cy="0"/>
+          </a:xfrm>
+          <a:prstGeom prst="straightConnector1">
+            <a:avLst/>
+          </a:prstGeom>
+          <a:ln>
+            <a:tailEnd type="triangle"/>
+          </a:ln>
+        </p:spPr>
+        <p:style>
+          <a:lnRef idx="1">
+            <a:schemeClr val="accent1"/>
+          </a:lnRef>
+          <a:fillRef idx="0">
+            <a:schemeClr val="accent1"/>
+          </a:fillRef>
+          <a:effectRef idx="0">
+            <a:schemeClr val="accent1"/>
+          </a:effectRef>
+          <a:fontRef idx="minor">
+            <a:schemeClr val="tx1"/>
+          </a:fontRef>
+        </p:style>
+      </p:cxnSp>
+      <p:sp>
+        <p:nvSpPr>
+          <p:cNvPr id="51" name="Oval 50">
+            <a:extLst>
+              <a:ext uri="{FF2B5EF4-FFF2-40B4-BE49-F238E27FC236}">
+                <a16:creationId xmlns:a16="http://schemas.microsoft.com/office/drawing/2014/main" id="{C6103330-805A-464A-888A-9579BEC607FE}"/>
+              </a:ext>
+            </a:extLst>
+          </p:cNvPr>
+          <p:cNvSpPr/>
+          <p:nvPr/>
+        </p:nvSpPr>
+        <p:spPr>
+          <a:xfrm>
+            <a:off x="7550421" y="1961237"/>
+            <a:ext cx="975534" cy="501266"/>
+          </a:xfrm>
+          <a:prstGeom prst="ellipse">
+            <a:avLst/>
+          </a:prstGeom>
+          <a:noFill/>
+        </p:spPr>
+        <p:style>
+          <a:lnRef idx="2">
+            <a:schemeClr val="accent1">
+              <a:shade val="50000"/>
+            </a:schemeClr>
+          </a:lnRef>
+          <a:fillRef idx="1">
+            <a:schemeClr val="accent1"/>
+          </a:fillRef>
+          <a:effectRef idx="0">
+            <a:schemeClr val="accent1"/>
+          </a:effectRef>
+          <a:fontRef idx="minor">
+            <a:schemeClr val="lt1"/>
+          </a:fontRef>
+        </p:style>
+        <p:txBody>
+          <a:bodyPr rtlCol="0" anchor="ctr"/>
+          <a:lstStyle/>
+          <a:p>
+            <a:pPr algn="ctr"/>
+            <a:r>
+              <a:rPr lang="en-US" dirty="0">
+                <a:solidFill>
+                  <a:srgbClr val="FF0000"/>
+                </a:solidFill>
+              </a:rPr>
+              <a:t>1 1 0</a:t>
+            </a:r>
+          </a:p>
+        </p:txBody>
+      </p:sp>
+      <p:cxnSp>
+        <p:nvCxnSpPr>
+          <p:cNvPr id="52" name="Straight Arrow Connector 51">
+            <a:extLst>
+              <a:ext uri="{FF2B5EF4-FFF2-40B4-BE49-F238E27FC236}">
+                <a16:creationId xmlns:a16="http://schemas.microsoft.com/office/drawing/2014/main" id="{F74EAC6A-6A1F-B94D-A032-1898876CC070}"/>
+              </a:ext>
+            </a:extLst>
+          </p:cNvPr>
+          <p:cNvCxnSpPr>
+            <a:cxnSpLocks/>
+            <a:stCxn id="51" idx="3"/>
+            <a:endCxn id="59" idx="7"/>
+          </p:cNvCxnSpPr>
+          <p:nvPr/>
+        </p:nvCxnSpPr>
+        <p:spPr>
+          <a:xfrm flipH="1">
+            <a:off x="6713785" y="2389094"/>
+            <a:ext cx="979500" cy="676909"/>
+          </a:xfrm>
+          <a:prstGeom prst="straightConnector1">
+            <a:avLst/>
+          </a:prstGeom>
+          <a:ln>
+            <a:tailEnd type="triangle"/>
+          </a:ln>
+        </p:spPr>
+        <p:style>
+          <a:lnRef idx="1">
+            <a:schemeClr val="accent1"/>
+          </a:lnRef>
+          <a:fillRef idx="0">
+            <a:schemeClr val="accent1"/>
+          </a:fillRef>
+          <a:effectRef idx="0">
+            <a:schemeClr val="accent1"/>
+          </a:effectRef>
+          <a:fontRef idx="minor">
+            <a:schemeClr val="tx1"/>
+          </a:fontRef>
+        </p:style>
+      </p:cxnSp>
+      <p:sp>
+        <p:nvSpPr>
+          <p:cNvPr id="53" name="Oval 52">
+            <a:extLst>
+              <a:ext uri="{FF2B5EF4-FFF2-40B4-BE49-F238E27FC236}">
+                <a16:creationId xmlns:a16="http://schemas.microsoft.com/office/drawing/2014/main" id="{C4908EBE-C669-C94A-8FDE-6A7D10B79F6A}"/>
+              </a:ext>
+            </a:extLst>
+          </p:cNvPr>
+          <p:cNvSpPr/>
+          <p:nvPr/>
+        </p:nvSpPr>
+        <p:spPr>
+          <a:xfrm>
+            <a:off x="7550421" y="4013319"/>
+            <a:ext cx="975534" cy="501266"/>
+          </a:xfrm>
+          <a:prstGeom prst="ellipse">
+            <a:avLst/>
+          </a:prstGeom>
+          <a:noFill/>
+        </p:spPr>
+        <p:style>
+          <a:lnRef idx="2">
+            <a:schemeClr val="accent1">
+              <a:shade val="50000"/>
+            </a:schemeClr>
+          </a:lnRef>
+          <a:fillRef idx="1">
+            <a:schemeClr val="accent1"/>
+          </a:fillRef>
+          <a:effectRef idx="0">
+            <a:schemeClr val="accent1"/>
+          </a:effectRef>
+          <a:fontRef idx="minor">
+            <a:schemeClr val="lt1"/>
+          </a:fontRef>
+        </p:style>
+        <p:txBody>
+          <a:bodyPr rtlCol="0" anchor="ctr"/>
+          <a:lstStyle/>
+          <a:p>
+            <a:pPr algn="ctr"/>
+            <a:r>
+              <a:rPr lang="en-US" dirty="0">
+                <a:solidFill>
+                  <a:srgbClr val="FF0000"/>
+                </a:solidFill>
+              </a:rPr>
+              <a:t>0 1 1</a:t>
+            </a:r>
+          </a:p>
+        </p:txBody>
+      </p:sp>
+      <p:cxnSp>
+        <p:nvCxnSpPr>
+          <p:cNvPr id="55" name="Straight Arrow Connector 54">
+            <a:extLst>
+              <a:ext uri="{FF2B5EF4-FFF2-40B4-BE49-F238E27FC236}">
+                <a16:creationId xmlns:a16="http://schemas.microsoft.com/office/drawing/2014/main" id="{47D7375E-49F6-3B47-A27D-189244210D3B}"/>
+              </a:ext>
+            </a:extLst>
+          </p:cNvPr>
+          <p:cNvCxnSpPr>
+            <a:cxnSpLocks/>
+            <a:stCxn id="31" idx="3"/>
+            <a:endCxn id="48" idx="7"/>
+          </p:cNvCxnSpPr>
+          <p:nvPr/>
+        </p:nvCxnSpPr>
+        <p:spPr>
+          <a:xfrm flipH="1">
+            <a:off x="8383091" y="2389094"/>
+            <a:ext cx="958244" cy="676909"/>
+          </a:xfrm>
+          <a:prstGeom prst="straightConnector1">
+            <a:avLst/>
+          </a:prstGeom>
+          <a:ln>
+            <a:tailEnd type="triangle"/>
+          </a:ln>
+        </p:spPr>
+        <p:style>
+          <a:lnRef idx="1">
+            <a:schemeClr val="accent1"/>
+          </a:lnRef>
+          <a:fillRef idx="0">
+            <a:schemeClr val="accent1"/>
+          </a:fillRef>
+          <a:effectRef idx="0">
+            <a:schemeClr val="accent1"/>
+          </a:effectRef>
+          <a:fontRef idx="minor">
+            <a:schemeClr val="tx1"/>
+          </a:fontRef>
+        </p:style>
+      </p:cxnSp>
+      <p:cxnSp>
+        <p:nvCxnSpPr>
+          <p:cNvPr id="56" name="Straight Arrow Connector 55">
+            <a:extLst>
+              <a:ext uri="{FF2B5EF4-FFF2-40B4-BE49-F238E27FC236}">
+                <a16:creationId xmlns:a16="http://schemas.microsoft.com/office/drawing/2014/main" id="{8D36557E-A405-B54F-B6E7-4C74E207CA44}"/>
+              </a:ext>
+            </a:extLst>
+          </p:cNvPr>
+          <p:cNvCxnSpPr>
+            <a:cxnSpLocks/>
+            <a:stCxn id="27" idx="3"/>
+            <a:endCxn id="53" idx="7"/>
+          </p:cNvCxnSpPr>
+          <p:nvPr/>
+        </p:nvCxnSpPr>
+        <p:spPr>
+          <a:xfrm flipH="1">
+            <a:off x="8383091" y="3420451"/>
+            <a:ext cx="958244" cy="666277"/>
+          </a:xfrm>
+          <a:prstGeom prst="straightConnector1">
+            <a:avLst/>
+          </a:prstGeom>
+          <a:ln>
+            <a:tailEnd type="triangle"/>
+          </a:ln>
+        </p:spPr>
+        <p:style>
+          <a:lnRef idx="1">
+            <a:schemeClr val="accent1"/>
+          </a:lnRef>
+          <a:fillRef idx="0">
+            <a:schemeClr val="accent1"/>
+          </a:fillRef>
+          <a:effectRef idx="0">
+            <a:schemeClr val="accent1"/>
+          </a:effectRef>
+          <a:fontRef idx="minor">
+            <a:schemeClr val="tx1"/>
+          </a:fontRef>
+        </p:style>
+      </p:cxnSp>
+      <p:cxnSp>
+        <p:nvCxnSpPr>
+          <p:cNvPr id="57" name="Straight Arrow Connector 56">
+            <a:extLst>
+              <a:ext uri="{FF2B5EF4-FFF2-40B4-BE49-F238E27FC236}">
+                <a16:creationId xmlns:a16="http://schemas.microsoft.com/office/drawing/2014/main" id="{F310CC4C-2AF2-AC4B-B1DB-70D6C7BA5E77}"/>
+              </a:ext>
+            </a:extLst>
+          </p:cNvPr>
+          <p:cNvCxnSpPr>
+            <a:cxnSpLocks/>
+            <a:stCxn id="37" idx="1"/>
+            <a:endCxn id="48" idx="5"/>
+          </p:cNvCxnSpPr>
+          <p:nvPr/>
+        </p:nvCxnSpPr>
+        <p:spPr>
+          <a:xfrm flipH="1" flipV="1">
+            <a:off x="8383091" y="3420451"/>
+            <a:ext cx="958244" cy="666277"/>
+          </a:xfrm>
+          <a:prstGeom prst="straightConnector1">
+            <a:avLst/>
+          </a:prstGeom>
+          <a:ln>
+            <a:tailEnd type="triangle"/>
+          </a:ln>
+        </p:spPr>
+        <p:style>
+          <a:lnRef idx="1">
+            <a:schemeClr val="accent1"/>
+          </a:lnRef>
+          <a:fillRef idx="0">
+            <a:schemeClr val="accent1"/>
+          </a:fillRef>
+          <a:effectRef idx="0">
+            <a:schemeClr val="accent1"/>
+          </a:effectRef>
+          <a:fontRef idx="minor">
+            <a:schemeClr val="tx1"/>
+          </a:fontRef>
+        </p:style>
+      </p:cxnSp>
+      <p:sp>
+        <p:nvSpPr>
+          <p:cNvPr id="59" name="Oval 58">
+            <a:extLst>
+              <a:ext uri="{FF2B5EF4-FFF2-40B4-BE49-F238E27FC236}">
+                <a16:creationId xmlns:a16="http://schemas.microsoft.com/office/drawing/2014/main" id="{3C73C030-69A4-5F44-AD7F-BB66BE10E008}"/>
+              </a:ext>
+            </a:extLst>
+          </p:cNvPr>
+          <p:cNvSpPr/>
+          <p:nvPr/>
+        </p:nvSpPr>
+        <p:spPr>
+          <a:xfrm>
+            <a:off x="5881115" y="2992594"/>
+            <a:ext cx="975534" cy="501266"/>
+          </a:xfrm>
+          <a:prstGeom prst="ellipse">
+            <a:avLst/>
+          </a:prstGeom>
+          <a:noFill/>
+        </p:spPr>
+        <p:style>
+          <a:lnRef idx="2">
+            <a:schemeClr val="accent1">
+              <a:shade val="50000"/>
+            </a:schemeClr>
+          </a:lnRef>
+          <a:fillRef idx="1">
+            <a:schemeClr val="accent1"/>
+          </a:fillRef>
+          <a:effectRef idx="0">
+            <a:schemeClr val="accent1"/>
+          </a:effectRef>
+          <a:fontRef idx="minor">
+            <a:schemeClr val="lt1"/>
+          </a:fontRef>
+        </p:style>
+        <p:txBody>
+          <a:bodyPr rtlCol="0" anchor="ctr"/>
+          <a:lstStyle/>
+          <a:p>
+            <a:pPr algn="ctr"/>
+            <a:r>
+              <a:rPr lang="en-US" dirty="0">
+                <a:solidFill>
+                  <a:srgbClr val="FF0000"/>
+                </a:solidFill>
+              </a:rPr>
+              <a:t>1 1 1</a:t>
+            </a:r>
+          </a:p>
+        </p:txBody>
+      </p:sp>
+      <p:cxnSp>
+        <p:nvCxnSpPr>
+          <p:cNvPr id="63" name="Straight Arrow Connector 62">
+            <a:extLst>
+              <a:ext uri="{FF2B5EF4-FFF2-40B4-BE49-F238E27FC236}">
+                <a16:creationId xmlns:a16="http://schemas.microsoft.com/office/drawing/2014/main" id="{2F24CE96-F282-2341-9A8D-B6A1F9B4ACD1}"/>
+              </a:ext>
+            </a:extLst>
+          </p:cNvPr>
+          <p:cNvCxnSpPr>
+            <a:cxnSpLocks/>
+            <a:stCxn id="53" idx="1"/>
+            <a:endCxn id="59" idx="5"/>
+          </p:cNvCxnSpPr>
+          <p:nvPr/>
+        </p:nvCxnSpPr>
+        <p:spPr>
+          <a:xfrm flipH="1" flipV="1">
+            <a:off x="6713785" y="3420451"/>
+            <a:ext cx="979500" cy="666277"/>
+          </a:xfrm>
+          <a:prstGeom prst="straightConnector1">
+            <a:avLst/>
+          </a:prstGeom>
+          <a:ln>
+            <a:tailEnd type="triangle"/>
+          </a:ln>
+        </p:spPr>
+        <p:style>
+          <a:lnRef idx="1">
+            <a:schemeClr val="accent1"/>
+          </a:lnRef>
+          <a:fillRef idx="0">
+            <a:schemeClr val="accent1"/>
+          </a:fillRef>
+          <a:effectRef idx="0">
+            <a:schemeClr val="accent1"/>
+          </a:effectRef>
+          <a:fontRef idx="minor">
+            <a:schemeClr val="tx1"/>
+          </a:fontRef>
+        </p:style>
+      </p:cxnSp>
+      <p:cxnSp>
+        <p:nvCxnSpPr>
+          <p:cNvPr id="87" name="Straight Arrow Connector 86">
+            <a:extLst>
+              <a:ext uri="{FF2B5EF4-FFF2-40B4-BE49-F238E27FC236}">
+                <a16:creationId xmlns:a16="http://schemas.microsoft.com/office/drawing/2014/main" id="{426622BA-B86A-6545-9ACA-7B8E0C823DA6}"/>
+              </a:ext>
+            </a:extLst>
+          </p:cNvPr>
+          <p:cNvCxnSpPr>
+            <a:cxnSpLocks/>
+          </p:cNvCxnSpPr>
+          <p:nvPr/>
+        </p:nvCxnSpPr>
+        <p:spPr>
+          <a:xfrm flipH="1">
+            <a:off x="5172093" y="3243227"/>
+            <a:ext cx="696080" cy="0"/>
+          </a:xfrm>
+          <a:prstGeom prst="straightConnector1">
+            <a:avLst/>
+          </a:prstGeom>
+          <a:ln>
+            <a:tailEnd type="triangle"/>
+          </a:ln>
+        </p:spPr>
+        <p:style>
+          <a:lnRef idx="1">
+            <a:schemeClr val="accent1"/>
+          </a:lnRef>
+          <a:fillRef idx="0">
+            <a:schemeClr val="accent1"/>
+          </a:fillRef>
+          <a:effectRef idx="0">
+            <a:schemeClr val="accent1"/>
+          </a:effectRef>
+          <a:fontRef idx="minor">
+            <a:schemeClr val="tx1"/>
+          </a:fontRef>
+        </p:style>
+      </p:cxnSp>
+      <p:sp>
+        <p:nvSpPr>
+          <p:cNvPr id="88" name="Oval 87">
+            <a:extLst>
+              <a:ext uri="{FF2B5EF4-FFF2-40B4-BE49-F238E27FC236}">
+                <a16:creationId xmlns:a16="http://schemas.microsoft.com/office/drawing/2014/main" id="{B93344CD-A198-F148-BCEE-C3286E471451}"/>
+              </a:ext>
+            </a:extLst>
+          </p:cNvPr>
+          <p:cNvSpPr/>
+          <p:nvPr/>
+        </p:nvSpPr>
+        <p:spPr>
+          <a:xfrm>
+            <a:off x="4220125" y="2992594"/>
+            <a:ext cx="975534" cy="501266"/>
+          </a:xfrm>
+          <a:prstGeom prst="ellipse">
+            <a:avLst/>
+          </a:prstGeom>
+          <a:noFill/>
+        </p:spPr>
+        <p:style>
+          <a:lnRef idx="2">
+            <a:schemeClr val="accent1">
+              <a:shade val="50000"/>
+            </a:schemeClr>
+          </a:lnRef>
+          <a:fillRef idx="1">
+            <a:schemeClr val="accent1"/>
+          </a:fillRef>
+          <a:effectRef idx="0">
+            <a:schemeClr val="accent1"/>
+          </a:effectRef>
+          <a:fontRef idx="minor">
+            <a:schemeClr val="lt1"/>
+          </a:fontRef>
+        </p:style>
+        <p:txBody>
+          <a:bodyPr rtlCol="0" anchor="ctr"/>
+          <a:lstStyle/>
+          <a:p>
+            <a:pPr algn="ctr"/>
+            <a:r>
+              <a:rPr lang="en-US" dirty="0">
+                <a:solidFill>
+                  <a:srgbClr val="FF0000"/>
+                </a:solidFill>
+              </a:rPr>
+              <a:t>1 2 1</a:t>
+            </a:r>
+          </a:p>
+        </p:txBody>
+      </p:sp>
+      <p:cxnSp>
+        <p:nvCxnSpPr>
+          <p:cNvPr id="89" name="Straight Arrow Connector 88">
+            <a:extLst>
+              <a:ext uri="{FF2B5EF4-FFF2-40B4-BE49-F238E27FC236}">
+                <a16:creationId xmlns:a16="http://schemas.microsoft.com/office/drawing/2014/main" id="{335EDF9C-1E14-5A47-9ACC-31BEF0EE64BB}"/>
+              </a:ext>
+            </a:extLst>
+          </p:cNvPr>
+          <p:cNvCxnSpPr>
+            <a:cxnSpLocks/>
+            <a:stCxn id="88" idx="1"/>
+            <a:endCxn id="98" idx="5"/>
+          </p:cNvCxnSpPr>
+          <p:nvPr/>
+        </p:nvCxnSpPr>
+        <p:spPr>
+          <a:xfrm flipH="1" flipV="1">
+            <a:off x="3404745" y="2389094"/>
+            <a:ext cx="958244" cy="676909"/>
+          </a:xfrm>
+          <a:prstGeom prst="straightConnector1">
+            <a:avLst/>
+          </a:prstGeom>
+          <a:ln>
+            <a:tailEnd type="triangle"/>
+          </a:ln>
+        </p:spPr>
+        <p:style>
+          <a:lnRef idx="1">
+            <a:schemeClr val="accent1"/>
+          </a:lnRef>
+          <a:fillRef idx="0">
+            <a:schemeClr val="accent1"/>
+          </a:fillRef>
+          <a:effectRef idx="0">
+            <a:schemeClr val="accent1"/>
+          </a:effectRef>
+          <a:fontRef idx="minor">
+            <a:schemeClr val="tx1"/>
+          </a:fontRef>
+        </p:style>
+      </p:cxnSp>
+      <p:sp>
+        <p:nvSpPr>
+          <p:cNvPr id="90" name="Oval 89">
+            <a:extLst>
+              <a:ext uri="{FF2B5EF4-FFF2-40B4-BE49-F238E27FC236}">
+                <a16:creationId xmlns:a16="http://schemas.microsoft.com/office/drawing/2014/main" id="{D1F819AC-23BE-A344-AABC-BB012BD6C07B}"/>
+              </a:ext>
+            </a:extLst>
+          </p:cNvPr>
+          <p:cNvSpPr/>
+          <p:nvPr/>
+        </p:nvSpPr>
+        <p:spPr>
+          <a:xfrm>
+            <a:off x="4220125" y="1961237"/>
+            <a:ext cx="975534" cy="501266"/>
+          </a:xfrm>
+          <a:prstGeom prst="ellipse">
+            <a:avLst/>
+          </a:prstGeom>
+          <a:noFill/>
+        </p:spPr>
+        <p:style>
+          <a:lnRef idx="2">
+            <a:schemeClr val="accent1">
+              <a:shade val="50000"/>
+            </a:schemeClr>
+          </a:lnRef>
+          <a:fillRef idx="1">
+            <a:schemeClr val="accent1"/>
+          </a:fillRef>
+          <a:effectRef idx="0">
+            <a:schemeClr val="accent1"/>
+          </a:effectRef>
+          <a:fontRef idx="minor">
+            <a:schemeClr val="lt1"/>
+          </a:fontRef>
+        </p:style>
+        <p:txBody>
+          <a:bodyPr rtlCol="0" anchor="ctr"/>
+          <a:lstStyle/>
+          <a:p>
+            <a:pPr algn="ctr"/>
+            <a:r>
+              <a:rPr lang="en-US" dirty="0">
+                <a:solidFill>
+                  <a:srgbClr val="FF0000"/>
+                </a:solidFill>
+              </a:rPr>
+              <a:t>2 1 1</a:t>
+            </a:r>
+          </a:p>
+        </p:txBody>
+      </p:sp>
+      <p:cxnSp>
+        <p:nvCxnSpPr>
+          <p:cNvPr id="91" name="Straight Arrow Connector 90">
+            <a:extLst>
+              <a:ext uri="{FF2B5EF4-FFF2-40B4-BE49-F238E27FC236}">
+                <a16:creationId xmlns:a16="http://schemas.microsoft.com/office/drawing/2014/main" id="{71E8AB99-BC1E-C14D-B42F-F6E2B7F64724}"/>
+              </a:ext>
+            </a:extLst>
+          </p:cNvPr>
+          <p:cNvCxnSpPr>
+            <a:cxnSpLocks/>
+            <a:stCxn id="90" idx="2"/>
+          </p:cNvCxnSpPr>
+          <p:nvPr/>
+        </p:nvCxnSpPr>
+        <p:spPr>
+          <a:xfrm flipH="1">
+            <a:off x="3524045" y="2211870"/>
+            <a:ext cx="696080" cy="0"/>
+          </a:xfrm>
+          <a:prstGeom prst="straightConnector1">
+            <a:avLst/>
+          </a:prstGeom>
+          <a:ln>
+            <a:tailEnd type="triangle"/>
+          </a:ln>
+        </p:spPr>
+        <p:style>
+          <a:lnRef idx="1">
+            <a:schemeClr val="accent1"/>
+          </a:lnRef>
+          <a:fillRef idx="0">
+            <a:schemeClr val="accent1"/>
+          </a:fillRef>
+          <a:effectRef idx="0">
+            <a:schemeClr val="accent1"/>
+          </a:effectRef>
+          <a:fontRef idx="minor">
+            <a:schemeClr val="tx1"/>
+          </a:fontRef>
+        </p:style>
+      </p:cxnSp>
+      <p:sp>
+        <p:nvSpPr>
+          <p:cNvPr id="92" name="Oval 91">
+            <a:extLst>
+              <a:ext uri="{FF2B5EF4-FFF2-40B4-BE49-F238E27FC236}">
+                <a16:creationId xmlns:a16="http://schemas.microsoft.com/office/drawing/2014/main" id="{C2EB8B65-98D1-1E4F-9C8E-6C63C194EDCF}"/>
+              </a:ext>
+            </a:extLst>
+          </p:cNvPr>
+          <p:cNvSpPr/>
+          <p:nvPr/>
+        </p:nvSpPr>
+        <p:spPr>
+          <a:xfrm>
+            <a:off x="4220125" y="4013319"/>
+            <a:ext cx="975534" cy="501266"/>
+          </a:xfrm>
+          <a:prstGeom prst="ellipse">
+            <a:avLst/>
+          </a:prstGeom>
+          <a:noFill/>
+        </p:spPr>
+        <p:style>
+          <a:lnRef idx="2">
+            <a:schemeClr val="accent1">
+              <a:shade val="50000"/>
+            </a:schemeClr>
+          </a:lnRef>
+          <a:fillRef idx="1">
+            <a:schemeClr val="accent1"/>
+          </a:fillRef>
+          <a:effectRef idx="0">
+            <a:schemeClr val="accent1"/>
+          </a:effectRef>
+          <a:fontRef idx="minor">
+            <a:schemeClr val="lt1"/>
+          </a:fontRef>
+        </p:style>
+        <p:txBody>
+          <a:bodyPr rtlCol="0" anchor="ctr"/>
+          <a:lstStyle/>
+          <a:p>
+            <a:pPr algn="ctr"/>
+            <a:r>
+              <a:rPr lang="en-US" dirty="0">
+                <a:solidFill>
+                  <a:srgbClr val="FF0000"/>
+                </a:solidFill>
+              </a:rPr>
+              <a:t>1 1 2</a:t>
+            </a:r>
+          </a:p>
+        </p:txBody>
+      </p:sp>
+      <p:cxnSp>
+        <p:nvCxnSpPr>
+          <p:cNvPr id="93" name="Straight Arrow Connector 92">
+            <a:extLst>
+              <a:ext uri="{FF2B5EF4-FFF2-40B4-BE49-F238E27FC236}">
+                <a16:creationId xmlns:a16="http://schemas.microsoft.com/office/drawing/2014/main" id="{5B7603D7-E59A-094E-B775-E75B590B6A47}"/>
+              </a:ext>
+            </a:extLst>
+          </p:cNvPr>
+          <p:cNvCxnSpPr>
+            <a:cxnSpLocks/>
+            <a:stCxn id="92" idx="2"/>
+          </p:cNvCxnSpPr>
+          <p:nvPr/>
+        </p:nvCxnSpPr>
+        <p:spPr>
+          <a:xfrm flipH="1">
+            <a:off x="3524045" y="4263952"/>
+            <a:ext cx="696080" cy="0"/>
+          </a:xfrm>
+          <a:prstGeom prst="straightConnector1">
+            <a:avLst/>
+          </a:prstGeom>
+          <a:ln>
+            <a:tailEnd type="triangle"/>
+          </a:ln>
+        </p:spPr>
+        <p:style>
+          <a:lnRef idx="1">
+            <a:schemeClr val="accent1"/>
+          </a:lnRef>
+          <a:fillRef idx="0">
+            <a:schemeClr val="accent1"/>
+          </a:fillRef>
+          <a:effectRef idx="0">
+            <a:schemeClr val="accent1"/>
+          </a:effectRef>
+          <a:fontRef idx="minor">
+            <a:schemeClr val="tx1"/>
+          </a:fontRef>
+        </p:style>
+      </p:cxnSp>
+      <p:cxnSp>
+        <p:nvCxnSpPr>
+          <p:cNvPr id="94" name="Straight Arrow Connector 93">
+            <a:extLst>
+              <a:ext uri="{FF2B5EF4-FFF2-40B4-BE49-F238E27FC236}">
+                <a16:creationId xmlns:a16="http://schemas.microsoft.com/office/drawing/2014/main" id="{20BB581A-11A0-AF46-A363-60D7485190E8}"/>
+              </a:ext>
+            </a:extLst>
+          </p:cNvPr>
+          <p:cNvCxnSpPr>
+            <a:cxnSpLocks/>
+            <a:endCxn id="92" idx="7"/>
+          </p:cNvCxnSpPr>
+          <p:nvPr/>
+        </p:nvCxnSpPr>
+        <p:spPr>
+          <a:xfrm flipH="1">
+            <a:off x="5052795" y="3420451"/>
+            <a:ext cx="958242" cy="666277"/>
+          </a:xfrm>
+          <a:prstGeom prst="straightConnector1">
+            <a:avLst/>
+          </a:prstGeom>
+          <a:ln>
+            <a:tailEnd type="triangle"/>
+          </a:ln>
+        </p:spPr>
+        <p:style>
+          <a:lnRef idx="1">
+            <a:schemeClr val="accent1"/>
+          </a:lnRef>
+          <a:fillRef idx="0">
+            <a:schemeClr val="accent1"/>
+          </a:fillRef>
+          <a:effectRef idx="0">
+            <a:schemeClr val="accent1"/>
+          </a:effectRef>
+          <a:fontRef idx="minor">
+            <a:schemeClr val="tx1"/>
+          </a:fontRef>
+        </p:style>
+      </p:cxnSp>
+      <p:cxnSp>
+        <p:nvCxnSpPr>
+          <p:cNvPr id="95" name="Straight Arrow Connector 94">
+            <a:extLst>
+              <a:ext uri="{FF2B5EF4-FFF2-40B4-BE49-F238E27FC236}">
+                <a16:creationId xmlns:a16="http://schemas.microsoft.com/office/drawing/2014/main" id="{85CE75C8-E8D4-B845-BAA6-0418FC0A71B9}"/>
+              </a:ext>
+            </a:extLst>
+          </p:cNvPr>
+          <p:cNvCxnSpPr>
+            <a:cxnSpLocks/>
+          </p:cNvCxnSpPr>
+          <p:nvPr/>
+        </p:nvCxnSpPr>
+        <p:spPr>
+          <a:xfrm flipH="1" flipV="1">
+            <a:off x="5065735" y="2439230"/>
+            <a:ext cx="945302" cy="626773"/>
+          </a:xfrm>
+          <a:prstGeom prst="straightConnector1">
+            <a:avLst/>
+          </a:prstGeom>
+          <a:ln>
+            <a:tailEnd type="triangle"/>
+          </a:ln>
+        </p:spPr>
+        <p:style>
+          <a:lnRef idx="1">
+            <a:schemeClr val="accent1"/>
+          </a:lnRef>
+          <a:fillRef idx="0">
+            <a:schemeClr val="accent1"/>
+          </a:fillRef>
+          <a:effectRef idx="0">
+            <a:schemeClr val="accent1"/>
+          </a:effectRef>
+          <a:fontRef idx="minor">
+            <a:schemeClr val="tx1"/>
+          </a:fontRef>
+        </p:style>
+      </p:cxnSp>
+      <p:sp>
+        <p:nvSpPr>
+          <p:cNvPr id="96" name="Oval 95">
+            <a:extLst>
+              <a:ext uri="{FF2B5EF4-FFF2-40B4-BE49-F238E27FC236}">
+                <a16:creationId xmlns:a16="http://schemas.microsoft.com/office/drawing/2014/main" id="{FBC08263-12C3-3844-902C-1CCE0DD9B669}"/>
+              </a:ext>
+            </a:extLst>
+          </p:cNvPr>
+          <p:cNvSpPr/>
+          <p:nvPr/>
+        </p:nvSpPr>
+        <p:spPr>
+          <a:xfrm>
+            <a:off x="2572075" y="2992594"/>
+            <a:ext cx="975534" cy="501266"/>
+          </a:xfrm>
+          <a:prstGeom prst="ellipse">
+            <a:avLst/>
+          </a:prstGeom>
+          <a:noFill/>
+        </p:spPr>
+        <p:style>
+          <a:lnRef idx="2">
+            <a:schemeClr val="accent1">
+              <a:shade val="50000"/>
+            </a:schemeClr>
+          </a:lnRef>
+          <a:fillRef idx="1">
+            <a:schemeClr val="accent1"/>
+          </a:fillRef>
+          <a:effectRef idx="0">
+            <a:schemeClr val="accent1"/>
+          </a:effectRef>
+          <a:fontRef idx="minor">
+            <a:schemeClr val="lt1"/>
+          </a:fontRef>
+        </p:style>
+        <p:txBody>
+          <a:bodyPr rtlCol="0" anchor="ctr"/>
+          <a:lstStyle/>
+          <a:p>
+            <a:pPr algn="ctr"/>
+            <a:r>
+              <a:rPr lang="en-US" dirty="0">
+                <a:solidFill>
+                  <a:srgbClr val="FF0000"/>
+                </a:solidFill>
+              </a:rPr>
+              <a:t>2 1 2</a:t>
+            </a:r>
+          </a:p>
+        </p:txBody>
+      </p:sp>
+      <p:cxnSp>
+        <p:nvCxnSpPr>
+          <p:cNvPr id="97" name="Straight Arrow Connector 96">
+            <a:extLst>
+              <a:ext uri="{FF2B5EF4-FFF2-40B4-BE49-F238E27FC236}">
+                <a16:creationId xmlns:a16="http://schemas.microsoft.com/office/drawing/2014/main" id="{599F5947-6E69-984B-A3D4-298E347E3DB4}"/>
+              </a:ext>
+            </a:extLst>
+          </p:cNvPr>
+          <p:cNvCxnSpPr>
+            <a:cxnSpLocks/>
+            <a:stCxn id="96" idx="2"/>
+          </p:cNvCxnSpPr>
+          <p:nvPr/>
+        </p:nvCxnSpPr>
+        <p:spPr>
+          <a:xfrm flipH="1">
+            <a:off x="1875995" y="3243227"/>
+            <a:ext cx="696080" cy="0"/>
+          </a:xfrm>
+          <a:prstGeom prst="straightConnector1">
+            <a:avLst/>
+          </a:prstGeom>
+          <a:ln>
+            <a:tailEnd type="triangle"/>
+          </a:ln>
+        </p:spPr>
+        <p:style>
+          <a:lnRef idx="1">
+            <a:schemeClr val="accent1"/>
+          </a:lnRef>
+          <a:fillRef idx="0">
+            <a:schemeClr val="accent1"/>
+          </a:fillRef>
+          <a:effectRef idx="0">
+            <a:schemeClr val="accent1"/>
+          </a:effectRef>
+          <a:fontRef idx="minor">
+            <a:schemeClr val="tx1"/>
+          </a:fontRef>
+        </p:style>
+      </p:cxnSp>
+      <p:sp>
+        <p:nvSpPr>
+          <p:cNvPr id="98" name="Oval 97">
+            <a:extLst>
+              <a:ext uri="{FF2B5EF4-FFF2-40B4-BE49-F238E27FC236}">
+                <a16:creationId xmlns:a16="http://schemas.microsoft.com/office/drawing/2014/main" id="{A074F0D1-CBFB-DA46-A5CA-77B04F2D8B25}"/>
+              </a:ext>
+            </a:extLst>
+          </p:cNvPr>
+          <p:cNvSpPr/>
+          <p:nvPr/>
+        </p:nvSpPr>
+        <p:spPr>
+          <a:xfrm>
+            <a:off x="2572075" y="1961237"/>
+            <a:ext cx="975534" cy="501266"/>
+          </a:xfrm>
+          <a:prstGeom prst="ellipse">
+            <a:avLst/>
+          </a:prstGeom>
+          <a:noFill/>
+        </p:spPr>
+        <p:style>
+          <a:lnRef idx="2">
+            <a:schemeClr val="accent1">
+              <a:shade val="50000"/>
+            </a:schemeClr>
+          </a:lnRef>
+          <a:fillRef idx="1">
+            <a:schemeClr val="accent1"/>
+          </a:fillRef>
+          <a:effectRef idx="0">
+            <a:schemeClr val="accent1"/>
+          </a:effectRef>
+          <a:fontRef idx="minor">
+            <a:schemeClr val="lt1"/>
+          </a:fontRef>
+        </p:style>
+        <p:txBody>
+          <a:bodyPr rtlCol="0" anchor="ctr"/>
+          <a:lstStyle/>
+          <a:p>
+            <a:pPr algn="ctr"/>
+            <a:r>
+              <a:rPr lang="en-US" dirty="0">
+                <a:solidFill>
+                  <a:srgbClr val="FF0000"/>
+                </a:solidFill>
+              </a:rPr>
+              <a:t>2 2 1</a:t>
+            </a:r>
+          </a:p>
+        </p:txBody>
+      </p:sp>
+      <p:cxnSp>
+        <p:nvCxnSpPr>
+          <p:cNvPr id="99" name="Straight Arrow Connector 98">
+            <a:extLst>
+              <a:ext uri="{FF2B5EF4-FFF2-40B4-BE49-F238E27FC236}">
+                <a16:creationId xmlns:a16="http://schemas.microsoft.com/office/drawing/2014/main" id="{7AE0B86C-D72C-D346-A039-292F1B143B34}"/>
+              </a:ext>
+            </a:extLst>
+          </p:cNvPr>
+          <p:cNvCxnSpPr>
+            <a:cxnSpLocks/>
+            <a:stCxn id="98" idx="3"/>
+            <a:endCxn id="104" idx="7"/>
+          </p:cNvCxnSpPr>
+          <p:nvPr/>
+        </p:nvCxnSpPr>
+        <p:spPr>
+          <a:xfrm flipH="1">
+            <a:off x="1735439" y="2389094"/>
+            <a:ext cx="979500" cy="676909"/>
+          </a:xfrm>
+          <a:prstGeom prst="straightConnector1">
+            <a:avLst/>
+          </a:prstGeom>
+          <a:ln>
+            <a:tailEnd type="triangle"/>
+          </a:ln>
+        </p:spPr>
+        <p:style>
+          <a:lnRef idx="1">
+            <a:schemeClr val="accent1"/>
+          </a:lnRef>
+          <a:fillRef idx="0">
+            <a:schemeClr val="accent1"/>
+          </a:fillRef>
+          <a:effectRef idx="0">
+            <a:schemeClr val="accent1"/>
+          </a:effectRef>
+          <a:fontRef idx="minor">
+            <a:schemeClr val="tx1"/>
+          </a:fontRef>
+        </p:style>
+      </p:cxnSp>
+      <p:sp>
+        <p:nvSpPr>
+          <p:cNvPr id="100" name="Oval 99">
+            <a:extLst>
+              <a:ext uri="{FF2B5EF4-FFF2-40B4-BE49-F238E27FC236}">
+                <a16:creationId xmlns:a16="http://schemas.microsoft.com/office/drawing/2014/main" id="{B6071F93-0C17-0A43-8FCA-5C2B6FF10B3E}"/>
+              </a:ext>
+            </a:extLst>
+          </p:cNvPr>
+          <p:cNvSpPr/>
+          <p:nvPr/>
+        </p:nvSpPr>
+        <p:spPr>
+          <a:xfrm>
+            <a:off x="2572075" y="4013319"/>
+            <a:ext cx="975534" cy="501266"/>
+          </a:xfrm>
+          <a:prstGeom prst="ellipse">
+            <a:avLst/>
+          </a:prstGeom>
+          <a:noFill/>
+        </p:spPr>
+        <p:style>
+          <a:lnRef idx="2">
+            <a:schemeClr val="accent1">
+              <a:shade val="50000"/>
+            </a:schemeClr>
+          </a:lnRef>
+          <a:fillRef idx="1">
+            <a:schemeClr val="accent1"/>
+          </a:fillRef>
+          <a:effectRef idx="0">
+            <a:schemeClr val="accent1"/>
+          </a:effectRef>
+          <a:fontRef idx="minor">
+            <a:schemeClr val="lt1"/>
+          </a:fontRef>
+        </p:style>
+        <p:txBody>
+          <a:bodyPr rtlCol="0" anchor="ctr"/>
+          <a:lstStyle/>
+          <a:p>
+            <a:pPr algn="ctr"/>
+            <a:r>
+              <a:rPr lang="en-US" dirty="0">
+                <a:solidFill>
+                  <a:srgbClr val="FF0000"/>
+                </a:solidFill>
+              </a:rPr>
+              <a:t>1 2 2</a:t>
+            </a:r>
+          </a:p>
+        </p:txBody>
+      </p:sp>
+      <p:cxnSp>
+        <p:nvCxnSpPr>
+          <p:cNvPr id="101" name="Straight Arrow Connector 100">
+            <a:extLst>
+              <a:ext uri="{FF2B5EF4-FFF2-40B4-BE49-F238E27FC236}">
+                <a16:creationId xmlns:a16="http://schemas.microsoft.com/office/drawing/2014/main" id="{7014191E-A74D-A345-AE33-20EE06863FA8}"/>
+              </a:ext>
+            </a:extLst>
+          </p:cNvPr>
+          <p:cNvCxnSpPr>
+            <a:cxnSpLocks/>
+            <a:stCxn id="90" idx="3"/>
+            <a:endCxn id="96" idx="7"/>
+          </p:cNvCxnSpPr>
+          <p:nvPr/>
+        </p:nvCxnSpPr>
+        <p:spPr>
+          <a:xfrm flipH="1">
+            <a:off x="3404745" y="2389094"/>
+            <a:ext cx="958244" cy="676909"/>
+          </a:xfrm>
+          <a:prstGeom prst="straightConnector1">
+            <a:avLst/>
+          </a:prstGeom>
+          <a:ln>
+            <a:tailEnd type="triangle"/>
+          </a:ln>
+        </p:spPr>
+        <p:style>
+          <a:lnRef idx="1">
+            <a:schemeClr val="accent1"/>
+          </a:lnRef>
+          <a:fillRef idx="0">
+            <a:schemeClr val="accent1"/>
+          </a:fillRef>
+          <a:effectRef idx="0">
+            <a:schemeClr val="accent1"/>
+          </a:effectRef>
+          <a:fontRef idx="minor">
+            <a:schemeClr val="tx1"/>
+          </a:fontRef>
+        </p:style>
+      </p:cxnSp>
+      <p:cxnSp>
+        <p:nvCxnSpPr>
+          <p:cNvPr id="102" name="Straight Arrow Connector 101">
+            <a:extLst>
+              <a:ext uri="{FF2B5EF4-FFF2-40B4-BE49-F238E27FC236}">
+                <a16:creationId xmlns:a16="http://schemas.microsoft.com/office/drawing/2014/main" id="{D5B74CAF-6F93-3B47-A8EE-6CF00CDAE4B0}"/>
+              </a:ext>
+            </a:extLst>
+          </p:cNvPr>
+          <p:cNvCxnSpPr>
+            <a:cxnSpLocks/>
+            <a:stCxn id="88" idx="3"/>
+            <a:endCxn id="100" idx="7"/>
+          </p:cNvCxnSpPr>
+          <p:nvPr/>
+        </p:nvCxnSpPr>
+        <p:spPr>
+          <a:xfrm flipH="1">
+            <a:off x="3404745" y="3420451"/>
+            <a:ext cx="958244" cy="666277"/>
+          </a:xfrm>
+          <a:prstGeom prst="straightConnector1">
+            <a:avLst/>
+          </a:prstGeom>
+          <a:ln>
+            <a:tailEnd type="triangle"/>
+          </a:ln>
+        </p:spPr>
+        <p:style>
+          <a:lnRef idx="1">
+            <a:schemeClr val="accent1"/>
+          </a:lnRef>
+          <a:fillRef idx="0">
+            <a:schemeClr val="accent1"/>
+          </a:fillRef>
+          <a:effectRef idx="0">
+            <a:schemeClr val="accent1"/>
+          </a:effectRef>
+          <a:fontRef idx="minor">
+            <a:schemeClr val="tx1"/>
+          </a:fontRef>
+        </p:style>
+      </p:cxnSp>
+      <p:cxnSp>
+        <p:nvCxnSpPr>
+          <p:cNvPr id="103" name="Straight Arrow Connector 102">
+            <a:extLst>
+              <a:ext uri="{FF2B5EF4-FFF2-40B4-BE49-F238E27FC236}">
+                <a16:creationId xmlns:a16="http://schemas.microsoft.com/office/drawing/2014/main" id="{41F5D8DB-F53F-4A4F-8039-6E496ACFF913}"/>
+              </a:ext>
+            </a:extLst>
+          </p:cNvPr>
+          <p:cNvCxnSpPr>
+            <a:cxnSpLocks/>
+            <a:stCxn id="92" idx="1"/>
+            <a:endCxn id="96" idx="5"/>
+          </p:cNvCxnSpPr>
+          <p:nvPr/>
+        </p:nvCxnSpPr>
+        <p:spPr>
+          <a:xfrm flipH="1" flipV="1">
+            <a:off x="3404745" y="3420451"/>
+            <a:ext cx="958244" cy="666277"/>
+          </a:xfrm>
+          <a:prstGeom prst="straightConnector1">
+            <a:avLst/>
+          </a:prstGeom>
+          <a:ln>
+            <a:tailEnd type="triangle"/>
+          </a:ln>
+        </p:spPr>
+        <p:style>
+          <a:lnRef idx="1">
+            <a:schemeClr val="accent1"/>
+          </a:lnRef>
+          <a:fillRef idx="0">
+            <a:schemeClr val="accent1"/>
+          </a:fillRef>
+          <a:effectRef idx="0">
+            <a:schemeClr val="accent1"/>
+          </a:effectRef>
+          <a:fontRef idx="minor">
+            <a:schemeClr val="tx1"/>
+          </a:fontRef>
+        </p:style>
+      </p:cxnSp>
+      <p:sp>
+        <p:nvSpPr>
+          <p:cNvPr id="104" name="Oval 103">
+            <a:extLst>
+              <a:ext uri="{FF2B5EF4-FFF2-40B4-BE49-F238E27FC236}">
+                <a16:creationId xmlns:a16="http://schemas.microsoft.com/office/drawing/2014/main" id="{30C51360-45E3-C64C-9D8F-8C6FF3384BBC}"/>
+              </a:ext>
+            </a:extLst>
+          </p:cNvPr>
+          <p:cNvSpPr/>
+          <p:nvPr/>
+        </p:nvSpPr>
+        <p:spPr>
+          <a:xfrm>
+            <a:off x="902769" y="2992594"/>
+            <a:ext cx="975534" cy="501266"/>
+          </a:xfrm>
+          <a:prstGeom prst="ellipse">
+            <a:avLst/>
+          </a:prstGeom>
+          <a:noFill/>
+        </p:spPr>
+        <p:style>
+          <a:lnRef idx="2">
+            <a:schemeClr val="accent1">
+              <a:shade val="50000"/>
+            </a:schemeClr>
+          </a:lnRef>
+          <a:fillRef idx="1">
+            <a:schemeClr val="accent1"/>
+          </a:fillRef>
+          <a:effectRef idx="0">
+            <a:schemeClr val="accent1"/>
+          </a:effectRef>
+          <a:fontRef idx="minor">
+            <a:schemeClr val="lt1"/>
+          </a:fontRef>
+        </p:style>
+        <p:txBody>
+          <a:bodyPr rtlCol="0" anchor="ctr"/>
+          <a:lstStyle/>
+          <a:p>
+            <a:pPr algn="ctr"/>
+            <a:r>
+              <a:rPr lang="en-US" dirty="0">
+                <a:solidFill>
+                  <a:srgbClr val="FF0000"/>
+                </a:solidFill>
+              </a:rPr>
+              <a:t>2 2 2</a:t>
+            </a:r>
+          </a:p>
+        </p:txBody>
+      </p:sp>
+      <p:cxnSp>
+        <p:nvCxnSpPr>
+          <p:cNvPr id="105" name="Straight Arrow Connector 104">
+            <a:extLst>
+              <a:ext uri="{FF2B5EF4-FFF2-40B4-BE49-F238E27FC236}">
+                <a16:creationId xmlns:a16="http://schemas.microsoft.com/office/drawing/2014/main" id="{71E3AC8E-0227-5F41-B657-A76C6C5DDB9C}"/>
+              </a:ext>
+            </a:extLst>
+          </p:cNvPr>
+          <p:cNvCxnSpPr>
+            <a:cxnSpLocks/>
+            <a:stCxn id="100" idx="1"/>
+            <a:endCxn id="104" idx="5"/>
+          </p:cNvCxnSpPr>
+          <p:nvPr/>
+        </p:nvCxnSpPr>
+        <p:spPr>
+          <a:xfrm flipH="1" flipV="1">
+            <a:off x="1735439" y="3420451"/>
+            <a:ext cx="979500" cy="666277"/>
+          </a:xfrm>
+          <a:prstGeom prst="straightConnector1">
+            <a:avLst/>
+          </a:prstGeom>
+          <a:ln>
+            <a:tailEnd type="triangle"/>
+          </a:ln>
+        </p:spPr>
+        <p:style>
+          <a:lnRef idx="1">
+            <a:schemeClr val="accent1"/>
+          </a:lnRef>
+          <a:fillRef idx="0">
+            <a:schemeClr val="accent1"/>
+          </a:fillRef>
+          <a:effectRef idx="0">
+            <a:schemeClr val="accent1"/>
+          </a:effectRef>
+          <a:fontRef idx="minor">
+            <a:schemeClr val="tx1"/>
+          </a:fontRef>
+        </p:style>
+      </p:cxnSp>
+    </p:spTree>
+    <p:extLst>
+      <p:ext uri="{BB962C8B-B14F-4D97-AF65-F5344CB8AC3E}">
+        <p14:creationId xmlns:p14="http://schemas.microsoft.com/office/powerpoint/2010/main" val="2061325185"/>
+      </p:ext>
+    </p:extLst>
+  </p:cSld>
+  <p:clrMapOvr>
+    <a:masterClrMapping/>
+  </p:clrMapOvr>
+</p:sld>
+</file>
+
+<file path=ppt/slides/slide5.xml><?xml version="1.0" encoding="utf-8"?>
+<p:sld xmlns:a="http://schemas.openxmlformats.org/drawingml/2006/main" xmlns:r="http://schemas.openxmlformats.org/officeDocument/2006/relationships" xmlns:p="http://schemas.openxmlformats.org/presentationml/2006/main">
+  <p:cSld>
+    <p:spTree>
+      <p:nvGrpSpPr>
+        <p:cNvPr id="1" name=""/>
+        <p:cNvGrpSpPr/>
+        <p:nvPr/>
+      </p:nvGrpSpPr>
+      <p:grpSpPr>
+        <a:xfrm>
+          <a:off x="0" y="0"/>
+          <a:ext cx="0" cy="0"/>
+          <a:chOff x="0" y="0"/>
+          <a:chExt cx="0" cy="0"/>
+        </a:xfrm>
+      </p:grpSpPr>
+      <p:sp>
+        <p:nvSpPr>
           <p:cNvPr id="4" name="Rectangle 3">
             <a:extLst>
               <a:ext uri="{FF2B5EF4-FFF2-40B4-BE49-F238E27FC236}">
@@ -9473,7 +11334,7 @@
 </p:sld>
 </file>
 
-<file path=ppt/slides/slide5.xml><?xml version="1.0" encoding="utf-8"?>
+<file path=ppt/slides/slide6.xml><?xml version="1.0" encoding="utf-8"?>
 <p:sld xmlns:a="http://schemas.openxmlformats.org/drawingml/2006/main" xmlns:r="http://schemas.openxmlformats.org/officeDocument/2006/relationships" xmlns:p="http://schemas.openxmlformats.org/presentationml/2006/main">
   <p:cSld>
     <p:spTree>

--- a/book/figures.pptx
+++ b/book/figures.pptx
@@ -8866,13 +8866,14 @@
           </p:cNvPr>
           <p:cNvCxnSpPr>
             <a:cxnSpLocks/>
+            <a:endCxn id="90" idx="5"/>
           </p:cNvCxnSpPr>
           <p:nvPr/>
         </p:nvCxnSpPr>
         <p:spPr>
           <a:xfrm flipH="1" flipV="1">
-            <a:off x="5065735" y="2439230"/>
-            <a:ext cx="945302" cy="626773"/>
+            <a:off x="5052795" y="2389094"/>
+            <a:ext cx="958242" cy="676910"/>
           </a:xfrm>
           <a:prstGeom prst="straightConnector1">
             <a:avLst/>

--- a/book/figures.pptx
+++ b/book/figures.pptx
@@ -202,7 +202,7 @@
           <a:p>
             <a:fld id="{CA6D6662-2E78-E749-AC74-8B6293A2273E}" type="datetimeFigureOut">
               <a:rPr lang="en-US" smtClean="0"/>
-              <a:t>6/14/20</a:t>
+              <a:t>7/30/20</a:t>
             </a:fld>
             <a:endParaRPr lang="en-US"/>
           </a:p>
@@ -700,7 +700,7 @@
           <a:p>
             <a:fld id="{04834100-F070-AD4C-B025-37E5903F439D}" type="datetimeFigureOut">
               <a:rPr lang="en-US" smtClean="0"/>
-              <a:t>6/14/20</a:t>
+              <a:t>7/30/20</a:t>
             </a:fld>
             <a:endParaRPr lang="en-US"/>
           </a:p>
@@ -898,7 +898,7 @@
           <a:p>
             <a:fld id="{04834100-F070-AD4C-B025-37E5903F439D}" type="datetimeFigureOut">
               <a:rPr lang="en-US" smtClean="0"/>
-              <a:t>6/14/20</a:t>
+              <a:t>7/30/20</a:t>
             </a:fld>
             <a:endParaRPr lang="en-US"/>
           </a:p>
@@ -1106,7 +1106,7 @@
           <a:p>
             <a:fld id="{04834100-F070-AD4C-B025-37E5903F439D}" type="datetimeFigureOut">
               <a:rPr lang="en-US" smtClean="0"/>
-              <a:t>6/14/20</a:t>
+              <a:t>7/30/20</a:t>
             </a:fld>
             <a:endParaRPr lang="en-US"/>
           </a:p>
@@ -1304,7 +1304,7 @@
           <a:p>
             <a:fld id="{04834100-F070-AD4C-B025-37E5903F439D}" type="datetimeFigureOut">
               <a:rPr lang="en-US" smtClean="0"/>
-              <a:t>6/14/20</a:t>
+              <a:t>7/30/20</a:t>
             </a:fld>
             <a:endParaRPr lang="en-US"/>
           </a:p>
@@ -1579,7 +1579,7 @@
           <a:p>
             <a:fld id="{04834100-F070-AD4C-B025-37E5903F439D}" type="datetimeFigureOut">
               <a:rPr lang="en-US" smtClean="0"/>
-              <a:t>6/14/20</a:t>
+              <a:t>7/30/20</a:t>
             </a:fld>
             <a:endParaRPr lang="en-US"/>
           </a:p>
@@ -1844,7 +1844,7 @@
           <a:p>
             <a:fld id="{04834100-F070-AD4C-B025-37E5903F439D}" type="datetimeFigureOut">
               <a:rPr lang="en-US" smtClean="0"/>
-              <a:t>6/14/20</a:t>
+              <a:t>7/30/20</a:t>
             </a:fld>
             <a:endParaRPr lang="en-US"/>
           </a:p>
@@ -2256,7 +2256,7 @@
           <a:p>
             <a:fld id="{04834100-F070-AD4C-B025-37E5903F439D}" type="datetimeFigureOut">
               <a:rPr lang="en-US" smtClean="0"/>
-              <a:t>6/14/20</a:t>
+              <a:t>7/30/20</a:t>
             </a:fld>
             <a:endParaRPr lang="en-US"/>
           </a:p>
@@ -2402,7 +2402,7 @@
           <a:p>
             <a:fld id="{04834100-F070-AD4C-B025-37E5903F439D}" type="datetimeFigureOut">
               <a:rPr lang="en-US" smtClean="0"/>
-              <a:t>6/14/20</a:t>
+              <a:t>7/30/20</a:t>
             </a:fld>
             <a:endParaRPr lang="en-US"/>
           </a:p>
@@ -2515,7 +2515,7 @@
           <a:p>
             <a:fld id="{04834100-F070-AD4C-B025-37E5903F439D}" type="datetimeFigureOut">
               <a:rPr lang="en-US" smtClean="0"/>
-              <a:t>6/14/20</a:t>
+              <a:t>7/30/20</a:t>
             </a:fld>
             <a:endParaRPr lang="en-US"/>
           </a:p>
@@ -2826,7 +2826,7 @@
           <a:p>
             <a:fld id="{04834100-F070-AD4C-B025-37E5903F439D}" type="datetimeFigureOut">
               <a:rPr lang="en-US" smtClean="0"/>
-              <a:t>6/14/20</a:t>
+              <a:t>7/30/20</a:t>
             </a:fld>
             <a:endParaRPr lang="en-US"/>
           </a:p>
@@ -3114,7 +3114,7 @@
           <a:p>
             <a:fld id="{04834100-F070-AD4C-B025-37E5903F439D}" type="datetimeFigureOut">
               <a:rPr lang="en-US" smtClean="0"/>
-              <a:t>6/14/20</a:t>
+              <a:t>7/30/20</a:t>
             </a:fld>
             <a:endParaRPr lang="en-US"/>
           </a:p>
@@ -3355,7 +3355,7 @@
           <a:p>
             <a:fld id="{04834100-F070-AD4C-B025-37E5903F439D}" type="datetimeFigureOut">
               <a:rPr lang="en-US" smtClean="0"/>
-              <a:t>6/14/20</a:t>
+              <a:t>7/30/20</a:t>
             </a:fld>
             <a:endParaRPr lang="en-US"/>
           </a:p>
@@ -10368,7 +10368,7 @@
         </p:nvSpPr>
         <p:spPr>
           <a:xfrm rot="10800000">
-            <a:off x="1186668" y="3246473"/>
+            <a:off x="954002" y="3246473"/>
             <a:ext cx="484632" cy="340241"/>
           </a:xfrm>
           <a:prstGeom prst="upArrow">
@@ -11291,6 +11291,52 @@
         <p:spPr>
           <a:xfrm rot="16200000">
             <a:off x="538328" y="3671871"/>
+            <a:ext cx="484632" cy="340241"/>
+          </a:xfrm>
+          <a:prstGeom prst="upArrow">
+            <a:avLst/>
+          </a:prstGeom>
+        </p:spPr>
+        <p:style>
+          <a:lnRef idx="2">
+            <a:schemeClr val="accent1">
+              <a:shade val="50000"/>
+            </a:schemeClr>
+          </a:lnRef>
+          <a:fillRef idx="1">
+            <a:schemeClr val="accent1"/>
+          </a:fillRef>
+          <a:effectRef idx="0">
+            <a:schemeClr val="accent1"/>
+          </a:effectRef>
+          <a:fontRef idx="minor">
+            <a:schemeClr val="lt1"/>
+          </a:fontRef>
+        </p:style>
+        <p:txBody>
+          <a:bodyPr rtlCol="0" anchor="ctr"/>
+          <a:lstStyle/>
+          <a:p>
+            <a:pPr algn="ctr"/>
+            <a:endParaRPr lang="en-US"/>
+          </a:p>
+        </p:txBody>
+      </p:sp>
+      <p:sp>
+        <p:nvSpPr>
+          <p:cNvPr id="50" name="Up Arrow 49">
+            <a:extLst>
+              <a:ext uri="{FF2B5EF4-FFF2-40B4-BE49-F238E27FC236}">
+                <a16:creationId xmlns:a16="http://schemas.microsoft.com/office/drawing/2014/main" id="{8A916E6C-1D58-DD48-99BA-F25015810358}"/>
+              </a:ext>
+            </a:extLst>
+          </p:cNvPr>
+          <p:cNvSpPr/>
+          <p:nvPr/>
+        </p:nvSpPr>
+        <p:spPr>
+          <a:xfrm>
+            <a:off x="1426874" y="3076353"/>
             <a:ext cx="484632" cy="340241"/>
           </a:xfrm>
           <a:prstGeom prst="upArrow">
